--- a/slides/slides_biopython.pptx
+++ b/slides/slides_biopython.pptx
@@ -5,45 +5,43 @@
     <p:sldMasterId id="2147483660" r:id="rId1"/>
   </p:sldMasterIdLst>
   <p:notesMasterIdLst>
-    <p:notesMasterId r:id="rId38"/>
+    <p:notesMasterId r:id="rId36"/>
   </p:notesMasterIdLst>
   <p:sldIdLst>
     <p:sldId id="256" r:id="rId2"/>
-    <p:sldId id="524" r:id="rId3"/>
-    <p:sldId id="468" r:id="rId4"/>
-    <p:sldId id="476" r:id="rId5"/>
-    <p:sldId id="491" r:id="rId6"/>
-    <p:sldId id="505" r:id="rId7"/>
-    <p:sldId id="506" r:id="rId8"/>
-    <p:sldId id="521" r:id="rId9"/>
-    <p:sldId id="522" r:id="rId10"/>
-    <p:sldId id="507" r:id="rId11"/>
-    <p:sldId id="508" r:id="rId12"/>
-    <p:sldId id="471" r:id="rId13"/>
-    <p:sldId id="493" r:id="rId14"/>
-    <p:sldId id="511" r:id="rId15"/>
-    <p:sldId id="513" r:id="rId16"/>
-    <p:sldId id="517" r:id="rId17"/>
-    <p:sldId id="514" r:id="rId18"/>
-    <p:sldId id="515" r:id="rId19"/>
-    <p:sldId id="518" r:id="rId20"/>
-    <p:sldId id="475" r:id="rId21"/>
-    <p:sldId id="523" r:id="rId22"/>
-    <p:sldId id="478" r:id="rId23"/>
-    <p:sldId id="520" r:id="rId24"/>
-    <p:sldId id="519" r:id="rId25"/>
-    <p:sldId id="483" r:id="rId26"/>
-    <p:sldId id="482" r:id="rId27"/>
-    <p:sldId id="383" r:id="rId28"/>
-    <p:sldId id="488" r:id="rId29"/>
-    <p:sldId id="501" r:id="rId30"/>
-    <p:sldId id="495" r:id="rId31"/>
-    <p:sldId id="502" r:id="rId32"/>
-    <p:sldId id="498" r:id="rId33"/>
-    <p:sldId id="499" r:id="rId34"/>
-    <p:sldId id="494" r:id="rId35"/>
-    <p:sldId id="500" r:id="rId36"/>
-    <p:sldId id="496" r:id="rId37"/>
+    <p:sldId id="468" r:id="rId3"/>
+    <p:sldId id="476" r:id="rId4"/>
+    <p:sldId id="491" r:id="rId5"/>
+    <p:sldId id="505" r:id="rId6"/>
+    <p:sldId id="506" r:id="rId7"/>
+    <p:sldId id="521" r:id="rId8"/>
+    <p:sldId id="522" r:id="rId9"/>
+    <p:sldId id="507" r:id="rId10"/>
+    <p:sldId id="508" r:id="rId11"/>
+    <p:sldId id="471" r:id="rId12"/>
+    <p:sldId id="493" r:id="rId13"/>
+    <p:sldId id="511" r:id="rId14"/>
+    <p:sldId id="513" r:id="rId15"/>
+    <p:sldId id="517" r:id="rId16"/>
+    <p:sldId id="514" r:id="rId17"/>
+    <p:sldId id="515" r:id="rId18"/>
+    <p:sldId id="518" r:id="rId19"/>
+    <p:sldId id="475" r:id="rId20"/>
+    <p:sldId id="523" r:id="rId21"/>
+    <p:sldId id="478" r:id="rId22"/>
+    <p:sldId id="520" r:id="rId23"/>
+    <p:sldId id="519" r:id="rId24"/>
+    <p:sldId id="483" r:id="rId25"/>
+    <p:sldId id="482" r:id="rId26"/>
+    <p:sldId id="488" r:id="rId27"/>
+    <p:sldId id="501" r:id="rId28"/>
+    <p:sldId id="495" r:id="rId29"/>
+    <p:sldId id="502" r:id="rId30"/>
+    <p:sldId id="498" r:id="rId31"/>
+    <p:sldId id="499" r:id="rId32"/>
+    <p:sldId id="494" r:id="rId33"/>
+    <p:sldId id="500" r:id="rId34"/>
+    <p:sldId id="496" r:id="rId35"/>
   </p:sldIdLst>
   <p:sldSz cx="9144000" cy="6858000" type="screen4x3"/>
   <p:notesSz cx="6858000" cy="9144000"/>
@@ -568,7 +566,7 @@
           <a:p>
             <a:fld id="{850A63CA-6EF3-434A-8E2F-FF8FCBDA0A72}" type="slidenum">
               <a:rPr lang="en-US" smtClean="0"/>
-              <a:t>11</a:t>
+              <a:t>10</a:t>
             </a:fld>
             <a:endParaRPr lang="en-US"/>
           </a:p>
@@ -656,7 +654,7 @@
           <a:p>
             <a:fld id="{850A63CA-6EF3-434A-8E2F-FF8FCBDA0A72}" type="slidenum">
               <a:rPr lang="en-US" smtClean="0"/>
-              <a:t>12</a:t>
+              <a:t>11</a:t>
             </a:fld>
             <a:endParaRPr lang="en-US"/>
           </a:p>
@@ -744,7 +742,7 @@
           <a:p>
             <a:fld id="{850A63CA-6EF3-434A-8E2F-FF8FCBDA0A72}" type="slidenum">
               <a:rPr lang="en-US" smtClean="0"/>
-              <a:t>13</a:t>
+              <a:t>12</a:t>
             </a:fld>
             <a:endParaRPr lang="en-US"/>
           </a:p>
@@ -4182,65 +4180,12 @@
           <a:lstStyle/>
           <a:p>
             <a:r>
+              <a:rPr lang="en-US" dirty="0" err="1" smtClean="0"/>
+              <a:t>Seq</a:t>
+            </a:r>
+            <a:r>
               <a:rPr lang="en-US" dirty="0" smtClean="0"/>
-              <a:t>the language of </a:t>
-            </a:r>
-            <a:r>
-              <a:rPr lang="en-US" dirty="0" err="1" smtClean="0"/>
-              <a:t>biopython</a:t>
-            </a:r>
-            <a:endParaRPr lang="en-US" dirty="0"/>
-          </a:p>
-        </p:txBody>
-      </p:sp>
-      <p:sp>
-        <p:nvSpPr>
-          <p:cNvPr id="3" name="Content Placeholder 2"/>
-          <p:cNvSpPr>
-            <a:spLocks noGrp="1"/>
-          </p:cNvSpPr>
-          <p:nvPr>
-            <p:ph idx="1"/>
-          </p:nvPr>
-        </p:nvSpPr>
-        <p:spPr>
-          <a:xfrm>
-            <a:off x="457200" y="1752600"/>
-            <a:ext cx="8291408" cy="5105400"/>
-          </a:xfrm>
-        </p:spPr>
-        <p:txBody>
-          <a:bodyPr>
-            <a:normAutofit/>
-          </a:bodyPr>
-          <a:lstStyle/>
-          <a:p>
-            <a:pPr marL="457200" indent="-457200">
-              <a:buFont typeface="Arial"/>
-              <a:buChar char="•"/>
-            </a:pPr>
-            <a:r>
-              <a:rPr lang="en-US" dirty="0" smtClean="0"/>
-              <a:t>Sequence </a:t>
-            </a:r>
-            <a:r>
-              <a:rPr lang="en-US" i="1" dirty="0" smtClean="0"/>
-              <a:t>records</a:t>
-            </a:r>
-            <a:r>
-              <a:rPr lang="en-US" dirty="0" smtClean="0"/>
-              <a:t> are stored as </a:t>
-            </a:r>
-            <a:r>
-              <a:rPr lang="en-US" err="1" smtClean="0">
-                <a:latin typeface="Monaco"/>
-                <a:cs typeface="Monaco"/>
-              </a:rPr>
-              <a:t>SeqRecord</a:t>
-            </a:r>
-            <a:r>
-              <a:rPr lang="en-US" smtClean="0"/>
-              <a:t> objects</a:t>
+              <a:t> objects are *not* strings!</a:t>
             </a:r>
             <a:endParaRPr lang="en-US" dirty="0"/>
           </a:p>
@@ -4254,8 +4199,8 @@
         </p:nvSpPr>
         <p:spPr>
           <a:xfrm>
-            <a:off x="286449" y="2736393"/>
-            <a:ext cx="8662059" cy="4401205"/>
+            <a:off x="286449" y="2186084"/>
+            <a:ext cx="8662059" cy="1446550"/>
           </a:xfrm>
           <a:prstGeom prst="rect">
             <a:avLst/>
@@ -4269,356 +4214,117 @@
           <a:lstStyle/>
           <a:p>
             <a:r>
-              <a:rPr lang="en-US" sz="2000" dirty="0" smtClean="0">
-                <a:latin typeface="Monaco"/>
-                <a:cs typeface="Monaco"/>
-              </a:rPr>
-              <a:t>from </a:t>
-            </a:r>
-            <a:r>
-              <a:rPr lang="en-US" sz="2000" dirty="0" err="1" smtClean="0">
-                <a:latin typeface="Monaco"/>
-                <a:cs typeface="Monaco"/>
-              </a:rPr>
-              <a:t>Bio.SeqRecord</a:t>
-            </a:r>
-            <a:r>
-              <a:rPr lang="en-US" sz="2000" dirty="0" smtClean="0">
-                <a:latin typeface="Monaco"/>
-                <a:cs typeface="Monaco"/>
-              </a:rPr>
-              <a:t> import </a:t>
-            </a:r>
-            <a:r>
-              <a:rPr lang="en-US" sz="2000" dirty="0" err="1" smtClean="0">
-                <a:latin typeface="Monaco"/>
-                <a:cs typeface="Monaco"/>
-              </a:rPr>
-              <a:t>SeqRecord</a:t>
-            </a:r>
-            <a:endParaRPr lang="en-US" sz="2000" dirty="0" smtClean="0">
+              <a:rPr lang="en-US" sz="2200" dirty="0" err="1" smtClean="0">
+                <a:latin typeface="Monaco"/>
+                <a:cs typeface="Monaco"/>
+              </a:rPr>
+              <a:t>my_seq</a:t>
+            </a:r>
+            <a:r>
+              <a:rPr lang="en-US" sz="2200" dirty="0" smtClean="0">
+                <a:latin typeface="Monaco"/>
+                <a:cs typeface="Monaco"/>
+              </a:rPr>
+              <a:t> = </a:t>
+            </a:r>
+            <a:r>
+              <a:rPr lang="en-US" sz="2200" dirty="0" err="1" smtClean="0">
+                <a:latin typeface="Monaco"/>
+                <a:cs typeface="Monaco"/>
+              </a:rPr>
+              <a:t>Seq</a:t>
+            </a:r>
+            <a:r>
+              <a:rPr lang="en-US" sz="2200" dirty="0" smtClean="0">
+                <a:latin typeface="Monaco"/>
+                <a:cs typeface="Monaco"/>
+              </a:rPr>
+              <a:t>("ACTAGACAA")</a:t>
+            </a:r>
+          </a:p>
+          <a:p>
+            <a:endParaRPr lang="en-US" sz="2200" dirty="0">
               <a:latin typeface="Monaco"/>
               <a:cs typeface="Monaco"/>
             </a:endParaRPr>
           </a:p>
           <a:p>
             <a:r>
-              <a:rPr lang="en-US" sz="2000" dirty="0" smtClean="0">
-                <a:latin typeface="Monaco"/>
-                <a:cs typeface="Monaco"/>
-              </a:rPr>
-              <a:t>from </a:t>
-            </a:r>
-            <a:r>
-              <a:rPr lang="en-US" sz="2000" dirty="0" err="1" smtClean="0">
-                <a:latin typeface="Monaco"/>
-                <a:cs typeface="Monaco"/>
-              </a:rPr>
-              <a:t>Bio.Seq</a:t>
-            </a:r>
-            <a:r>
-              <a:rPr lang="en-US" sz="2000" dirty="0" smtClean="0">
-                <a:latin typeface="Monaco"/>
-                <a:cs typeface="Monaco"/>
-              </a:rPr>
-              <a:t> import </a:t>
-            </a:r>
-            <a:r>
-              <a:rPr lang="en-US" sz="2000" dirty="0" err="1" smtClean="0">
-                <a:latin typeface="Monaco"/>
-                <a:cs typeface="Monaco"/>
-              </a:rPr>
-              <a:t>Seq</a:t>
-            </a:r>
-            <a:endParaRPr lang="en-US" sz="2000" dirty="0" smtClean="0">
+              <a:rPr lang="en-US" sz="2200" dirty="0">
+                <a:latin typeface="Monaco"/>
+                <a:cs typeface="Monaco"/>
+              </a:rPr>
+              <a:t># </a:t>
+            </a:r>
+            <a:r>
+              <a:rPr lang="en-US" sz="2200" dirty="0" smtClean="0">
+                <a:latin typeface="Monaco"/>
+                <a:cs typeface="Monaco"/>
+              </a:rPr>
+              <a:t>Can re</a:t>
+            </a:r>
+            <a:r>
+              <a:rPr lang="en-US" sz="2200" dirty="0">
+                <a:latin typeface="Monaco"/>
+                <a:cs typeface="Monaco"/>
+              </a:rPr>
+              <a:t>-cast to a string, as needed</a:t>
+            </a:r>
+            <a:endParaRPr lang="en-US" sz="2200" dirty="0" smtClean="0">
               <a:latin typeface="Monaco"/>
               <a:cs typeface="Monaco"/>
             </a:endParaRPr>
           </a:p>
           <a:p>
-            <a:endParaRPr lang="en-US" sz="2000" dirty="0">
-              <a:latin typeface="Monaco"/>
-              <a:cs typeface="Monaco"/>
-            </a:endParaRPr>
-          </a:p>
-          <a:p>
-            <a:r>
-              <a:rPr lang="en-US" sz="2000" dirty="0" smtClean="0">
-                <a:latin typeface="Monaco"/>
-                <a:cs typeface="Monaco"/>
-              </a:rPr>
-              <a:t># Define a </a:t>
-            </a:r>
-            <a:r>
-              <a:rPr lang="en-US" sz="2000" dirty="0" err="1" smtClean="0">
-                <a:latin typeface="Monaco"/>
-                <a:cs typeface="Monaco"/>
-              </a:rPr>
-              <a:t>SeqRecord</a:t>
-            </a:r>
-            <a:r>
-              <a:rPr lang="en-US" sz="2000" dirty="0" smtClean="0">
-                <a:latin typeface="Monaco"/>
-                <a:cs typeface="Monaco"/>
-              </a:rPr>
-              <a:t> object, </a:t>
-            </a:r>
-            <a:r>
-              <a:rPr lang="en-US" sz="2000" i="1" dirty="0" smtClean="0">
-                <a:latin typeface="Monaco"/>
-                <a:cs typeface="Monaco"/>
-              </a:rPr>
-              <a:t>with</a:t>
-            </a:r>
-            <a:r>
-              <a:rPr lang="en-US" sz="2000" dirty="0" smtClean="0">
-                <a:latin typeface="Monaco"/>
-                <a:cs typeface="Monaco"/>
-              </a:rPr>
-              <a:t> a </a:t>
-            </a:r>
-            <a:r>
-              <a:rPr lang="en-US" sz="2000" dirty="0" err="1" smtClean="0">
-                <a:latin typeface="Monaco"/>
-                <a:cs typeface="Monaco"/>
-              </a:rPr>
-              <a:t>Seq</a:t>
-            </a:r>
-            <a:r>
-              <a:rPr lang="en-US" sz="2000" dirty="0" smtClean="0">
-                <a:latin typeface="Monaco"/>
-                <a:cs typeface="Monaco"/>
-              </a:rPr>
-              <a:t> object</a:t>
-            </a:r>
-          </a:p>
-          <a:p>
-            <a:r>
-              <a:rPr lang="en-US" sz="2000" dirty="0" err="1" smtClean="0">
+            <a:r>
+              <a:rPr lang="en-US" sz="2200" dirty="0" err="1" smtClean="0">
+                <a:latin typeface="Monaco"/>
+                <a:cs typeface="Monaco"/>
+              </a:rPr>
+              <a:t>my_string_seq</a:t>
+            </a:r>
+            <a:r>
+              <a:rPr lang="en-US" sz="2200" dirty="0" smtClean="0">
+                <a:latin typeface="Monaco"/>
+                <a:cs typeface="Monaco"/>
+              </a:rPr>
+              <a:t> = </a:t>
+            </a:r>
+            <a:r>
+              <a:rPr lang="en-US" sz="2200" dirty="0" err="1" smtClean="0">
+                <a:latin typeface="Monaco"/>
+                <a:cs typeface="Monaco"/>
+              </a:rPr>
+              <a:t>str</a:t>
+            </a:r>
+            <a:r>
+              <a:rPr lang="en-US" sz="2200" dirty="0" smtClean="0">
+                <a:latin typeface="Monaco"/>
+                <a:cs typeface="Monaco"/>
+              </a:rPr>
+              <a:t>(</a:t>
+            </a:r>
+            <a:r>
+              <a:rPr lang="en-US" sz="2200" dirty="0" err="1" smtClean="0">
                 <a:latin typeface="Monaco"/>
                 <a:cs typeface="Monaco"/>
               </a:rPr>
               <a:t>my_seq</a:t>
             </a:r>
             <a:r>
-              <a:rPr lang="en-US" sz="2000" dirty="0" smtClean="0">
-                <a:latin typeface="Monaco"/>
-                <a:cs typeface="Monaco"/>
-              </a:rPr>
-              <a:t> = </a:t>
-            </a:r>
-            <a:r>
-              <a:rPr lang="en-US" sz="2000" dirty="0" err="1" smtClean="0">
-                <a:latin typeface="Monaco"/>
-                <a:cs typeface="Monaco"/>
-              </a:rPr>
-              <a:t>Seq</a:t>
-            </a:r>
-            <a:r>
-              <a:rPr lang="en-US" sz="2000" dirty="0" smtClean="0">
-                <a:latin typeface="Monaco"/>
-                <a:cs typeface="Monaco"/>
-              </a:rPr>
-              <a:t>("ACTAGACAA")</a:t>
-            </a:r>
-          </a:p>
-          <a:p>
-            <a:r>
-              <a:rPr lang="en-US" sz="2000" dirty="0" err="1" smtClean="0">
-                <a:latin typeface="Monaco"/>
-                <a:cs typeface="Monaco"/>
-              </a:rPr>
-              <a:t>my_seqrecord</a:t>
-            </a:r>
-            <a:r>
-              <a:rPr lang="en-US" sz="2000" dirty="0" smtClean="0">
-                <a:latin typeface="Monaco"/>
-                <a:cs typeface="Monaco"/>
-              </a:rPr>
-              <a:t> = </a:t>
-            </a:r>
-            <a:r>
-              <a:rPr lang="en-US" sz="2000" dirty="0" err="1" smtClean="0">
-                <a:latin typeface="Monaco"/>
-                <a:cs typeface="Monaco"/>
-              </a:rPr>
-              <a:t>SeqRecord</a:t>
-            </a:r>
-            <a:r>
-              <a:rPr lang="en-US" sz="2000" dirty="0" smtClean="0">
-                <a:latin typeface="Monaco"/>
-                <a:cs typeface="Monaco"/>
-              </a:rPr>
-              <a:t>(</a:t>
-            </a:r>
-            <a:r>
-              <a:rPr lang="en-US" sz="2000" dirty="0" err="1" smtClean="0">
-                <a:latin typeface="Monaco"/>
-                <a:cs typeface="Monaco"/>
-              </a:rPr>
-              <a:t>my_seq</a:t>
-            </a:r>
-            <a:r>
-              <a:rPr lang="en-US" sz="2000" dirty="0" smtClean="0">
-                <a:latin typeface="Monaco"/>
-                <a:cs typeface="Monaco"/>
-              </a:rPr>
-              <a:t>, id = "</a:t>
-            </a:r>
-            <a:r>
-              <a:rPr lang="en-US" sz="2000" dirty="0" err="1" smtClean="0">
-                <a:latin typeface="Monaco"/>
-                <a:cs typeface="Monaco"/>
-              </a:rPr>
-              <a:t>unique_id</a:t>
-            </a:r>
-            <a:r>
-              <a:rPr lang="en-US" sz="2000" dirty="0" smtClean="0">
-                <a:latin typeface="Monaco"/>
-                <a:cs typeface="Monaco"/>
-              </a:rPr>
-              <a:t>")</a:t>
-            </a:r>
-          </a:p>
-          <a:p>
-            <a:endParaRPr lang="en-US" sz="2000" dirty="0">
-              <a:latin typeface="Monaco"/>
-              <a:cs typeface="Monaco"/>
-            </a:endParaRPr>
-          </a:p>
-          <a:p>
-            <a:r>
-              <a:rPr lang="en-US" sz="2000" dirty="0" smtClean="0">
-                <a:latin typeface="Monaco"/>
-                <a:cs typeface="Monaco"/>
-              </a:rPr>
-              <a:t># Attributes and methods of </a:t>
-            </a:r>
-            <a:r>
-              <a:rPr lang="en-US" sz="2000" dirty="0" err="1" smtClean="0">
-                <a:latin typeface="Monaco"/>
-                <a:cs typeface="Monaco"/>
-              </a:rPr>
-              <a:t>SeqRecord</a:t>
-            </a:r>
-            <a:r>
-              <a:rPr lang="en-US" sz="2000" dirty="0" smtClean="0">
-                <a:latin typeface="Monaco"/>
-                <a:cs typeface="Monaco"/>
-              </a:rPr>
-              <a:t> objects (again, </a:t>
-            </a:r>
-            <a:r>
-              <a:rPr lang="en-US" sz="2000" dirty="0" err="1" smtClean="0">
-                <a:latin typeface="Monaco"/>
-                <a:cs typeface="Monaco"/>
-              </a:rPr>
-              <a:t>dir</a:t>
-            </a:r>
-            <a:r>
-              <a:rPr lang="en-US" sz="2000" dirty="0" smtClean="0">
-                <a:latin typeface="Monaco"/>
-                <a:cs typeface="Monaco"/>
-              </a:rPr>
-              <a:t>() )</a:t>
-            </a:r>
-          </a:p>
-          <a:p>
-            <a:r>
-              <a:rPr lang="en-US" sz="2000" dirty="0" err="1" smtClean="0">
-                <a:latin typeface="Monaco"/>
-                <a:cs typeface="Monaco"/>
-              </a:rPr>
-              <a:t>my_seqrecord</a:t>
-            </a:r>
-            <a:r>
-              <a:rPr lang="en-US" sz="2000" dirty="0" err="1" smtClean="0">
-                <a:solidFill>
-                  <a:srgbClr val="DC5924"/>
-                </a:solidFill>
-                <a:latin typeface="Monaco"/>
-                <a:cs typeface="Monaco"/>
-              </a:rPr>
-              <a:t>.id</a:t>
-            </a:r>
-            <a:endParaRPr lang="en-US" sz="2000" dirty="0" smtClean="0">
-              <a:solidFill>
-                <a:srgbClr val="DC5924"/>
-              </a:solidFill>
-              <a:latin typeface="Monaco"/>
-              <a:cs typeface="Monaco"/>
-            </a:endParaRPr>
-          </a:p>
-          <a:p>
-            <a:r>
-              <a:rPr lang="en-US" sz="2000" dirty="0" err="1" smtClean="0">
-                <a:latin typeface="Monaco"/>
-                <a:cs typeface="Monaco"/>
-              </a:rPr>
-              <a:t>my_seqrecord</a:t>
-            </a:r>
-            <a:r>
-              <a:rPr lang="en-US" sz="2000" dirty="0" err="1" smtClean="0">
-                <a:solidFill>
-                  <a:srgbClr val="DC5924"/>
-                </a:solidFill>
-                <a:latin typeface="Monaco"/>
-                <a:cs typeface="Monaco"/>
-              </a:rPr>
-              <a:t>.seq</a:t>
-            </a:r>
-            <a:endParaRPr lang="en-US" sz="2000" dirty="0" smtClean="0">
-              <a:solidFill>
-                <a:srgbClr val="DC5924"/>
-              </a:solidFill>
-              <a:latin typeface="Monaco"/>
-              <a:cs typeface="Monaco"/>
-            </a:endParaRPr>
-          </a:p>
-          <a:p>
-            <a:r>
-              <a:rPr lang="en-US" sz="2000" dirty="0" err="1" smtClean="0">
-                <a:latin typeface="Monaco"/>
-                <a:cs typeface="Monaco"/>
-              </a:rPr>
-              <a:t>my_seqrecord</a:t>
-            </a:r>
-            <a:r>
-              <a:rPr lang="en-US" sz="2000" dirty="0" err="1" smtClean="0">
-                <a:solidFill>
-                  <a:srgbClr val="DC5924"/>
-                </a:solidFill>
-                <a:latin typeface="Monaco"/>
-                <a:cs typeface="Monaco"/>
-              </a:rPr>
-              <a:t>.description</a:t>
-            </a:r>
-            <a:endParaRPr lang="en-US" sz="2000" dirty="0">
-              <a:solidFill>
-                <a:srgbClr val="DC5924"/>
-              </a:solidFill>
-              <a:latin typeface="Monaco"/>
-              <a:cs typeface="Monaco"/>
-            </a:endParaRPr>
-          </a:p>
-          <a:p>
-            <a:endParaRPr lang="en-US" sz="2000" dirty="0">
-              <a:latin typeface="Monaco"/>
-              <a:cs typeface="Monaco"/>
-            </a:endParaRPr>
-          </a:p>
-          <a:p>
-            <a:endParaRPr lang="en-US" sz="2000" dirty="0" smtClean="0">
-              <a:latin typeface="Monaco"/>
-              <a:cs typeface="Monaco"/>
-            </a:endParaRPr>
+              <a:rPr lang="en-US" sz="2200" dirty="0" smtClean="0">
+                <a:latin typeface="Monaco"/>
+                <a:cs typeface="Monaco"/>
+              </a:rPr>
+              <a:t>)</a:t>
+            </a:r>
           </a:p>
         </p:txBody>
       </p:sp>
     </p:spTree>
     <p:extLst>
       <p:ext uri="{BB962C8B-B14F-4D97-AF65-F5344CB8AC3E}">
-        <p14:creationId xmlns:p14="http://schemas.microsoft.com/office/powerpoint/2010/main" val="1248688941"/>
+        <p14:creationId xmlns:p14="http://schemas.microsoft.com/office/powerpoint/2010/main" val="363339845"/>
       </p:ext>
     </p:extLst>
   </p:cSld>
@@ -4661,151 +4367,91 @@
           <a:lstStyle/>
           <a:p>
             <a:r>
+              <a:rPr lang="en-US" dirty="0" smtClean="0"/>
+              <a:t>Reading sequence data</a:t>
+            </a:r>
+            <a:endParaRPr lang="en-US" dirty="0"/>
+          </a:p>
+        </p:txBody>
+      </p:sp>
+      <p:sp>
+        <p:nvSpPr>
+          <p:cNvPr id="3" name="Content Placeholder 2"/>
+          <p:cNvSpPr>
+            <a:spLocks noGrp="1"/>
+          </p:cNvSpPr>
+          <p:nvPr>
+            <p:ph idx="1"/>
+          </p:nvPr>
+        </p:nvSpPr>
+        <p:spPr/>
+        <p:txBody>
+          <a:bodyPr/>
+          <a:lstStyle/>
+          <a:p>
+            <a:pPr marL="457200" indent="-457200">
+              <a:buFont typeface="Arial"/>
+              <a:buChar char="•"/>
+            </a:pPr>
+            <a:r>
+              <a:rPr lang="en-US" dirty="0" smtClean="0"/>
+              <a:t>Two input/output </a:t>
+            </a:r>
+            <a:r>
               <a:rPr lang="en-US" dirty="0" err="1" smtClean="0"/>
-              <a:t>Seq</a:t>
+              <a:t>BioPython</a:t>
             </a:r>
             <a:r>
               <a:rPr lang="en-US" dirty="0" smtClean="0"/>
-              <a:t> objects are *not* strings!</a:t>
-            </a:r>
+              <a:t> modules:</a:t>
+            </a:r>
+          </a:p>
+          <a:p>
+            <a:pPr marL="914400" lvl="1" indent="-457200">
+              <a:buFont typeface="Arial"/>
+              <a:buChar char="•"/>
+            </a:pPr>
+            <a:r>
+              <a:rPr lang="en-US" dirty="0" err="1" smtClean="0">
+                <a:latin typeface="Monaco"/>
+                <a:cs typeface="Monaco"/>
+              </a:rPr>
+              <a:t>SeqIO</a:t>
+            </a:r>
+            <a:r>
+              <a:rPr lang="en-US" dirty="0" smtClean="0"/>
+              <a:t> for sequence files</a:t>
+            </a:r>
+          </a:p>
+          <a:p>
+            <a:pPr marL="914400" lvl="1" indent="-457200">
+              <a:buFont typeface="Arial"/>
+              <a:buChar char="•"/>
+            </a:pPr>
+            <a:r>
+              <a:rPr lang="en-US" dirty="0" err="1" smtClean="0">
+                <a:latin typeface="Monaco"/>
+                <a:cs typeface="Monaco"/>
+              </a:rPr>
+              <a:t>AlignIO</a:t>
+            </a:r>
+            <a:r>
+              <a:rPr lang="en-US" dirty="0" smtClean="0"/>
+              <a:t> for multiple sequence alignment files</a:t>
+            </a:r>
+          </a:p>
+          <a:p>
+            <a:pPr lvl="1" indent="0">
+              <a:buNone/>
+            </a:pPr>
             <a:endParaRPr lang="en-US" dirty="0"/>
-          </a:p>
-        </p:txBody>
-      </p:sp>
-      <p:sp>
-        <p:nvSpPr>
-          <p:cNvPr id="4" name="TextBox 3"/>
-          <p:cNvSpPr txBox="1"/>
-          <p:nvPr/>
-        </p:nvSpPr>
-        <p:spPr>
-          <a:xfrm>
-            <a:off x="286449" y="2186084"/>
-            <a:ext cx="8662059" cy="1446550"/>
-          </a:xfrm>
-          <a:prstGeom prst="rect">
-            <a:avLst/>
-          </a:prstGeom>
-          <a:noFill/>
-        </p:spPr>
-        <p:txBody>
-          <a:bodyPr wrap="square" rtlCol="0">
-            <a:spAutoFit/>
-          </a:bodyPr>
-          <a:lstStyle/>
-          <a:p>
-            <a:r>
-              <a:rPr lang="en-US" sz="2200" dirty="0" err="1" smtClean="0">
-                <a:latin typeface="Monaco"/>
-                <a:cs typeface="Monaco"/>
-              </a:rPr>
-              <a:t>my_seq</a:t>
-            </a:r>
-            <a:r>
-              <a:rPr lang="en-US" sz="2200" dirty="0" smtClean="0">
-                <a:latin typeface="Monaco"/>
-                <a:cs typeface="Monaco"/>
-              </a:rPr>
-              <a:t> = </a:t>
-            </a:r>
-            <a:r>
-              <a:rPr lang="en-US" sz="2200" dirty="0" err="1" smtClean="0">
-                <a:latin typeface="Monaco"/>
-                <a:cs typeface="Monaco"/>
-              </a:rPr>
-              <a:t>Seq</a:t>
-            </a:r>
-            <a:r>
-              <a:rPr lang="en-US" sz="2200" dirty="0" smtClean="0">
-                <a:latin typeface="Monaco"/>
-                <a:cs typeface="Monaco"/>
-              </a:rPr>
-              <a:t>("ACTAGACAA")</a:t>
-            </a:r>
-          </a:p>
-          <a:p>
-            <a:endParaRPr lang="en-US" sz="2200" dirty="0">
-              <a:latin typeface="Monaco"/>
-              <a:cs typeface="Monaco"/>
-            </a:endParaRPr>
-          </a:p>
-          <a:p>
-            <a:r>
-              <a:rPr lang="en-US" sz="2200" dirty="0">
-                <a:latin typeface="Monaco"/>
-                <a:cs typeface="Monaco"/>
-              </a:rPr>
-              <a:t># </a:t>
-            </a:r>
-            <a:r>
-              <a:rPr lang="en-US" sz="2200" dirty="0" smtClean="0">
-                <a:latin typeface="Monaco"/>
-                <a:cs typeface="Monaco"/>
-              </a:rPr>
-              <a:t>Can re</a:t>
-            </a:r>
-            <a:r>
-              <a:rPr lang="en-US" sz="2200" dirty="0">
-                <a:latin typeface="Monaco"/>
-                <a:cs typeface="Monaco"/>
-              </a:rPr>
-              <a:t>-cast to a string, as needed</a:t>
-            </a:r>
-            <a:endParaRPr lang="en-US" sz="2200" dirty="0" smtClean="0">
-              <a:latin typeface="Monaco"/>
-              <a:cs typeface="Monaco"/>
-            </a:endParaRPr>
-          </a:p>
-          <a:p>
-            <a:r>
-              <a:rPr lang="en-US" sz="2200" dirty="0" err="1" smtClean="0">
-                <a:latin typeface="Monaco"/>
-                <a:cs typeface="Monaco"/>
-              </a:rPr>
-              <a:t>my_string_seq</a:t>
-            </a:r>
-            <a:r>
-              <a:rPr lang="en-US" sz="2200" dirty="0" smtClean="0">
-                <a:latin typeface="Monaco"/>
-                <a:cs typeface="Monaco"/>
-              </a:rPr>
-              <a:t> = </a:t>
-            </a:r>
-            <a:r>
-              <a:rPr lang="en-US" sz="2200" dirty="0" err="1" smtClean="0">
-                <a:latin typeface="Monaco"/>
-                <a:cs typeface="Monaco"/>
-              </a:rPr>
-              <a:t>str</a:t>
-            </a:r>
-            <a:r>
-              <a:rPr lang="en-US" sz="2200" dirty="0" smtClean="0">
-                <a:latin typeface="Monaco"/>
-                <a:cs typeface="Monaco"/>
-              </a:rPr>
-              <a:t>(</a:t>
-            </a:r>
-            <a:r>
-              <a:rPr lang="en-US" sz="2200" dirty="0" err="1" smtClean="0">
-                <a:latin typeface="Monaco"/>
-                <a:cs typeface="Monaco"/>
-              </a:rPr>
-              <a:t>my_seq</a:t>
-            </a:r>
-            <a:r>
-              <a:rPr lang="en-US" sz="2200" dirty="0" smtClean="0">
-                <a:latin typeface="Monaco"/>
-                <a:cs typeface="Monaco"/>
-              </a:rPr>
-              <a:t>)</a:t>
-            </a:r>
           </a:p>
         </p:txBody>
       </p:sp>
     </p:spTree>
     <p:extLst>
       <p:ext uri="{BB962C8B-B14F-4D97-AF65-F5344CB8AC3E}">
-        <p14:creationId xmlns:p14="http://schemas.microsoft.com/office/powerpoint/2010/main" val="363339845"/>
+        <p14:creationId xmlns:p14="http://schemas.microsoft.com/office/powerpoint/2010/main" val="3789782871"/>
       </p:ext>
     </p:extLst>
   </p:cSld>
@@ -4922,9 +4568,71 @@
             </a:r>
           </a:p>
           <a:p>
-            <a:pPr lvl="1" indent="0">
-              <a:buNone/>
+            <a:pPr marL="914400" lvl="1" indent="-457200">
+              <a:buFont typeface="Arial"/>
+              <a:buChar char="•"/>
             </a:pPr>
+            <a:endParaRPr lang="en-US" dirty="0"/>
+          </a:p>
+          <a:p>
+            <a:pPr marL="457200" indent="-457200">
+              <a:buFont typeface="Arial"/>
+              <a:buChar char="•"/>
+            </a:pPr>
+            <a:r>
+              <a:rPr lang="en-US" dirty="0" smtClean="0"/>
+              <a:t>Two main functions for reading:</a:t>
+            </a:r>
+          </a:p>
+          <a:p>
+            <a:pPr marL="914400" lvl="1" indent="-457200">
+              <a:buFont typeface="Arial"/>
+              <a:buChar char="•"/>
+            </a:pPr>
+            <a:r>
+              <a:rPr lang="en-US" dirty="0" smtClean="0">
+                <a:latin typeface="Monaco"/>
+                <a:cs typeface="Monaco"/>
+              </a:rPr>
+              <a:t>.read() </a:t>
+            </a:r>
+            <a:r>
+              <a:rPr lang="en-US" dirty="0" smtClean="0"/>
+              <a:t>if file has </a:t>
+            </a:r>
+            <a:r>
+              <a:rPr lang="en-US" i="1" u="sng" dirty="0" smtClean="0"/>
+              <a:t>one</a:t>
+            </a:r>
+            <a:r>
+              <a:rPr lang="en-US" dirty="0" smtClean="0"/>
+              <a:t> sequence/alignment</a:t>
+            </a:r>
+          </a:p>
+          <a:p>
+            <a:pPr marL="914400" lvl="1" indent="-457200">
+              <a:buFont typeface="Arial"/>
+              <a:buChar char="•"/>
+            </a:pPr>
+            <a:r>
+              <a:rPr lang="en-US" dirty="0" smtClean="0">
+                <a:latin typeface="Monaco"/>
+                <a:cs typeface="Monaco"/>
+              </a:rPr>
+              <a:t>.parse() </a:t>
+            </a:r>
+            <a:r>
+              <a:rPr lang="en-US" dirty="0" smtClean="0"/>
+              <a:t>if file has </a:t>
+            </a:r>
+            <a:r>
+              <a:rPr lang="en-US" i="1" u="sng" dirty="0" smtClean="0"/>
+              <a:t>multiple</a:t>
+            </a:r>
+            <a:r>
+              <a:rPr lang="en-US" dirty="0" smtClean="0"/>
+              <a:t> sequences/alignments</a:t>
+            </a:r>
             <a:endParaRPr lang="en-US" dirty="0"/>
           </a:p>
         </p:txBody>
@@ -4932,7 +4640,7 @@
     </p:spTree>
     <p:extLst>
       <p:ext uri="{BB962C8B-B14F-4D97-AF65-F5344CB8AC3E}">
-        <p14:creationId xmlns:p14="http://schemas.microsoft.com/office/powerpoint/2010/main" val="3789782871"/>
+        <p14:creationId xmlns:p14="http://schemas.microsoft.com/office/powerpoint/2010/main" val="2015725642"/>
       </p:ext>
     </p:extLst>
   </p:cSld>
@@ -4975,8 +4683,12 @@
           <a:lstStyle/>
           <a:p>
             <a:r>
+              <a:rPr lang="en-US" dirty="0" err="1" smtClean="0"/>
+              <a:t>biopython</a:t>
+            </a:r>
+            <a:r>
               <a:rPr lang="en-US" dirty="0" smtClean="0"/>
-              <a:t>Reading sequence data</a:t>
+              <a:t> i/o syntax</a:t>
             </a:r>
             <a:endParaRPr lang="en-US" dirty="0"/>
           </a:p>
@@ -4984,144 +4696,160 @@
       </p:sp>
       <p:sp>
         <p:nvSpPr>
-          <p:cNvPr id="3" name="Content Placeholder 2"/>
-          <p:cNvSpPr>
-            <a:spLocks noGrp="1"/>
-          </p:cNvSpPr>
-          <p:nvPr>
-            <p:ph idx="1"/>
-          </p:nvPr>
-        </p:nvSpPr>
-        <p:spPr/>
-        <p:txBody>
-          <a:bodyPr/>
-          <a:lstStyle/>
-          <a:p>
-            <a:pPr marL="457200" indent="-457200">
-              <a:buFont typeface="Arial"/>
-              <a:buChar char="•"/>
-            </a:pPr>
-            <a:r>
-              <a:rPr lang="en-US" dirty="0" smtClean="0"/>
-              <a:t>Two input/output </a:t>
-            </a:r>
-            <a:r>
-              <a:rPr lang="en-US" dirty="0" err="1" smtClean="0"/>
-              <a:t>BioPython</a:t>
-            </a:r>
-            <a:r>
-              <a:rPr lang="en-US" dirty="0" smtClean="0"/>
-              <a:t> modules:</a:t>
-            </a:r>
-          </a:p>
-          <a:p>
-            <a:pPr marL="914400" lvl="1" indent="-457200">
-              <a:buFont typeface="Arial"/>
-              <a:buChar char="•"/>
-            </a:pPr>
-            <a:r>
-              <a:rPr lang="en-US" dirty="0" err="1" smtClean="0">
+          <p:cNvPr id="4" name="TextBox 3"/>
+          <p:cNvSpPr txBox="1"/>
+          <p:nvPr/>
+        </p:nvSpPr>
+        <p:spPr>
+          <a:xfrm>
+            <a:off x="286449" y="1748616"/>
+            <a:ext cx="8662059" cy="3170099"/>
+          </a:xfrm>
+          <a:prstGeom prst="rect">
+            <a:avLst/>
+          </a:prstGeom>
+          <a:noFill/>
+        </p:spPr>
+        <p:txBody>
+          <a:bodyPr wrap="square" rtlCol="0">
+            <a:spAutoFit/>
+          </a:bodyPr>
+          <a:lstStyle/>
+          <a:p>
+            <a:r>
+              <a:rPr lang="en-US" sz="2000" dirty="0">
+                <a:latin typeface="Monaco"/>
+                <a:cs typeface="Monaco"/>
+              </a:rPr>
+              <a:t>from Bio import </a:t>
+            </a:r>
+            <a:r>
+              <a:rPr lang="en-US" sz="2000" dirty="0" err="1">
+                <a:latin typeface="Monaco"/>
+                <a:cs typeface="Monaco"/>
+              </a:rPr>
+              <a:t>AlignIO</a:t>
+            </a:r>
+            <a:endParaRPr lang="en-US" sz="2000" dirty="0">
+              <a:latin typeface="Monaco"/>
+              <a:cs typeface="Monaco"/>
+            </a:endParaRPr>
+          </a:p>
+          <a:p>
+            <a:r>
+              <a:rPr lang="en-US" sz="2000" dirty="0" smtClean="0">
+                <a:latin typeface="Monaco"/>
+                <a:cs typeface="Monaco"/>
+              </a:rPr>
+              <a:t>from Bio import </a:t>
+            </a:r>
+            <a:r>
+              <a:rPr lang="en-US" sz="2000" dirty="0" err="1" smtClean="0">
                 <a:latin typeface="Monaco"/>
                 <a:cs typeface="Monaco"/>
               </a:rPr>
               <a:t>SeqIO</a:t>
             </a:r>
-            <a:r>
-              <a:rPr lang="en-US" dirty="0" smtClean="0"/>
-              <a:t> for sequence files</a:t>
-            </a:r>
-          </a:p>
-          <a:p>
-            <a:pPr marL="914400" lvl="1" indent="-457200">
-              <a:buFont typeface="Arial"/>
-              <a:buChar char="•"/>
-            </a:pPr>
-            <a:r>
-              <a:rPr lang="en-US" dirty="0" err="1" smtClean="0">
+            <a:endParaRPr lang="en-US" sz="2000" dirty="0" smtClean="0">
+              <a:latin typeface="Monaco"/>
+              <a:cs typeface="Monaco"/>
+            </a:endParaRPr>
+          </a:p>
+          <a:p>
+            <a:endParaRPr lang="en-US" sz="2000" dirty="0" smtClean="0">
+              <a:latin typeface="Monaco"/>
+              <a:cs typeface="Monaco"/>
+            </a:endParaRPr>
+          </a:p>
+          <a:p>
+            <a:r>
+              <a:rPr lang="en-US" sz="2000" dirty="0" smtClean="0">
+                <a:latin typeface="Monaco"/>
+                <a:cs typeface="Monaco"/>
+              </a:rPr>
+              <a:t># .read() and .parse() take 2 </a:t>
+            </a:r>
+            <a:r>
+              <a:rPr lang="en-US" sz="2000" smtClean="0">
+                <a:latin typeface="Monaco"/>
+                <a:cs typeface="Monaco"/>
+              </a:rPr>
+              <a:t>arguments:</a:t>
+            </a:r>
+          </a:p>
+          <a:p>
+            <a:endParaRPr lang="en-US" sz="2000" dirty="0" smtClean="0">
+              <a:latin typeface="Monaco"/>
+              <a:cs typeface="Monaco"/>
+            </a:endParaRPr>
+          </a:p>
+          <a:p>
+            <a:r>
+              <a:rPr lang="en-US" sz="2000" dirty="0" smtClean="0">
+                <a:latin typeface="Monaco"/>
+                <a:cs typeface="Monaco"/>
+              </a:rPr>
+              <a:t># &lt;</a:t>
+            </a:r>
+            <a:r>
+              <a:rPr lang="en-US" sz="2000" dirty="0" err="1" smtClean="0">
                 <a:latin typeface="Monaco"/>
                 <a:cs typeface="Monaco"/>
               </a:rPr>
               <a:t>AlignIO</a:t>
             </a:r>
             <a:r>
-              <a:rPr lang="en-US" dirty="0" smtClean="0"/>
-              <a:t> for multiple sequence alignment files</a:t>
-            </a:r>
-          </a:p>
-          <a:p>
-            <a:pPr marL="914400" lvl="1" indent="-457200">
-              <a:buFont typeface="Arial"/>
-              <a:buChar char="•"/>
-            </a:pPr>
-            <a:endParaRPr lang="en-US" dirty="0"/>
-          </a:p>
-          <a:p>
-            <a:pPr marL="457200" indent="-457200">
-              <a:buFont typeface="Arial"/>
-              <a:buChar char="•"/>
-            </a:pPr>
-            <a:r>
-              <a:rPr lang="en-US" dirty="0" smtClean="0"/>
-              <a:t>Two main functions for reading:</a:t>
-            </a:r>
-          </a:p>
-          <a:p>
-            <a:pPr marL="914400" lvl="1" indent="-457200">
-              <a:buFont typeface="Arial"/>
-              <a:buChar char="•"/>
-            </a:pPr>
-            <a:r>
-              <a:rPr lang="en-US" dirty="0" smtClean="0">
-                <a:latin typeface="Monaco"/>
-                <a:cs typeface="Monaco"/>
-              </a:rPr>
-              <a:t>.read() </a:t>
-            </a:r>
-            <a:r>
-              <a:rPr lang="en-US" dirty="0" smtClean="0"/>
-              <a:t>if file has </a:t>
-            </a:r>
-            <a:r>
-              <a:rPr lang="en-US" i="1" u="sng" dirty="0" smtClean="0"/>
-              <a:t>one</a:t>
-            </a:r>
-            <a:r>
-              <a:rPr lang="en-US" dirty="0" smtClean="0"/>
-              <a:t> sequence/alignment</a:t>
-            </a:r>
-          </a:p>
-          <a:p>
-            <a:pPr marL="914400" lvl="1" indent="-457200">
-              <a:buFont typeface="Arial"/>
-              <a:buChar char="•"/>
-            </a:pPr>
-            <a:r>
-              <a:rPr lang="en-US" dirty="0" smtClean="0">
-                <a:latin typeface="Monaco"/>
-                <a:cs typeface="Monaco"/>
-              </a:rPr>
-              <a:t>.parse() </a:t>
-            </a:r>
-            <a:r>
-              <a:rPr lang="en-US" dirty="0" smtClean="0"/>
-              <a:t>if file has </a:t>
-            </a:r>
-            <a:r>
-              <a:rPr lang="en-US" i="1" u="sng" dirty="0" smtClean="0"/>
-              <a:t>multiple</a:t>
-            </a:r>
-            <a:r>
-              <a:rPr lang="en-US" dirty="0" smtClean="0"/>
-              <a:t> sequences/alignments</a:t>
-            </a:r>
-            <a:endParaRPr lang="en-US" dirty="0"/>
+              <a:rPr lang="en-US" sz="2000" dirty="0" smtClean="0">
+                <a:latin typeface="Monaco"/>
+                <a:cs typeface="Monaco"/>
+              </a:rPr>
+              <a:t>/</a:t>
+            </a:r>
+            <a:r>
+              <a:rPr lang="en-US" sz="2000" dirty="0" err="1" smtClean="0">
+                <a:latin typeface="Monaco"/>
+                <a:cs typeface="Monaco"/>
+              </a:rPr>
+              <a:t>SeqIO</a:t>
+            </a:r>
+            <a:r>
+              <a:rPr lang="en-US" sz="2000" dirty="0" smtClean="0">
+                <a:latin typeface="Monaco"/>
+                <a:cs typeface="Monaco"/>
+              </a:rPr>
+              <a:t>&gt;.&lt;read/parse&gt;("filename", "format")</a:t>
+            </a:r>
+          </a:p>
+          <a:p>
+            <a:endParaRPr lang="en-US" sz="2000" dirty="0">
+              <a:latin typeface="Monaco"/>
+              <a:cs typeface="Monaco"/>
+            </a:endParaRPr>
+          </a:p>
+          <a:p>
+            <a:endParaRPr lang="en-US" sz="2000" dirty="0" smtClean="0">
+              <a:latin typeface="Monaco"/>
+              <a:cs typeface="Monaco"/>
+            </a:endParaRPr>
+          </a:p>
+          <a:p>
+            <a:endParaRPr lang="en-US" sz="2000" dirty="0" smtClean="0">
+              <a:latin typeface="Monaco"/>
+              <a:cs typeface="Monaco"/>
+            </a:endParaRPr>
+          </a:p>
+          <a:p>
+            <a:endParaRPr lang="en-US" sz="2000" dirty="0">
+              <a:latin typeface="Monaco"/>
+              <a:cs typeface="Monaco"/>
+            </a:endParaRPr>
           </a:p>
         </p:txBody>
       </p:sp>
     </p:spTree>
     <p:extLst>
       <p:ext uri="{BB962C8B-B14F-4D97-AF65-F5344CB8AC3E}">
-        <p14:creationId xmlns:p14="http://schemas.microsoft.com/office/powerpoint/2010/main" val="2015725642"/>
+        <p14:creationId xmlns:p14="http://schemas.microsoft.com/office/powerpoint/2010/main" val="1148514506"/>
       </p:ext>
     </p:extLst>
   </p:cSld>
@@ -5160,7 +4888,9 @@
         </p:nvSpPr>
         <p:spPr/>
         <p:txBody>
-          <a:bodyPr/>
+          <a:bodyPr>
+            <a:normAutofit/>
+          </a:bodyPr>
           <a:lstStyle/>
           <a:p>
             <a:r>
@@ -5168,169 +4898,29 @@
               <a:t>biopython</a:t>
             </a:r>
             <a:r>
+              <a:rPr lang="en-US" dirty="0"/>
+              <a:t> </a:t>
+            </a:r>
+            <a:r>
               <a:rPr lang="en-US" dirty="0" smtClean="0"/>
-              <a:t> i/o syntax</a:t>
+              <a:t>reads files as </a:t>
+            </a:r>
+            <a:r>
+              <a:rPr lang="en-US" dirty="0" err="1" smtClean="0"/>
+              <a:t>seqrecord</a:t>
+            </a:r>
+            <a:r>
+              <a:rPr lang="en-US" dirty="0" smtClean="0"/>
+              <a:t> objects</a:t>
             </a:r>
             <a:endParaRPr lang="en-US" dirty="0"/>
-          </a:p>
-        </p:txBody>
-      </p:sp>
-      <p:sp>
-        <p:nvSpPr>
-          <p:cNvPr id="4" name="TextBox 3"/>
-          <p:cNvSpPr txBox="1"/>
-          <p:nvPr/>
-        </p:nvSpPr>
-        <p:spPr>
-          <a:xfrm>
-            <a:off x="286449" y="1748616"/>
-            <a:ext cx="8662059" cy="3170099"/>
-          </a:xfrm>
-          <a:prstGeom prst="rect">
-            <a:avLst/>
-          </a:prstGeom>
-          <a:noFill/>
-        </p:spPr>
-        <p:txBody>
-          <a:bodyPr wrap="square" rtlCol="0">
-            <a:spAutoFit/>
-          </a:bodyPr>
-          <a:lstStyle/>
-          <a:p>
-            <a:r>
-              <a:rPr lang="en-US" sz="2000" dirty="0">
-                <a:latin typeface="Monaco"/>
-                <a:cs typeface="Monaco"/>
-              </a:rPr>
-              <a:t>from Bio import </a:t>
-            </a:r>
-            <a:r>
-              <a:rPr lang="en-US" sz="2000" dirty="0" err="1">
-                <a:latin typeface="Monaco"/>
-                <a:cs typeface="Monaco"/>
-              </a:rPr>
-              <a:t>AlignIO</a:t>
-            </a:r>
-            <a:endParaRPr lang="en-US" sz="2000" dirty="0">
-              <a:latin typeface="Monaco"/>
-              <a:cs typeface="Monaco"/>
-            </a:endParaRPr>
-          </a:p>
-          <a:p>
-            <a:r>
-              <a:rPr lang="en-US" sz="2000" dirty="0" smtClean="0">
-                <a:latin typeface="Monaco"/>
-                <a:cs typeface="Monaco"/>
-              </a:rPr>
-              <a:t>from Bio import </a:t>
-            </a:r>
-            <a:r>
-              <a:rPr lang="en-US" sz="2000" dirty="0" err="1" smtClean="0">
-                <a:latin typeface="Monaco"/>
-                <a:cs typeface="Monaco"/>
-              </a:rPr>
-              <a:t>SeqIO</a:t>
-            </a:r>
-            <a:endParaRPr lang="en-US" sz="2000" dirty="0" smtClean="0">
-              <a:latin typeface="Monaco"/>
-              <a:cs typeface="Monaco"/>
-            </a:endParaRPr>
-          </a:p>
-          <a:p>
-            <a:endParaRPr lang="en-US" sz="2000" dirty="0" smtClean="0">
-              <a:latin typeface="Monaco"/>
-              <a:cs typeface="Monaco"/>
-            </a:endParaRPr>
-          </a:p>
-          <a:p>
-            <a:r>
-              <a:rPr lang="en-US" sz="2000" dirty="0" smtClean="0">
-                <a:latin typeface="Monaco"/>
-                <a:cs typeface="Monaco"/>
-              </a:rPr>
-              <a:t># .read() and .parse() take 2 </a:t>
-            </a:r>
-            <a:r>
-              <a:rPr lang="en-US" sz="2000" smtClean="0">
-                <a:latin typeface="Monaco"/>
-                <a:cs typeface="Monaco"/>
-              </a:rPr>
-              <a:t>arguments:</a:t>
-            </a:r>
-          </a:p>
-          <a:p>
-            <a:endParaRPr lang="en-US" sz="2000" dirty="0" smtClean="0">
-              <a:latin typeface="Monaco"/>
-              <a:cs typeface="Monaco"/>
-            </a:endParaRPr>
-          </a:p>
-          <a:p>
-            <a:r>
-              <a:rPr lang="en-US" sz="2000" dirty="0" smtClean="0">
-                <a:latin typeface="Monaco"/>
-                <a:cs typeface="Monaco"/>
-              </a:rPr>
-              <a:t># &lt;</a:t>
-            </a:r>
-            <a:r>
-              <a:rPr lang="en-US" sz="2000" dirty="0" err="1" smtClean="0">
-                <a:latin typeface="Monaco"/>
-                <a:cs typeface="Monaco"/>
-              </a:rPr>
-              <a:t>AlignIO</a:t>
-            </a:r>
-            <a:r>
-              <a:rPr lang="en-US" sz="2000" dirty="0" smtClean="0">
-                <a:latin typeface="Monaco"/>
-                <a:cs typeface="Monaco"/>
-              </a:rPr>
-              <a:t>/</a:t>
-            </a:r>
-            <a:r>
-              <a:rPr lang="en-US" sz="2000" dirty="0" err="1" smtClean="0">
-                <a:latin typeface="Monaco"/>
-                <a:cs typeface="Monaco"/>
-              </a:rPr>
-              <a:t>SeqIO</a:t>
-            </a:r>
-            <a:r>
-              <a:rPr lang="en-US" sz="2000" dirty="0" smtClean="0">
-                <a:latin typeface="Monaco"/>
-                <a:cs typeface="Monaco"/>
-              </a:rPr>
-              <a:t>&gt;.&lt;read/parse&gt;("filename", "format")</a:t>
-            </a:r>
-          </a:p>
-          <a:p>
-            <a:endParaRPr lang="en-US" sz="2000" dirty="0">
-              <a:latin typeface="Monaco"/>
-              <a:cs typeface="Monaco"/>
-            </a:endParaRPr>
-          </a:p>
-          <a:p>
-            <a:endParaRPr lang="en-US" sz="2000" dirty="0" smtClean="0">
-              <a:latin typeface="Monaco"/>
-              <a:cs typeface="Monaco"/>
-            </a:endParaRPr>
-          </a:p>
-          <a:p>
-            <a:endParaRPr lang="en-US" sz="2000" dirty="0" smtClean="0">
-              <a:latin typeface="Monaco"/>
-              <a:cs typeface="Monaco"/>
-            </a:endParaRPr>
-          </a:p>
-          <a:p>
-            <a:endParaRPr lang="en-US" sz="2000" dirty="0">
-              <a:latin typeface="Monaco"/>
-              <a:cs typeface="Monaco"/>
-            </a:endParaRPr>
           </a:p>
         </p:txBody>
       </p:sp>
     </p:spTree>
     <p:extLst>
       <p:ext uri="{BB962C8B-B14F-4D97-AF65-F5344CB8AC3E}">
-        <p14:creationId xmlns:p14="http://schemas.microsoft.com/office/powerpoint/2010/main" val="1148514506"/>
+        <p14:creationId xmlns:p14="http://schemas.microsoft.com/office/powerpoint/2010/main" val="4082515397"/>
       </p:ext>
     </p:extLst>
   </p:cSld>
@@ -5398,10 +4988,251 @@
           </a:p>
         </p:txBody>
       </p:sp>
+      <p:sp>
+        <p:nvSpPr>
+          <p:cNvPr id="3" name="TextBox 2"/>
+          <p:cNvSpPr txBox="1"/>
+          <p:nvPr/>
+        </p:nvSpPr>
+        <p:spPr>
+          <a:xfrm>
+            <a:off x="286449" y="1748616"/>
+            <a:ext cx="8662059" cy="3477875"/>
+          </a:xfrm>
+          <a:prstGeom prst="rect">
+            <a:avLst/>
+          </a:prstGeom>
+          <a:noFill/>
+        </p:spPr>
+        <p:txBody>
+          <a:bodyPr wrap="square" rtlCol="0">
+            <a:spAutoFit/>
+          </a:bodyPr>
+          <a:lstStyle/>
+          <a:p>
+            <a:r>
+              <a:rPr lang="en-US" sz="2000" dirty="0">
+                <a:latin typeface="Monaco"/>
+                <a:cs typeface="Monaco"/>
+              </a:rPr>
+              <a:t>from Bio import </a:t>
+            </a:r>
+            <a:r>
+              <a:rPr lang="en-US" sz="2000" dirty="0" err="1">
+                <a:latin typeface="Monaco"/>
+                <a:cs typeface="Monaco"/>
+              </a:rPr>
+              <a:t>AlignIO</a:t>
+            </a:r>
+            <a:endParaRPr lang="en-US" sz="2000" dirty="0">
+              <a:latin typeface="Monaco"/>
+              <a:cs typeface="Monaco"/>
+            </a:endParaRPr>
+          </a:p>
+          <a:p>
+            <a:endParaRPr lang="en-US" sz="2000" dirty="0" smtClean="0">
+              <a:latin typeface="Monaco"/>
+              <a:cs typeface="Monaco"/>
+            </a:endParaRPr>
+          </a:p>
+          <a:p>
+            <a:r>
+              <a:rPr lang="en-US" sz="2000" dirty="0" smtClean="0">
+                <a:latin typeface="Monaco"/>
+                <a:cs typeface="Monaco"/>
+              </a:rPr>
+              <a:t># Read in an alignment file</a:t>
+            </a:r>
+          </a:p>
+          <a:p>
+            <a:r>
+              <a:rPr lang="en-US" sz="2000" dirty="0" err="1" smtClean="0">
+                <a:latin typeface="Monaco"/>
+                <a:cs typeface="Monaco"/>
+              </a:rPr>
+              <a:t>alignment_records</a:t>
+            </a:r>
+            <a:r>
+              <a:rPr lang="en-US" sz="2000" dirty="0" smtClean="0">
+                <a:latin typeface="Monaco"/>
+                <a:cs typeface="Monaco"/>
+              </a:rPr>
+              <a:t> = </a:t>
+            </a:r>
+            <a:r>
+              <a:rPr lang="en-US" sz="2000" dirty="0" err="1" smtClean="0">
+                <a:latin typeface="Monaco"/>
+                <a:cs typeface="Monaco"/>
+              </a:rPr>
+              <a:t>AlignIO.read</a:t>
+            </a:r>
+            <a:r>
+              <a:rPr lang="en-US" sz="2000" dirty="0" smtClean="0">
+                <a:latin typeface="Monaco"/>
+                <a:cs typeface="Monaco"/>
+              </a:rPr>
+              <a:t>("</a:t>
+            </a:r>
+            <a:r>
+              <a:rPr lang="en-US" sz="2000" dirty="0" err="1" smtClean="0">
+                <a:latin typeface="Monaco"/>
+                <a:cs typeface="Monaco"/>
+              </a:rPr>
+              <a:t>aln.phy</a:t>
+            </a:r>
+            <a:r>
+              <a:rPr lang="en-US" sz="2000" dirty="0" smtClean="0">
+                <a:latin typeface="Monaco"/>
+                <a:cs typeface="Monaco"/>
+              </a:rPr>
+              <a:t>", "</a:t>
+            </a:r>
+            <a:r>
+              <a:rPr lang="en-US" sz="2000" dirty="0" err="1" smtClean="0">
+                <a:latin typeface="Monaco"/>
+                <a:cs typeface="Monaco"/>
+              </a:rPr>
+              <a:t>phylip</a:t>
+            </a:r>
+            <a:r>
+              <a:rPr lang="en-US" sz="2000" dirty="0" smtClean="0">
+                <a:latin typeface="Monaco"/>
+                <a:cs typeface="Monaco"/>
+              </a:rPr>
+              <a:t>")</a:t>
+            </a:r>
+          </a:p>
+          <a:p>
+            <a:endParaRPr lang="en-US" sz="2000" dirty="0">
+              <a:latin typeface="Monaco"/>
+              <a:cs typeface="Monaco"/>
+            </a:endParaRPr>
+          </a:p>
+          <a:p>
+            <a:r>
+              <a:rPr lang="en-US" sz="2000" dirty="0" smtClean="0">
+                <a:latin typeface="Monaco"/>
+                <a:cs typeface="Monaco"/>
+              </a:rPr>
+              <a:t># We can loop over records!</a:t>
+            </a:r>
+          </a:p>
+          <a:p>
+            <a:r>
+              <a:rPr lang="en-US" sz="2000" dirty="0" smtClean="0">
+                <a:latin typeface="Monaco"/>
+                <a:cs typeface="Monaco"/>
+              </a:rPr>
+              <a:t>for record in </a:t>
+            </a:r>
+            <a:r>
+              <a:rPr lang="en-US" sz="2000" dirty="0" err="1" smtClean="0">
+                <a:latin typeface="Monaco"/>
+                <a:cs typeface="Monaco"/>
+              </a:rPr>
+              <a:t>alignment_records</a:t>
+            </a:r>
+            <a:r>
+              <a:rPr lang="en-US" sz="2000" dirty="0" smtClean="0">
+                <a:latin typeface="Monaco"/>
+                <a:cs typeface="Monaco"/>
+              </a:rPr>
+              <a:t>:</a:t>
+            </a:r>
+          </a:p>
+          <a:p>
+            <a:r>
+              <a:rPr lang="en-US" sz="2000" dirty="0">
+                <a:latin typeface="Monaco"/>
+                <a:cs typeface="Monaco"/>
+              </a:rPr>
+              <a:t>	</a:t>
+            </a:r>
+            <a:r>
+              <a:rPr lang="en-US" sz="2000" dirty="0" smtClean="0">
+                <a:latin typeface="Monaco"/>
+                <a:cs typeface="Monaco"/>
+              </a:rPr>
+              <a:t>print </a:t>
+            </a:r>
+            <a:r>
+              <a:rPr lang="en-US" sz="2000" dirty="0" err="1" smtClean="0">
+                <a:latin typeface="Monaco"/>
+                <a:cs typeface="Monaco"/>
+              </a:rPr>
+              <a:t>record.id</a:t>
+            </a:r>
+            <a:endParaRPr lang="en-US" sz="2000" dirty="0" smtClean="0">
+              <a:latin typeface="Monaco"/>
+              <a:cs typeface="Monaco"/>
+            </a:endParaRPr>
+          </a:p>
+          <a:p>
+            <a:r>
+              <a:rPr lang="en-US" sz="2000" dirty="0">
+                <a:latin typeface="Monaco"/>
+                <a:cs typeface="Monaco"/>
+              </a:rPr>
+              <a:t>	</a:t>
+            </a:r>
+            <a:r>
+              <a:rPr lang="en-US" sz="2000" dirty="0" smtClean="0">
+                <a:latin typeface="Monaco"/>
+                <a:cs typeface="Monaco"/>
+              </a:rPr>
+              <a:t>print </a:t>
+            </a:r>
+            <a:r>
+              <a:rPr lang="en-US" sz="2000" dirty="0" err="1" smtClean="0">
+                <a:latin typeface="Monaco"/>
+                <a:cs typeface="Monaco"/>
+              </a:rPr>
+              <a:t>record.seq</a:t>
+            </a:r>
+            <a:r>
+              <a:rPr lang="en-US" sz="2000" dirty="0" smtClean="0">
+                <a:latin typeface="Monaco"/>
+                <a:cs typeface="Monaco"/>
+              </a:rPr>
+              <a:t> # Consider re-casting to </a:t>
+            </a:r>
+            <a:r>
+              <a:rPr lang="en-US" sz="2000" dirty="0" err="1" smtClean="0">
+                <a:latin typeface="Monaco"/>
+                <a:cs typeface="Monaco"/>
+              </a:rPr>
+              <a:t>str</a:t>
+            </a:r>
+            <a:r>
+              <a:rPr lang="en-US" sz="2000" dirty="0" smtClean="0">
+                <a:latin typeface="Monaco"/>
+                <a:cs typeface="Monaco"/>
+              </a:rPr>
+              <a:t>()</a:t>
+            </a:r>
+            <a:endParaRPr lang="en-US" sz="2000" dirty="0">
+              <a:latin typeface="Monaco"/>
+              <a:cs typeface="Monaco"/>
+            </a:endParaRPr>
+          </a:p>
+          <a:p>
+            <a:endParaRPr lang="en-US" sz="2000" dirty="0" smtClean="0">
+              <a:latin typeface="Monaco"/>
+              <a:cs typeface="Monaco"/>
+            </a:endParaRPr>
+          </a:p>
+          <a:p>
+            <a:endParaRPr lang="en-US" sz="2000" dirty="0">
+              <a:latin typeface="Monaco"/>
+              <a:cs typeface="Monaco"/>
+            </a:endParaRPr>
+          </a:p>
+        </p:txBody>
+      </p:sp>
     </p:spTree>
     <p:extLst>
       <p:ext uri="{BB962C8B-B14F-4D97-AF65-F5344CB8AC3E}">
-        <p14:creationId xmlns:p14="http://schemas.microsoft.com/office/powerpoint/2010/main" val="4082515397"/>
+        <p14:creationId xmlns:p14="http://schemas.microsoft.com/office/powerpoint/2010/main" val="3858780761"/>
       </p:ext>
     </p:extLst>
   </p:cSld>
@@ -5710,10 +5541,82 @@
           </a:p>
         </p:txBody>
       </p:sp>
+      <p:sp>
+        <p:nvSpPr>
+          <p:cNvPr id="4" name="TextBox 3"/>
+          <p:cNvSpPr txBox="1"/>
+          <p:nvPr/>
+        </p:nvSpPr>
+        <p:spPr>
+          <a:xfrm>
+            <a:off x="127000" y="5229223"/>
+            <a:ext cx="8821508" cy="430887"/>
+          </a:xfrm>
+          <a:prstGeom prst="rect">
+            <a:avLst/>
+          </a:prstGeom>
+          <a:noFill/>
+        </p:spPr>
+        <p:txBody>
+          <a:bodyPr wrap="square" rtlCol="0">
+            <a:spAutoFit/>
+          </a:bodyPr>
+          <a:lstStyle/>
+          <a:p>
+            <a:r>
+              <a:rPr lang="en-US" sz="2200" dirty="0" smtClean="0">
+                <a:solidFill>
+                  <a:srgbClr val="DC5924"/>
+                </a:solidFill>
+              </a:rPr>
+              <a:t>Remember: import the </a:t>
+            </a:r>
+            <a:r>
+              <a:rPr lang="en-US" sz="2200" dirty="0" err="1" smtClean="0">
+                <a:solidFill>
+                  <a:srgbClr val="DC5924"/>
+                </a:solidFill>
+              </a:rPr>
+              <a:t>Seq</a:t>
+            </a:r>
+            <a:r>
+              <a:rPr lang="en-US" sz="2200" dirty="0" smtClean="0">
+                <a:solidFill>
+                  <a:srgbClr val="DC5924"/>
+                </a:solidFill>
+              </a:rPr>
+              <a:t>, </a:t>
+            </a:r>
+            <a:r>
+              <a:rPr lang="en-US" sz="2200" dirty="0" err="1" smtClean="0">
+                <a:solidFill>
+                  <a:srgbClr val="DC5924"/>
+                </a:solidFill>
+              </a:rPr>
+              <a:t>SeqRecord</a:t>
+            </a:r>
+            <a:r>
+              <a:rPr lang="en-US" sz="2200" dirty="0" smtClean="0">
+                <a:solidFill>
+                  <a:srgbClr val="DC5924"/>
+                </a:solidFill>
+              </a:rPr>
+              <a:t> modules to manipulate these!</a:t>
+            </a:r>
+            <a:endParaRPr lang="en-US" sz="2200" dirty="0">
+              <a:solidFill>
+                <a:srgbClr val="DC5924"/>
+              </a:solidFill>
+              <a:latin typeface="Monaco"/>
+              <a:cs typeface="Monaco"/>
+            </a:endParaRPr>
+          </a:p>
+        </p:txBody>
+      </p:sp>
     </p:spTree>
     <p:extLst>
       <p:ext uri="{BB962C8B-B14F-4D97-AF65-F5344CB8AC3E}">
-        <p14:creationId xmlns:p14="http://schemas.microsoft.com/office/powerpoint/2010/main" val="3858780761"/>
+        <p14:creationId xmlns:p14="http://schemas.microsoft.com/office/powerpoint/2010/main" val="3155703103"/>
       </p:ext>
     </p:extLst>
   </p:cSld>
@@ -5790,7 +5693,7 @@
         <p:spPr>
           <a:xfrm>
             <a:off x="286449" y="1748616"/>
-            <a:ext cx="8662059" cy="3477875"/>
+            <a:ext cx="8662059" cy="1938992"/>
           </a:xfrm>
           <a:prstGeom prst="rect">
             <a:avLst/>
@@ -5804,157 +5707,25 @@
           <a:lstStyle/>
           <a:p>
             <a:r>
-              <a:rPr lang="en-US" sz="2000" dirty="0">
+              <a:rPr lang="en-US" sz="2000" dirty="0" smtClean="0">
                 <a:latin typeface="Monaco"/>
                 <a:cs typeface="Monaco"/>
               </a:rPr>
               <a:t>from Bio import </a:t>
             </a:r>
             <a:r>
-              <a:rPr lang="en-US" sz="2000" dirty="0" err="1">
-                <a:latin typeface="Monaco"/>
-                <a:cs typeface="Monaco"/>
-              </a:rPr>
-              <a:t>AlignIO</a:t>
-            </a:r>
-            <a:endParaRPr lang="en-US" sz="2000" dirty="0">
-              <a:latin typeface="Monaco"/>
-              <a:cs typeface="Monaco"/>
-            </a:endParaRPr>
-          </a:p>
-          <a:p>
+              <a:rPr lang="en-US" sz="2000" dirty="0" err="1" smtClean="0">
+                <a:latin typeface="Monaco"/>
+                <a:cs typeface="Monaco"/>
+              </a:rPr>
+              <a:t>SeqIO</a:t>
+            </a:r>
             <a:endParaRPr lang="en-US" sz="2000" dirty="0" smtClean="0">
               <a:latin typeface="Monaco"/>
               <a:cs typeface="Monaco"/>
             </a:endParaRPr>
           </a:p>
           <a:p>
-            <a:r>
-              <a:rPr lang="en-US" sz="2000" dirty="0" smtClean="0">
-                <a:latin typeface="Monaco"/>
-                <a:cs typeface="Monaco"/>
-              </a:rPr>
-              <a:t># Read in an alignment file</a:t>
-            </a:r>
-          </a:p>
-          <a:p>
-            <a:r>
-              <a:rPr lang="en-US" sz="2000" dirty="0" err="1" smtClean="0">
-                <a:latin typeface="Monaco"/>
-                <a:cs typeface="Monaco"/>
-              </a:rPr>
-              <a:t>alignment_records</a:t>
-            </a:r>
-            <a:r>
-              <a:rPr lang="en-US" sz="2000" dirty="0" smtClean="0">
-                <a:latin typeface="Monaco"/>
-                <a:cs typeface="Monaco"/>
-              </a:rPr>
-              <a:t> = </a:t>
-            </a:r>
-            <a:r>
-              <a:rPr lang="en-US" sz="2000" dirty="0" err="1" smtClean="0">
-                <a:latin typeface="Monaco"/>
-                <a:cs typeface="Monaco"/>
-              </a:rPr>
-              <a:t>AlignIO.read</a:t>
-            </a:r>
-            <a:r>
-              <a:rPr lang="en-US" sz="2000" dirty="0" smtClean="0">
-                <a:latin typeface="Monaco"/>
-                <a:cs typeface="Monaco"/>
-              </a:rPr>
-              <a:t>("</a:t>
-            </a:r>
-            <a:r>
-              <a:rPr lang="en-US" sz="2000" dirty="0" err="1" smtClean="0">
-                <a:latin typeface="Monaco"/>
-                <a:cs typeface="Monaco"/>
-              </a:rPr>
-              <a:t>aln.phy</a:t>
-            </a:r>
-            <a:r>
-              <a:rPr lang="en-US" sz="2000" dirty="0" smtClean="0">
-                <a:latin typeface="Monaco"/>
-                <a:cs typeface="Monaco"/>
-              </a:rPr>
-              <a:t>", "</a:t>
-            </a:r>
-            <a:r>
-              <a:rPr lang="en-US" sz="2000" dirty="0" err="1" smtClean="0">
-                <a:latin typeface="Monaco"/>
-                <a:cs typeface="Monaco"/>
-              </a:rPr>
-              <a:t>phylip</a:t>
-            </a:r>
-            <a:r>
-              <a:rPr lang="en-US" sz="2000" dirty="0" smtClean="0">
-                <a:latin typeface="Monaco"/>
-                <a:cs typeface="Monaco"/>
-              </a:rPr>
-              <a:t>")</a:t>
-            </a:r>
-          </a:p>
-          <a:p>
-            <a:endParaRPr lang="en-US" sz="2000" dirty="0">
-              <a:latin typeface="Monaco"/>
-              <a:cs typeface="Monaco"/>
-            </a:endParaRPr>
-          </a:p>
-          <a:p>
-            <a:r>
-              <a:rPr lang="en-US" sz="2000" dirty="0" smtClean="0">
-                <a:latin typeface="Monaco"/>
-                <a:cs typeface="Monaco"/>
-              </a:rPr>
-              <a:t># We can loop over records!</a:t>
-            </a:r>
-          </a:p>
-          <a:p>
-            <a:r>
-              <a:rPr lang="en-US" sz="2000" dirty="0" smtClean="0">
-                <a:latin typeface="Monaco"/>
-                <a:cs typeface="Monaco"/>
-              </a:rPr>
-              <a:t>for record in </a:t>
-            </a:r>
-            <a:r>
-              <a:rPr lang="en-US" sz="2000" dirty="0" err="1" smtClean="0">
-                <a:latin typeface="Monaco"/>
-                <a:cs typeface="Monaco"/>
-              </a:rPr>
-              <a:t>alignment_records</a:t>
-            </a:r>
-            <a:r>
-              <a:rPr lang="en-US" sz="2000" dirty="0" smtClean="0">
-                <a:latin typeface="Monaco"/>
-                <a:cs typeface="Monaco"/>
-              </a:rPr>
-              <a:t>:</a:t>
-            </a:r>
-          </a:p>
-          <a:p>
-            <a:r>
-              <a:rPr lang="en-US" sz="2000" dirty="0">
-                <a:latin typeface="Monaco"/>
-                <a:cs typeface="Monaco"/>
-              </a:rPr>
-              <a:t>	</a:t>
-            </a:r>
-            <a:r>
-              <a:rPr lang="en-US" sz="2000" dirty="0" smtClean="0">
-                <a:latin typeface="Monaco"/>
-                <a:cs typeface="Monaco"/>
-              </a:rPr>
-              <a:t>print </a:t>
-            </a:r>
-            <a:r>
-              <a:rPr lang="en-US" sz="2000" dirty="0" err="1" smtClean="0">
-                <a:latin typeface="Monaco"/>
-                <a:cs typeface="Monaco"/>
-              </a:rPr>
-              <a:t>record.id</a:t>
-            </a:r>
             <a:endParaRPr lang="en-US" sz="2000" dirty="0" smtClean="0">
               <a:latin typeface="Monaco"/>
               <a:cs typeface="Monaco"/>
@@ -5962,129 +5733,91 @@
           </a:p>
           <a:p>
             <a:r>
-              <a:rPr lang="en-US" sz="2000" dirty="0">
-                <a:latin typeface="Monaco"/>
-                <a:cs typeface="Monaco"/>
-              </a:rPr>
-              <a:t>	</a:t>
-            </a:r>
-            <a:r>
-              <a:rPr lang="en-US" sz="2000" dirty="0" smtClean="0">
-                <a:latin typeface="Monaco"/>
-                <a:cs typeface="Monaco"/>
-              </a:rPr>
-              <a:t>print </a:t>
-            </a:r>
-            <a:r>
-              <a:rPr lang="en-US" sz="2000" dirty="0" err="1" smtClean="0">
-                <a:latin typeface="Monaco"/>
-                <a:cs typeface="Monaco"/>
-              </a:rPr>
-              <a:t>record.seq</a:t>
-            </a:r>
-            <a:r>
-              <a:rPr lang="en-US" sz="2000" dirty="0" smtClean="0">
-                <a:latin typeface="Monaco"/>
-                <a:cs typeface="Monaco"/>
-              </a:rPr>
-              <a:t> # Consider re-casting to </a:t>
-            </a:r>
-            <a:r>
-              <a:rPr lang="en-US" sz="2000" dirty="0" err="1" smtClean="0">
-                <a:latin typeface="Monaco"/>
-                <a:cs typeface="Monaco"/>
-              </a:rPr>
-              <a:t>str</a:t>
-            </a:r>
-            <a:r>
-              <a:rPr lang="en-US" sz="2000" dirty="0" smtClean="0">
-                <a:latin typeface="Monaco"/>
-                <a:cs typeface="Monaco"/>
-              </a:rPr>
-              <a:t>()</a:t>
-            </a:r>
-            <a:endParaRPr lang="en-US" sz="2000" dirty="0">
-              <a:latin typeface="Monaco"/>
-              <a:cs typeface="Monaco"/>
-            </a:endParaRPr>
-          </a:p>
-          <a:p>
-            <a:endParaRPr lang="en-US" sz="2000" dirty="0" smtClean="0">
-              <a:latin typeface="Monaco"/>
-              <a:cs typeface="Monaco"/>
-            </a:endParaRPr>
-          </a:p>
-          <a:p>
-            <a:endParaRPr lang="en-US" sz="2000" dirty="0">
-              <a:latin typeface="Monaco"/>
-              <a:cs typeface="Monaco"/>
-            </a:endParaRPr>
-          </a:p>
-        </p:txBody>
-      </p:sp>
-      <p:sp>
-        <p:nvSpPr>
-          <p:cNvPr id="4" name="TextBox 3"/>
-          <p:cNvSpPr txBox="1"/>
-          <p:nvPr/>
-        </p:nvSpPr>
-        <p:spPr>
-          <a:xfrm>
-            <a:off x="127000" y="5229223"/>
-            <a:ext cx="8821508" cy="430887"/>
-          </a:xfrm>
-          <a:prstGeom prst="rect">
-            <a:avLst/>
-          </a:prstGeom>
-          <a:noFill/>
-        </p:spPr>
-        <p:txBody>
-          <a:bodyPr wrap="square" rtlCol="0">
-            <a:spAutoFit/>
-          </a:bodyPr>
-          <a:lstStyle/>
-          <a:p>
-            <a:r>
-              <a:rPr lang="en-US" sz="2200" dirty="0" smtClean="0">
+              <a:rPr lang="en-US" sz="2000" dirty="0" smtClean="0">
+                <a:latin typeface="Monaco"/>
+                <a:cs typeface="Monaco"/>
+              </a:rPr>
+              <a:t># Read in an file with many unaligned sequences</a:t>
+            </a:r>
+          </a:p>
+          <a:p>
+            <a:r>
+              <a:rPr lang="en-US" sz="2000" dirty="0" err="1" smtClean="0">
+                <a:latin typeface="Monaco"/>
+                <a:cs typeface="Monaco"/>
+              </a:rPr>
+              <a:t>seq_records</a:t>
+            </a:r>
+            <a:r>
+              <a:rPr lang="en-US" sz="2000" dirty="0" smtClean="0">
+                <a:latin typeface="Monaco"/>
+                <a:cs typeface="Monaco"/>
+              </a:rPr>
+              <a:t> = </a:t>
+            </a:r>
+            <a:r>
+              <a:rPr lang="en-US" sz="2000" smtClean="0">
+                <a:solidFill>
+                  <a:schemeClr val="accent5"/>
+                </a:solidFill>
+                <a:latin typeface="Monaco"/>
+                <a:cs typeface="Monaco"/>
+              </a:rPr>
+              <a:t>list(</a:t>
+            </a:r>
+            <a:r>
+              <a:rPr lang="en-US" sz="2000" smtClean="0">
+                <a:latin typeface="Monaco"/>
+                <a:cs typeface="Monaco"/>
+              </a:rPr>
+              <a:t>SeqIO.read</a:t>
+            </a:r>
+            <a:r>
+              <a:rPr lang="en-US" sz="2000" dirty="0" smtClean="0">
+                <a:latin typeface="Monaco"/>
+                <a:cs typeface="Monaco"/>
+              </a:rPr>
+              <a:t>("</a:t>
+            </a:r>
+            <a:r>
+              <a:rPr lang="en-US" sz="2000" dirty="0" err="1" smtClean="0">
+                <a:latin typeface="Monaco"/>
+                <a:cs typeface="Monaco"/>
+              </a:rPr>
+              <a:t>seqs.fasta</a:t>
+            </a:r>
+            <a:r>
+              <a:rPr lang="en-US" sz="2000" dirty="0" smtClean="0">
+                <a:latin typeface="Monaco"/>
+                <a:cs typeface="Monaco"/>
+              </a:rPr>
+              <a:t>", "</a:t>
+            </a:r>
+            <a:r>
+              <a:rPr lang="en-US" sz="2000" dirty="0" err="1" smtClean="0">
+                <a:latin typeface="Monaco"/>
+                <a:cs typeface="Monaco"/>
+              </a:rPr>
+              <a:t>fasta</a:t>
+            </a:r>
+            <a:r>
+              <a:rPr lang="en-US" sz="2000" smtClean="0">
+                <a:latin typeface="Monaco"/>
+                <a:cs typeface="Monaco"/>
+              </a:rPr>
+              <a:t>")</a:t>
+            </a:r>
+            <a:r>
+              <a:rPr lang="en-US" sz="2000" smtClean="0">
                 <a:solidFill>
                   <a:srgbClr val="DC5924"/>
                 </a:solidFill>
-              </a:rPr>
-              <a:t>Remember: import the </a:t>
-            </a:r>
-            <a:r>
-              <a:rPr lang="en-US" sz="2200" dirty="0" err="1" smtClean="0">
-                <a:solidFill>
-                  <a:srgbClr val="DC5924"/>
-                </a:solidFill>
-              </a:rPr>
-              <a:t>Seq</a:t>
-            </a:r>
-            <a:r>
-              <a:rPr lang="en-US" sz="2200" dirty="0" smtClean="0">
-                <a:solidFill>
-                  <a:srgbClr val="DC5924"/>
-                </a:solidFill>
-              </a:rPr>
-              <a:t>, </a:t>
-            </a:r>
-            <a:r>
-              <a:rPr lang="en-US" sz="2200" dirty="0" err="1" smtClean="0">
-                <a:solidFill>
-                  <a:srgbClr val="DC5924"/>
-                </a:solidFill>
-              </a:rPr>
-              <a:t>SeqRecord</a:t>
-            </a:r>
-            <a:r>
-              <a:rPr lang="en-US" sz="2200" dirty="0" smtClean="0">
-                <a:solidFill>
-                  <a:srgbClr val="DC5924"/>
-                </a:solidFill>
-              </a:rPr>
-              <a:t> modules to manipulate these!</a:t>
-            </a:r>
-            <a:endParaRPr lang="en-US" sz="2200" dirty="0">
+                <a:latin typeface="Monaco"/>
+                <a:cs typeface="Monaco"/>
+              </a:rPr>
+              <a:t>)</a:t>
+            </a:r>
+            <a:endParaRPr lang="en-US" sz="2000" dirty="0" smtClean="0">
               <a:solidFill>
                 <a:srgbClr val="DC5924"/>
               </a:solidFill>
@@ -6092,12 +5825,24 @@
               <a:cs typeface="Monaco"/>
             </a:endParaRPr>
           </a:p>
+          <a:p>
+            <a:endParaRPr lang="en-US" sz="2000" dirty="0" smtClean="0">
+              <a:latin typeface="Monaco"/>
+              <a:cs typeface="Monaco"/>
+            </a:endParaRPr>
+          </a:p>
+          <a:p>
+            <a:endParaRPr lang="en-US" sz="2000" dirty="0">
+              <a:latin typeface="Monaco"/>
+              <a:cs typeface="Monaco"/>
+            </a:endParaRPr>
+          </a:p>
         </p:txBody>
       </p:sp>
     </p:spTree>
     <p:extLst>
       <p:ext uri="{BB962C8B-B14F-4D97-AF65-F5344CB8AC3E}">
-        <p14:creationId xmlns:p14="http://schemas.microsoft.com/office/powerpoint/2010/main" val="3155703103"/>
+        <p14:creationId xmlns:p14="http://schemas.microsoft.com/office/powerpoint/2010/main" val="138074638"/>
       </p:ext>
     </p:extLst>
   </p:cSld>
@@ -6174,7 +5919,7 @@
         <p:spPr>
           <a:xfrm>
             <a:off x="286449" y="1748616"/>
-            <a:ext cx="8662059" cy="1938992"/>
+            <a:ext cx="8662059" cy="3170099"/>
           </a:xfrm>
           <a:prstGeom prst="rect">
             <a:avLst/>
@@ -6298,7 +6043,9 @@
               </a:rPr>
               <a:t>)</a:t>
             </a:r>
-            <a:endParaRPr lang="en-US" sz="2000" dirty="0" smtClean="0">
+          </a:p>
+          <a:p>
+            <a:endParaRPr lang="en-US" sz="2000">
               <a:solidFill>
                 <a:srgbClr val="DC5924"/>
               </a:solidFill>
@@ -6307,12 +6054,50 @@
             </a:endParaRPr>
           </a:p>
           <a:p>
+            <a:r>
+              <a:rPr lang="en-US" sz="2000" smtClean="0">
+                <a:latin typeface="Monaco"/>
+                <a:cs typeface="Monaco"/>
+              </a:rPr>
+              <a:t># Again, loop</a:t>
+            </a:r>
+          </a:p>
+          <a:p>
+            <a:r>
+              <a:rPr lang="en-US" sz="2000" smtClean="0">
+                <a:latin typeface="Monaco"/>
+                <a:cs typeface="Monaco"/>
+              </a:rPr>
+              <a:t>for rec in seq_records:</a:t>
+            </a:r>
+          </a:p>
+          <a:p>
+            <a:r>
+              <a:rPr lang="en-US" sz="2000">
+                <a:latin typeface="Monaco"/>
+                <a:cs typeface="Monaco"/>
+              </a:rPr>
+              <a:t>	</a:t>
+            </a:r>
+            <a:r>
+              <a:rPr lang="en-US" sz="2000" smtClean="0">
+                <a:latin typeface="Monaco"/>
+                <a:cs typeface="Monaco"/>
+              </a:rPr>
+              <a:t># commands</a:t>
+            </a:r>
             <a:endParaRPr lang="en-US" sz="2000" dirty="0" smtClean="0">
               <a:latin typeface="Monaco"/>
               <a:cs typeface="Monaco"/>
             </a:endParaRPr>
           </a:p>
           <a:p>
+            <a:endParaRPr lang="en-US" sz="2000" dirty="0" smtClean="0">
+              <a:latin typeface="Monaco"/>
+              <a:cs typeface="Monaco"/>
+            </a:endParaRPr>
+          </a:p>
+          <a:p>
             <a:endParaRPr lang="en-US" sz="2000" dirty="0">
               <a:latin typeface="Monaco"/>
               <a:cs typeface="Monaco"/>
@@ -6323,7 +6108,7 @@
     </p:spTree>
     <p:extLst>
       <p:ext uri="{BB962C8B-B14F-4D97-AF65-F5344CB8AC3E}">
-        <p14:creationId xmlns:p14="http://schemas.microsoft.com/office/powerpoint/2010/main" val="138074638"/>
+        <p14:creationId xmlns:p14="http://schemas.microsoft.com/office/powerpoint/2010/main" val="4061453596"/>
       </p:ext>
     </p:extLst>
   </p:cSld>
@@ -6362,234 +6147,58 @@
         </p:nvSpPr>
         <p:spPr/>
         <p:txBody>
-          <a:bodyPr>
-            <a:normAutofit/>
-          </a:bodyPr>
-          <a:lstStyle/>
-          <a:p>
-            <a:r>
-              <a:rPr lang="en-US" dirty="0" err="1" smtClean="0"/>
-              <a:t>biopython</a:t>
-            </a:r>
-            <a:r>
-              <a:rPr lang="en-US" dirty="0"/>
-              <a:t> </a:t>
-            </a:r>
+          <a:bodyPr/>
+          <a:lstStyle/>
+          <a:p>
             <a:r>
               <a:rPr lang="en-US" dirty="0" smtClean="0"/>
-              <a:t>reads files as </a:t>
-            </a:r>
-            <a:r>
-              <a:rPr lang="en-US" dirty="0" err="1" smtClean="0"/>
-              <a:t>seqrecord</a:t>
-            </a:r>
+              <a:t>converting sequence data format</a:t>
+            </a:r>
+            <a:endParaRPr lang="en-US" dirty="0"/>
+          </a:p>
+        </p:txBody>
+      </p:sp>
+      <p:sp>
+        <p:nvSpPr>
+          <p:cNvPr id="3" name="Content Placeholder 2"/>
+          <p:cNvSpPr>
+            <a:spLocks noGrp="1"/>
+          </p:cNvSpPr>
+          <p:nvPr>
+            <p:ph idx="1"/>
+          </p:nvPr>
+        </p:nvSpPr>
+        <p:spPr/>
+        <p:txBody>
+          <a:bodyPr/>
+          <a:lstStyle/>
+          <a:p>
+            <a:pPr marL="457200" indent="-457200">
+              <a:buFont typeface="Arial"/>
+              <a:buChar char="•"/>
+            </a:pPr>
             <a:r>
               <a:rPr lang="en-US" dirty="0" smtClean="0"/>
-              <a:t> objects</a:t>
-            </a:r>
-            <a:endParaRPr lang="en-US" dirty="0"/>
-          </a:p>
-        </p:txBody>
-      </p:sp>
-      <p:sp>
-        <p:nvSpPr>
-          <p:cNvPr id="3" name="TextBox 2"/>
-          <p:cNvSpPr txBox="1"/>
-          <p:nvPr/>
-        </p:nvSpPr>
-        <p:spPr>
-          <a:xfrm>
-            <a:off x="286449" y="1748616"/>
-            <a:ext cx="8662059" cy="3170099"/>
-          </a:xfrm>
-          <a:prstGeom prst="rect">
-            <a:avLst/>
-          </a:prstGeom>
-          <a:noFill/>
-        </p:spPr>
-        <p:txBody>
-          <a:bodyPr wrap="square" rtlCol="0">
-            <a:spAutoFit/>
-          </a:bodyPr>
-          <a:lstStyle/>
-          <a:p>
-            <a:r>
-              <a:rPr lang="en-US" sz="2000" dirty="0" smtClean="0">
-                <a:latin typeface="Monaco"/>
-                <a:cs typeface="Monaco"/>
-              </a:rPr>
-              <a:t>from Bio import </a:t>
-            </a:r>
-            <a:r>
-              <a:rPr lang="en-US" sz="2000" dirty="0" err="1" smtClean="0">
-                <a:latin typeface="Monaco"/>
-                <a:cs typeface="Monaco"/>
-              </a:rPr>
-              <a:t>SeqIO</a:t>
-            </a:r>
-            <a:endParaRPr lang="en-US" sz="2000" dirty="0" smtClean="0">
+              <a:t>Easily convert between sequence file formats with </a:t>
+            </a:r>
+            <a:r>
+              <a:rPr lang="en-US" dirty="0" smtClean="0">
+                <a:latin typeface="Monaco"/>
+                <a:cs typeface="Monaco"/>
+              </a:rPr>
+              <a:t>.convert()</a:t>
+            </a:r>
+            <a:endParaRPr lang="en-US" dirty="0">
               <a:latin typeface="Monaco"/>
               <a:cs typeface="Monaco"/>
             </a:endParaRPr>
           </a:p>
-          <a:p>
-            <a:endParaRPr lang="en-US" sz="2000" dirty="0" smtClean="0">
-              <a:latin typeface="Monaco"/>
-              <a:cs typeface="Monaco"/>
-            </a:endParaRPr>
-          </a:p>
-          <a:p>
-            <a:r>
-              <a:rPr lang="en-US" sz="2000" dirty="0" smtClean="0">
-                <a:latin typeface="Monaco"/>
-                <a:cs typeface="Monaco"/>
-              </a:rPr>
-              <a:t># Read in an file with many unaligned sequences</a:t>
-            </a:r>
-          </a:p>
-          <a:p>
-            <a:r>
-              <a:rPr lang="en-US" sz="2000" dirty="0" err="1" smtClean="0">
-                <a:latin typeface="Monaco"/>
-                <a:cs typeface="Monaco"/>
-              </a:rPr>
-              <a:t>seq_records</a:t>
-            </a:r>
-            <a:r>
-              <a:rPr lang="en-US" sz="2000" dirty="0" smtClean="0">
-                <a:latin typeface="Monaco"/>
-                <a:cs typeface="Monaco"/>
-              </a:rPr>
-              <a:t> = </a:t>
-            </a:r>
-            <a:r>
-              <a:rPr lang="en-US" sz="2000" smtClean="0">
-                <a:solidFill>
-                  <a:schemeClr val="accent5"/>
-                </a:solidFill>
-                <a:latin typeface="Monaco"/>
-                <a:cs typeface="Monaco"/>
-              </a:rPr>
-              <a:t>list(</a:t>
-            </a:r>
-            <a:r>
-              <a:rPr lang="en-US" sz="2000" smtClean="0">
-                <a:latin typeface="Monaco"/>
-                <a:cs typeface="Monaco"/>
-              </a:rPr>
-              <a:t>SeqIO.read</a:t>
-            </a:r>
-            <a:r>
-              <a:rPr lang="en-US" sz="2000" dirty="0" smtClean="0">
-                <a:latin typeface="Monaco"/>
-                <a:cs typeface="Monaco"/>
-              </a:rPr>
-              <a:t>("</a:t>
-            </a:r>
-            <a:r>
-              <a:rPr lang="en-US" sz="2000" dirty="0" err="1" smtClean="0">
-                <a:latin typeface="Monaco"/>
-                <a:cs typeface="Monaco"/>
-              </a:rPr>
-              <a:t>seqs.fasta</a:t>
-            </a:r>
-            <a:r>
-              <a:rPr lang="en-US" sz="2000" dirty="0" smtClean="0">
-                <a:latin typeface="Monaco"/>
-                <a:cs typeface="Monaco"/>
-              </a:rPr>
-              <a:t>", "</a:t>
-            </a:r>
-            <a:r>
-              <a:rPr lang="en-US" sz="2000" dirty="0" err="1" smtClean="0">
-                <a:latin typeface="Monaco"/>
-                <a:cs typeface="Monaco"/>
-              </a:rPr>
-              <a:t>fasta</a:t>
-            </a:r>
-            <a:r>
-              <a:rPr lang="en-US" sz="2000" smtClean="0">
-                <a:latin typeface="Monaco"/>
-                <a:cs typeface="Monaco"/>
-              </a:rPr>
-              <a:t>")</a:t>
-            </a:r>
-            <a:r>
-              <a:rPr lang="en-US" sz="2000" smtClean="0">
-                <a:solidFill>
-                  <a:srgbClr val="DC5924"/>
-                </a:solidFill>
-                <a:latin typeface="Monaco"/>
-                <a:cs typeface="Monaco"/>
-              </a:rPr>
-              <a:t>)</a:t>
-            </a:r>
-          </a:p>
-          <a:p>
-            <a:endParaRPr lang="en-US" sz="2000">
-              <a:solidFill>
-                <a:srgbClr val="DC5924"/>
-              </a:solidFill>
-              <a:latin typeface="Monaco"/>
-              <a:cs typeface="Monaco"/>
-            </a:endParaRPr>
-          </a:p>
-          <a:p>
-            <a:r>
-              <a:rPr lang="en-US" sz="2000" smtClean="0">
-                <a:latin typeface="Monaco"/>
-                <a:cs typeface="Monaco"/>
-              </a:rPr>
-              <a:t># Again, loop</a:t>
-            </a:r>
-          </a:p>
-          <a:p>
-            <a:r>
-              <a:rPr lang="en-US" sz="2000" smtClean="0">
-                <a:latin typeface="Monaco"/>
-                <a:cs typeface="Monaco"/>
-              </a:rPr>
-              <a:t>for rec in seq_records:</a:t>
-            </a:r>
-          </a:p>
-          <a:p>
-            <a:r>
-              <a:rPr lang="en-US" sz="2000">
-                <a:latin typeface="Monaco"/>
-                <a:cs typeface="Monaco"/>
-              </a:rPr>
-              <a:t>	</a:t>
-            </a:r>
-            <a:r>
-              <a:rPr lang="en-US" sz="2000" smtClean="0">
-                <a:latin typeface="Monaco"/>
-                <a:cs typeface="Monaco"/>
-              </a:rPr>
-              <a:t># commands</a:t>
-            </a:r>
-            <a:endParaRPr lang="en-US" sz="2000" dirty="0" smtClean="0">
-              <a:latin typeface="Monaco"/>
-              <a:cs typeface="Monaco"/>
-            </a:endParaRPr>
-          </a:p>
-          <a:p>
-            <a:endParaRPr lang="en-US" sz="2000" dirty="0" smtClean="0">
-              <a:latin typeface="Monaco"/>
-              <a:cs typeface="Monaco"/>
-            </a:endParaRPr>
-          </a:p>
-          <a:p>
-            <a:endParaRPr lang="en-US" sz="2000" dirty="0">
-              <a:latin typeface="Monaco"/>
-              <a:cs typeface="Monaco"/>
-            </a:endParaRPr>
-          </a:p>
         </p:txBody>
       </p:sp>
     </p:spTree>
     <p:extLst>
       <p:ext uri="{BB962C8B-B14F-4D97-AF65-F5344CB8AC3E}">
-        <p14:creationId xmlns:p14="http://schemas.microsoft.com/office/powerpoint/2010/main" val="4061453596"/>
+        <p14:creationId xmlns:p14="http://schemas.microsoft.com/office/powerpoint/2010/main" val="1924657240"/>
       </p:ext>
     </p:extLst>
   </p:cSld>
@@ -6632,13 +6241,13 @@
           <a:lstStyle/>
           <a:p>
             <a:r>
-              <a:rPr lang="en-US" dirty="0" smtClean="0"/>
-              <a:t>installing </a:t>
-            </a:r>
-            <a:r>
               <a:rPr lang="en-US" dirty="0" err="1" smtClean="0"/>
               <a:t>biopython</a:t>
             </a:r>
+            <a:r>
+              <a:rPr lang="en-US" dirty="0" smtClean="0"/>
+              <a:t> is a standard bioinformatics tool</a:t>
+            </a:r>
             <a:endParaRPr lang="en-US" dirty="0"/>
           </a:p>
         </p:txBody>
@@ -6657,35 +6266,43 @@
         <p:txBody>
           <a:bodyPr/>
           <a:lstStyle/>
-          <a:p>
-            <a:r>
-              <a:rPr lang="en-US" dirty="0" smtClean="0"/>
-              <a:t>From a bash terminal, enter:</a:t>
-            </a:r>
-          </a:p>
           <a:p>
             <a:pPr marL="457200" indent="-457200">
               <a:buFont typeface="Arial"/>
               <a:buChar char="•"/>
             </a:pPr>
             <a:r>
-              <a:rPr lang="en-US" smtClean="0"/>
-              <a:t>Linux:  </a:t>
-            </a:r>
-            <a:endParaRPr lang="en-US" dirty="0" smtClean="0"/>
-          </a:p>
-          <a:p>
-            <a:r>
               <a:rPr lang="en-US" dirty="0"/>
-              <a:t>	</a:t>
-            </a:r>
+              <a:t>Convenient </a:t>
+            </a:r>
+            <a:r>
+              <a:rPr lang="en-US" dirty="0" smtClean="0"/>
+              <a:t>for </a:t>
+            </a:r>
+            <a:r>
+              <a:rPr lang="en-US" dirty="0"/>
+              <a:t>parsing and manipulating sequence data</a:t>
+            </a:r>
+          </a:p>
+          <a:p>
+            <a:pPr marL="457200" indent="-457200">
+              <a:buFont typeface="Arial"/>
+              <a:buChar char="•"/>
+            </a:pPr>
+            <a:endParaRPr lang="en-US" dirty="0"/>
+          </a:p>
+          <a:p>
+            <a:pPr lvl="1" indent="0">
+              <a:buNone/>
+            </a:pPr>
+            <a:endParaRPr lang="en-US" dirty="0"/>
           </a:p>
         </p:txBody>
       </p:sp>
     </p:spTree>
     <p:extLst>
       <p:ext uri="{BB962C8B-B14F-4D97-AF65-F5344CB8AC3E}">
-        <p14:creationId xmlns:p14="http://schemas.microsoft.com/office/powerpoint/2010/main" val="2087705985"/>
+        <p14:creationId xmlns:p14="http://schemas.microsoft.com/office/powerpoint/2010/main" val="1913672466"/>
       </p:ext>
     </p:extLst>
   </p:cSld>
@@ -6772,10 +6389,247 @@
           </a:p>
         </p:txBody>
       </p:sp>
+      <p:sp>
+        <p:nvSpPr>
+          <p:cNvPr id="4" name="TextBox 3"/>
+          <p:cNvSpPr txBox="1"/>
+          <p:nvPr/>
+        </p:nvSpPr>
+        <p:spPr>
+          <a:xfrm>
+            <a:off x="195492" y="3103306"/>
+            <a:ext cx="8948508" cy="3170099"/>
+          </a:xfrm>
+          <a:prstGeom prst="rect">
+            <a:avLst/>
+          </a:prstGeom>
+          <a:noFill/>
+        </p:spPr>
+        <p:txBody>
+          <a:bodyPr wrap="square" rtlCol="0">
+            <a:spAutoFit/>
+          </a:bodyPr>
+          <a:lstStyle/>
+          <a:p>
+            <a:r>
+              <a:rPr lang="en-US" sz="2000" dirty="0" smtClean="0">
+                <a:latin typeface="Monaco"/>
+                <a:cs typeface="Monaco"/>
+              </a:rPr>
+              <a:t>from Bio import </a:t>
+            </a:r>
+            <a:r>
+              <a:rPr lang="en-US" sz="2000" dirty="0" err="1" smtClean="0">
+                <a:latin typeface="Monaco"/>
+                <a:cs typeface="Monaco"/>
+              </a:rPr>
+              <a:t>AlignIO</a:t>
+            </a:r>
+            <a:endParaRPr lang="en-US" sz="2000" dirty="0" smtClean="0">
+              <a:latin typeface="Monaco"/>
+              <a:cs typeface="Monaco"/>
+            </a:endParaRPr>
+          </a:p>
+          <a:p>
+            <a:endParaRPr lang="en-US" sz="2000" dirty="0">
+              <a:latin typeface="Monaco"/>
+              <a:cs typeface="Monaco"/>
+            </a:endParaRPr>
+          </a:p>
+          <a:p>
+            <a:r>
+              <a:rPr lang="en-US" sz="2000" dirty="0" smtClean="0">
+                <a:latin typeface="Monaco"/>
+                <a:cs typeface="Monaco"/>
+              </a:rPr>
+              <a:t># Input file is FASTA, but we want PHYLIP!</a:t>
+            </a:r>
+          </a:p>
+          <a:p>
+            <a:r>
+              <a:rPr lang="en-US" sz="2000" dirty="0" smtClean="0">
+                <a:latin typeface="Monaco"/>
+                <a:cs typeface="Monaco"/>
+              </a:rPr>
+              <a:t>#</a:t>
+            </a:r>
+            <a:r>
+              <a:rPr lang="en-US" sz="2000" dirty="0" err="1" smtClean="0">
+                <a:latin typeface="Monaco"/>
+                <a:cs typeface="Monaco"/>
+              </a:rPr>
+              <a:t>AlignIO.convert</a:t>
+            </a:r>
+            <a:r>
+              <a:rPr lang="en-US" sz="2000" dirty="0" smtClean="0">
+                <a:latin typeface="Monaco"/>
+                <a:cs typeface="Monaco"/>
+              </a:rPr>
+              <a:t>(&lt;</a:t>
+            </a:r>
+            <a:r>
+              <a:rPr lang="en-US" sz="2000" dirty="0" err="1" smtClean="0">
+                <a:latin typeface="Monaco"/>
+                <a:cs typeface="Monaco"/>
+              </a:rPr>
+              <a:t>infile</a:t>
+            </a:r>
+            <a:r>
+              <a:rPr lang="en-US" sz="2000" dirty="0" smtClean="0">
+                <a:latin typeface="Monaco"/>
+                <a:cs typeface="Monaco"/>
+              </a:rPr>
+              <a:t>&gt;, &lt;</a:t>
+            </a:r>
+            <a:r>
+              <a:rPr lang="en-US" sz="2000" dirty="0" err="1" smtClean="0">
+                <a:latin typeface="Monaco"/>
+                <a:cs typeface="Monaco"/>
+              </a:rPr>
+              <a:t>informat</a:t>
+            </a:r>
+            <a:r>
+              <a:rPr lang="en-US" sz="2000" dirty="0" smtClean="0">
+                <a:latin typeface="Monaco"/>
+                <a:cs typeface="Monaco"/>
+              </a:rPr>
+              <a:t>&gt;, &lt;</a:t>
+            </a:r>
+            <a:r>
+              <a:rPr lang="en-US" sz="2000" dirty="0" err="1" smtClean="0">
+                <a:latin typeface="Monaco"/>
+                <a:cs typeface="Monaco"/>
+              </a:rPr>
+              <a:t>outfile</a:t>
+            </a:r>
+            <a:r>
+              <a:rPr lang="en-US" sz="2000" dirty="0" smtClean="0">
+                <a:latin typeface="Monaco"/>
+                <a:cs typeface="Monaco"/>
+              </a:rPr>
+              <a:t>&gt;, </a:t>
+            </a:r>
+            <a:r>
+              <a:rPr lang="en-US" sz="2000" dirty="0" err="1" smtClean="0">
+                <a:latin typeface="Monaco"/>
+                <a:cs typeface="Monaco"/>
+              </a:rPr>
+              <a:t>outformat</a:t>
+            </a:r>
+            <a:r>
+              <a:rPr lang="en-US" sz="2000" dirty="0" smtClean="0">
+                <a:latin typeface="Monaco"/>
+                <a:cs typeface="Monaco"/>
+              </a:rPr>
+              <a:t>&gt;)</a:t>
+            </a:r>
+          </a:p>
+          <a:p>
+            <a:endParaRPr lang="en-US" sz="2000" dirty="0">
+              <a:latin typeface="Monaco"/>
+              <a:cs typeface="Monaco"/>
+            </a:endParaRPr>
+          </a:p>
+          <a:p>
+            <a:r>
+              <a:rPr lang="en-US" sz="2000" dirty="0" err="1" smtClean="0">
+                <a:latin typeface="Monaco"/>
+                <a:cs typeface="Monaco"/>
+              </a:rPr>
+              <a:t>AlignIO.convert</a:t>
+            </a:r>
+            <a:r>
+              <a:rPr lang="en-US" sz="2000" dirty="0" smtClean="0">
+                <a:latin typeface="Monaco"/>
+                <a:cs typeface="Monaco"/>
+              </a:rPr>
+              <a:t>("</a:t>
+            </a:r>
+            <a:r>
+              <a:rPr lang="en-US" sz="2000" dirty="0" err="1" smtClean="0">
+                <a:latin typeface="Monaco"/>
+                <a:cs typeface="Monaco"/>
+              </a:rPr>
+              <a:t>in.fasta</a:t>
+            </a:r>
+            <a:r>
+              <a:rPr lang="en-US" sz="2000" dirty="0" smtClean="0">
+                <a:latin typeface="Monaco"/>
+                <a:cs typeface="Monaco"/>
+              </a:rPr>
+              <a:t>", "</a:t>
+            </a:r>
+            <a:r>
+              <a:rPr lang="en-US" sz="2000" dirty="0" err="1" smtClean="0">
+                <a:latin typeface="Monaco"/>
+                <a:cs typeface="Monaco"/>
+              </a:rPr>
+              <a:t>fasta</a:t>
+            </a:r>
+            <a:r>
+              <a:rPr lang="en-US" sz="2000" dirty="0" smtClean="0">
+                <a:latin typeface="Monaco"/>
+                <a:cs typeface="Monaco"/>
+              </a:rPr>
+              <a:t>", "</a:t>
+            </a:r>
+            <a:r>
+              <a:rPr lang="en-US" sz="2000" dirty="0" err="1" smtClean="0">
+                <a:latin typeface="Monaco"/>
+                <a:cs typeface="Monaco"/>
+              </a:rPr>
+              <a:t>out.phy</a:t>
+            </a:r>
+            <a:r>
+              <a:rPr lang="en-US" sz="2000" dirty="0" smtClean="0">
+                <a:latin typeface="Monaco"/>
+                <a:cs typeface="Monaco"/>
+              </a:rPr>
+              <a:t>", "</a:t>
+            </a:r>
+            <a:r>
+              <a:rPr lang="en-US" sz="2000" dirty="0" err="1" smtClean="0">
+                <a:latin typeface="Monaco"/>
+                <a:cs typeface="Monaco"/>
+              </a:rPr>
+              <a:t>phylip</a:t>
+            </a:r>
+            <a:r>
+              <a:rPr lang="en-US" sz="2000" dirty="0" smtClean="0">
+                <a:latin typeface="Monaco"/>
+                <a:cs typeface="Monaco"/>
+              </a:rPr>
+              <a:t>")</a:t>
+            </a:r>
+            <a:endParaRPr lang="en-US" sz="2000" dirty="0">
+              <a:latin typeface="Monaco"/>
+              <a:cs typeface="Monaco"/>
+            </a:endParaRPr>
+          </a:p>
+          <a:p>
+            <a:endParaRPr lang="en-US" sz="2000" dirty="0" smtClean="0">
+              <a:latin typeface="Monaco"/>
+              <a:cs typeface="Monaco"/>
+            </a:endParaRPr>
+          </a:p>
+          <a:p>
+            <a:endParaRPr lang="en-US" sz="2000" dirty="0">
+              <a:latin typeface="Monaco"/>
+              <a:cs typeface="Monaco"/>
+            </a:endParaRPr>
+          </a:p>
+          <a:p>
+            <a:endParaRPr lang="en-US" sz="2000" dirty="0" smtClean="0">
+              <a:latin typeface="Monaco"/>
+              <a:cs typeface="Monaco"/>
+            </a:endParaRPr>
+          </a:p>
+        </p:txBody>
+      </p:sp>
     </p:spTree>
     <p:extLst>
       <p:ext uri="{BB962C8B-B14F-4D97-AF65-F5344CB8AC3E}">
-        <p14:creationId xmlns:p14="http://schemas.microsoft.com/office/powerpoint/2010/main" val="1924657240"/>
+        <p14:creationId xmlns:p14="http://schemas.microsoft.com/office/powerpoint/2010/main" val="641959938"/>
       </p:ext>
     </p:extLst>
   </p:cSld>
@@ -6819,7 +6673,7 @@
           <a:p>
             <a:r>
               <a:rPr lang="en-US" dirty="0" smtClean="0"/>
-              <a:t>converting sequence data format</a:t>
+              <a:t>Writing sequence data</a:t>
             </a:r>
             <a:endParaRPr lang="en-US" dirty="0"/>
           </a:p>
@@ -6846,15 +6700,81 @@
             </a:pPr>
             <a:r>
               <a:rPr lang="en-US" dirty="0" smtClean="0"/>
-              <a:t>Easily convert between sequence file formats with </a:t>
+              <a:t>Use the </a:t>
             </a:r>
             <a:r>
               <a:rPr lang="en-US" dirty="0" smtClean="0">
                 <a:latin typeface="Monaco"/>
                 <a:cs typeface="Monaco"/>
               </a:rPr>
-              <a:t>.convert()</a:t>
-            </a:r>
+              <a:t>.write() </a:t>
+            </a:r>
+            <a:r>
+              <a:rPr lang="en-US" dirty="0" smtClean="0"/>
+              <a:t>method to write  </a:t>
+            </a:r>
+            <a:r>
+              <a:rPr lang="en-US" dirty="0" err="1" smtClean="0">
+                <a:latin typeface="Monaco"/>
+                <a:cs typeface="Monaco"/>
+              </a:rPr>
+              <a:t>SeqRecord</a:t>
+            </a:r>
+            <a:r>
+              <a:rPr lang="en-US" dirty="0" smtClean="0"/>
+              <a:t> object(s) to </a:t>
+            </a:r>
+            <a:r>
+              <a:rPr lang="en-US" smtClean="0"/>
+              <a:t>a file</a:t>
+            </a:r>
+          </a:p>
+          <a:p>
+            <a:pPr marL="457200" indent="-457200">
+              <a:buFont typeface="Arial"/>
+              <a:buChar char="•"/>
+            </a:pPr>
+            <a:endParaRPr lang="en-US"/>
+          </a:p>
+          <a:p>
+            <a:pPr marL="457200" indent="-457200">
+              <a:buFont typeface="Arial"/>
+              <a:buChar char="•"/>
+            </a:pPr>
+            <a:endParaRPr lang="en-US" smtClean="0"/>
+          </a:p>
+          <a:p>
+            <a:pPr marL="457200" indent="-457200">
+              <a:buFont typeface="Arial"/>
+              <a:buChar char="•"/>
+            </a:pPr>
+            <a:endParaRPr lang="en-US"/>
+          </a:p>
+          <a:p>
+            <a:pPr marL="457200" indent="-457200">
+              <a:buFont typeface="Arial"/>
+              <a:buChar char="•"/>
+            </a:pPr>
+            <a:endParaRPr lang="en-US" smtClean="0"/>
+          </a:p>
+          <a:p>
+            <a:pPr marL="457200" indent="-457200">
+              <a:buFont typeface="Arial"/>
+              <a:buChar char="•"/>
+            </a:pPr>
+            <a:endParaRPr lang="en-US"/>
+          </a:p>
+          <a:p>
+            <a:endParaRPr lang="en-US" dirty="0" smtClean="0"/>
+          </a:p>
+          <a:p>
+            <a:endParaRPr lang="en-US" dirty="0" smtClean="0"/>
+          </a:p>
+          <a:p>
+            <a:pPr marL="914400" lvl="1" indent="-457200">
+              <a:buFont typeface="Arial"/>
+              <a:buChar char="•"/>
+            </a:pPr>
             <a:endParaRPr lang="en-US" dirty="0">
               <a:latin typeface="Monaco"/>
               <a:cs typeface="Monaco"/>
@@ -6864,14 +6784,14 @@
       </p:sp>
       <p:sp>
         <p:nvSpPr>
-          <p:cNvPr id="4" name="TextBox 3"/>
+          <p:cNvPr id="5" name="TextBox 4"/>
           <p:cNvSpPr txBox="1"/>
           <p:nvPr/>
         </p:nvSpPr>
         <p:spPr>
           <a:xfrm>
-            <a:off x="195492" y="3103306"/>
-            <a:ext cx="8948508" cy="3170099"/>
+            <a:off x="1904939" y="858352"/>
+            <a:ext cx="184666" cy="369332"/>
           </a:xfrm>
           <a:prstGeom prst="rect">
             <a:avLst/>
@@ -6879,230 +6799,19 @@
           <a:noFill/>
         </p:spPr>
         <p:txBody>
-          <a:bodyPr wrap="square" rtlCol="0">
+          <a:bodyPr wrap="none" rtlCol="0">
             <a:spAutoFit/>
           </a:bodyPr>
           <a:lstStyle/>
           <a:p>
-            <a:r>
-              <a:rPr lang="en-US" sz="2000" dirty="0" smtClean="0">
-                <a:latin typeface="Monaco"/>
-                <a:cs typeface="Monaco"/>
-              </a:rPr>
-              <a:t>from Bio import </a:t>
-            </a:r>
-            <a:r>
-              <a:rPr lang="en-US" sz="2000" dirty="0" err="1" smtClean="0">
-                <a:latin typeface="Monaco"/>
-                <a:cs typeface="Monaco"/>
-              </a:rPr>
-              <a:t>AlignIO</a:t>
-            </a:r>
-            <a:endParaRPr lang="en-US" sz="2000" dirty="0" smtClean="0">
-              <a:latin typeface="Monaco"/>
-              <a:cs typeface="Monaco"/>
-            </a:endParaRPr>
-          </a:p>
-          <a:p>
-            <a:endParaRPr lang="en-US" sz="2000" dirty="0">
-              <a:latin typeface="Monaco"/>
-              <a:cs typeface="Monaco"/>
-            </a:endParaRPr>
-          </a:p>
-          <a:p>
-            <a:r>
-              <a:rPr lang="en-US" sz="2000" dirty="0" smtClean="0">
-                <a:latin typeface="Monaco"/>
-                <a:cs typeface="Monaco"/>
-              </a:rPr>
-              <a:t># Input file is FASTA, but we want PHYLIP!</a:t>
-            </a:r>
-          </a:p>
-          <a:p>
-            <a:r>
-              <a:rPr lang="en-US" sz="2000" dirty="0" smtClean="0">
-                <a:latin typeface="Monaco"/>
-                <a:cs typeface="Monaco"/>
-              </a:rPr>
-              <a:t>#</a:t>
-            </a:r>
-            <a:r>
-              <a:rPr lang="en-US" sz="2000" dirty="0" err="1" smtClean="0">
-                <a:latin typeface="Monaco"/>
-                <a:cs typeface="Monaco"/>
-              </a:rPr>
-              <a:t>AlignIO.convert</a:t>
-            </a:r>
-            <a:r>
-              <a:rPr lang="en-US" sz="2000" dirty="0" smtClean="0">
-                <a:latin typeface="Monaco"/>
-                <a:cs typeface="Monaco"/>
-              </a:rPr>
-              <a:t>(&lt;</a:t>
-            </a:r>
-            <a:r>
-              <a:rPr lang="en-US" sz="2000" dirty="0" err="1" smtClean="0">
-                <a:latin typeface="Monaco"/>
-                <a:cs typeface="Monaco"/>
-              </a:rPr>
-              <a:t>infile</a:t>
-            </a:r>
-            <a:r>
-              <a:rPr lang="en-US" sz="2000" dirty="0" smtClean="0">
-                <a:latin typeface="Monaco"/>
-                <a:cs typeface="Monaco"/>
-              </a:rPr>
-              <a:t>&gt;, &lt;</a:t>
-            </a:r>
-            <a:r>
-              <a:rPr lang="en-US" sz="2000" dirty="0" err="1" smtClean="0">
-                <a:latin typeface="Monaco"/>
-                <a:cs typeface="Monaco"/>
-              </a:rPr>
-              <a:t>informat</a:t>
-            </a:r>
-            <a:r>
-              <a:rPr lang="en-US" sz="2000" dirty="0" smtClean="0">
-                <a:latin typeface="Monaco"/>
-                <a:cs typeface="Monaco"/>
-              </a:rPr>
-              <a:t>&gt;, &lt;</a:t>
-            </a:r>
-            <a:r>
-              <a:rPr lang="en-US" sz="2000" dirty="0" err="1" smtClean="0">
-                <a:latin typeface="Monaco"/>
-                <a:cs typeface="Monaco"/>
-              </a:rPr>
-              <a:t>outfile</a:t>
-            </a:r>
-            <a:r>
-              <a:rPr lang="en-US" sz="2000" dirty="0" smtClean="0">
-                <a:latin typeface="Monaco"/>
-                <a:cs typeface="Monaco"/>
-              </a:rPr>
-              <a:t>&gt;, </a:t>
-            </a:r>
-            <a:r>
-              <a:rPr lang="en-US" sz="2000" dirty="0" err="1" smtClean="0">
-                <a:latin typeface="Monaco"/>
-                <a:cs typeface="Monaco"/>
-              </a:rPr>
-              <a:t>outformat</a:t>
-            </a:r>
-            <a:r>
-              <a:rPr lang="en-US" sz="2000" dirty="0" smtClean="0">
-                <a:latin typeface="Monaco"/>
-                <a:cs typeface="Monaco"/>
-              </a:rPr>
-              <a:t>&gt;)</a:t>
-            </a:r>
-          </a:p>
-          <a:p>
-            <a:endParaRPr lang="en-US" sz="2000" dirty="0">
-              <a:latin typeface="Monaco"/>
-              <a:cs typeface="Monaco"/>
-            </a:endParaRPr>
-          </a:p>
-          <a:p>
-            <a:r>
-              <a:rPr lang="en-US" sz="2000" dirty="0" err="1" smtClean="0">
-                <a:latin typeface="Monaco"/>
-                <a:cs typeface="Monaco"/>
-              </a:rPr>
-              <a:t>AlignIO.convert</a:t>
-            </a:r>
-            <a:r>
-              <a:rPr lang="en-US" sz="2000" dirty="0" smtClean="0">
-                <a:latin typeface="Monaco"/>
-                <a:cs typeface="Monaco"/>
-              </a:rPr>
-              <a:t>("</a:t>
-            </a:r>
-            <a:r>
-              <a:rPr lang="en-US" sz="2000" dirty="0" err="1" smtClean="0">
-                <a:latin typeface="Monaco"/>
-                <a:cs typeface="Monaco"/>
-              </a:rPr>
-              <a:t>in.fasta</a:t>
-            </a:r>
-            <a:r>
-              <a:rPr lang="en-US" sz="2000" dirty="0" smtClean="0">
-                <a:latin typeface="Monaco"/>
-                <a:cs typeface="Monaco"/>
-              </a:rPr>
-              <a:t>", "</a:t>
-            </a:r>
-            <a:r>
-              <a:rPr lang="en-US" sz="2000" dirty="0" err="1" smtClean="0">
-                <a:latin typeface="Monaco"/>
-                <a:cs typeface="Monaco"/>
-              </a:rPr>
-              <a:t>fasta</a:t>
-            </a:r>
-            <a:r>
-              <a:rPr lang="en-US" sz="2000" dirty="0" smtClean="0">
-                <a:latin typeface="Monaco"/>
-                <a:cs typeface="Monaco"/>
-              </a:rPr>
-              <a:t>", "</a:t>
-            </a:r>
-            <a:r>
-              <a:rPr lang="en-US" sz="2000" dirty="0" err="1" smtClean="0">
-                <a:latin typeface="Monaco"/>
-                <a:cs typeface="Monaco"/>
-              </a:rPr>
-              <a:t>out.phy</a:t>
-            </a:r>
-            <a:r>
-              <a:rPr lang="en-US" sz="2000" dirty="0" smtClean="0">
-                <a:latin typeface="Monaco"/>
-                <a:cs typeface="Monaco"/>
-              </a:rPr>
-              <a:t>", "</a:t>
-            </a:r>
-            <a:r>
-              <a:rPr lang="en-US" sz="2000" dirty="0" err="1" smtClean="0">
-                <a:latin typeface="Monaco"/>
-                <a:cs typeface="Monaco"/>
-              </a:rPr>
-              <a:t>phylip</a:t>
-            </a:r>
-            <a:r>
-              <a:rPr lang="en-US" sz="2000" dirty="0" smtClean="0">
-                <a:latin typeface="Monaco"/>
-                <a:cs typeface="Monaco"/>
-              </a:rPr>
-              <a:t>")</a:t>
-            </a:r>
-            <a:endParaRPr lang="en-US" sz="2000" dirty="0">
-              <a:latin typeface="Monaco"/>
-              <a:cs typeface="Monaco"/>
-            </a:endParaRPr>
-          </a:p>
-          <a:p>
-            <a:endParaRPr lang="en-US" sz="2000" dirty="0" smtClean="0">
-              <a:latin typeface="Monaco"/>
-              <a:cs typeface="Monaco"/>
-            </a:endParaRPr>
-          </a:p>
-          <a:p>
-            <a:endParaRPr lang="en-US" sz="2000" dirty="0">
-              <a:latin typeface="Monaco"/>
-              <a:cs typeface="Monaco"/>
-            </a:endParaRPr>
-          </a:p>
-          <a:p>
-            <a:endParaRPr lang="en-US" sz="2000" dirty="0" smtClean="0">
-              <a:latin typeface="Monaco"/>
-              <a:cs typeface="Monaco"/>
-            </a:endParaRPr>
+            <a:endParaRPr lang="en-US" dirty="0"/>
           </a:p>
         </p:txBody>
       </p:sp>
     </p:spTree>
     <p:extLst>
       <p:ext uri="{BB962C8B-B14F-4D97-AF65-F5344CB8AC3E}">
-        <p14:creationId xmlns:p14="http://schemas.microsoft.com/office/powerpoint/2010/main" val="641959938"/>
+        <p14:creationId xmlns:p14="http://schemas.microsoft.com/office/powerpoint/2010/main" val="1888000921"/>
       </p:ext>
     </p:extLst>
   </p:cSld>
@@ -7164,7 +6873,9 @@
         </p:nvSpPr>
         <p:spPr/>
         <p:txBody>
-          <a:bodyPr/>
+          <a:bodyPr>
+            <a:normAutofit/>
+          </a:bodyPr>
           <a:lstStyle/>
           <a:p>
             <a:pPr marL="457200" indent="-457200">
@@ -7203,55 +6914,13 @@
             </a:r>
           </a:p>
           <a:p>
-            <a:pPr marL="457200" indent="-457200">
-              <a:buFont typeface="Arial"/>
-              <a:buChar char="•"/>
-            </a:pPr>
-            <a:endParaRPr lang="en-US"/>
-          </a:p>
-          <a:p>
-            <a:pPr marL="457200" indent="-457200">
-              <a:buFont typeface="Arial"/>
-              <a:buChar char="•"/>
-            </a:pPr>
-            <a:endParaRPr lang="en-US" smtClean="0"/>
-          </a:p>
-          <a:p>
-            <a:pPr marL="457200" indent="-457200">
-              <a:buFont typeface="Arial"/>
-              <a:buChar char="•"/>
-            </a:pPr>
-            <a:endParaRPr lang="en-US"/>
-          </a:p>
-          <a:p>
-            <a:pPr marL="457200" indent="-457200">
-              <a:buFont typeface="Arial"/>
-              <a:buChar char="•"/>
-            </a:pPr>
-            <a:endParaRPr lang="en-US" smtClean="0"/>
-          </a:p>
-          <a:p>
-            <a:pPr marL="457200" indent="-457200">
-              <a:buFont typeface="Arial"/>
-              <a:buChar char="•"/>
-            </a:pPr>
-            <a:endParaRPr lang="en-US"/>
-          </a:p>
-          <a:p>
-            <a:endParaRPr lang="en-US" dirty="0" smtClean="0"/>
-          </a:p>
-          <a:p>
-            <a:endParaRPr lang="en-US" dirty="0" smtClean="0"/>
-          </a:p>
-          <a:p>
-            <a:pPr marL="914400" lvl="1" indent="-457200">
-              <a:buFont typeface="Arial"/>
-              <a:buChar char="•"/>
-            </a:pPr>
             <a:endParaRPr lang="en-US" dirty="0">
               <a:latin typeface="Monaco"/>
               <a:cs typeface="Monaco"/>
             </a:endParaRPr>
+          </a:p>
+          <a:p>
+            <a:endParaRPr lang="en-US" dirty="0" smtClean="0"/>
           </a:p>
         </p:txBody>
       </p:sp>
@@ -7281,10 +6950,107 @@
           </a:p>
         </p:txBody>
       </p:sp>
+      <p:sp>
+        <p:nvSpPr>
+          <p:cNvPr id="6" name="TextBox 5"/>
+          <p:cNvSpPr txBox="1"/>
+          <p:nvPr/>
+        </p:nvSpPr>
+        <p:spPr>
+          <a:xfrm>
+            <a:off x="977894" y="3103306"/>
+            <a:ext cx="7658107" cy="1938992"/>
+          </a:xfrm>
+          <a:prstGeom prst="rect">
+            <a:avLst/>
+          </a:prstGeom>
+          <a:noFill/>
+        </p:spPr>
+        <p:txBody>
+          <a:bodyPr wrap="square" rtlCol="0">
+            <a:spAutoFit/>
+          </a:bodyPr>
+          <a:lstStyle/>
+          <a:p>
+            <a:r>
+              <a:rPr lang="en-US" sz="2000" dirty="0" smtClean="0">
+                <a:latin typeface="Monaco"/>
+                <a:cs typeface="Monaco"/>
+              </a:rPr>
+              <a:t>from Bio </a:t>
+            </a:r>
+            <a:r>
+              <a:rPr lang="en-US" sz="2000" smtClean="0">
+                <a:latin typeface="Monaco"/>
+                <a:cs typeface="Monaco"/>
+              </a:rPr>
+              <a:t>import SeqIO</a:t>
+            </a:r>
+            <a:endParaRPr lang="en-US" sz="2000" dirty="0" smtClean="0">
+              <a:latin typeface="Monaco"/>
+              <a:cs typeface="Monaco"/>
+            </a:endParaRPr>
+          </a:p>
+          <a:p>
+            <a:endParaRPr lang="en-US" sz="2000">
+              <a:latin typeface="Monaco"/>
+              <a:cs typeface="Monaco"/>
+            </a:endParaRPr>
+          </a:p>
+          <a:p>
+            <a:r>
+              <a:rPr lang="en-US" sz="2000" smtClean="0">
+                <a:latin typeface="Monaco"/>
+                <a:cs typeface="Monaco"/>
+              </a:rPr>
+              <a:t>SeqIO.write</a:t>
+            </a:r>
+            <a:r>
+              <a:rPr lang="en-US" sz="2000">
+                <a:latin typeface="Monaco"/>
+                <a:cs typeface="Monaco"/>
+              </a:rPr>
+              <a:t>(&lt;</a:t>
+            </a:r>
+            <a:r>
+              <a:rPr lang="en-US" sz="2000" smtClean="0">
+                <a:latin typeface="Monaco"/>
+                <a:cs typeface="Monaco"/>
+              </a:rPr>
+              <a:t>record(s)&gt;</a:t>
+            </a:r>
+            <a:r>
+              <a:rPr lang="en-US" sz="2000">
+                <a:latin typeface="Monaco"/>
+                <a:cs typeface="Monaco"/>
+              </a:rPr>
+              <a:t>, &lt;outfile&gt;, &lt;outformat&gt;)</a:t>
+            </a:r>
+          </a:p>
+          <a:p>
+            <a:endParaRPr lang="en-US" sz="2000" dirty="0" smtClean="0">
+              <a:latin typeface="Monaco"/>
+              <a:cs typeface="Monaco"/>
+            </a:endParaRPr>
+          </a:p>
+          <a:p>
+            <a:endParaRPr lang="en-US" sz="2000" dirty="0">
+              <a:latin typeface="Monaco"/>
+              <a:cs typeface="Monaco"/>
+            </a:endParaRPr>
+          </a:p>
+          <a:p>
+            <a:endParaRPr lang="en-US" sz="2000" dirty="0" smtClean="0">
+              <a:latin typeface="Monaco"/>
+              <a:cs typeface="Monaco"/>
+            </a:endParaRPr>
+          </a:p>
+        </p:txBody>
+      </p:sp>
     </p:spTree>
     <p:extLst>
       <p:ext uri="{BB962C8B-B14F-4D97-AF65-F5344CB8AC3E}">
-        <p14:creationId xmlns:p14="http://schemas.microsoft.com/office/powerpoint/2010/main" val="1888000921"/>
+        <p14:creationId xmlns:p14="http://schemas.microsoft.com/office/powerpoint/2010/main" val="2884034646"/>
       </p:ext>
     </p:extLst>
   </p:cSld>
@@ -7387,6 +7153,49 @@
             </a:r>
           </a:p>
           <a:p>
+            <a:pPr marL="457200" indent="-457200">
+              <a:buFont typeface="Arial"/>
+              <a:buChar char="•"/>
+            </a:pPr>
+            <a:endParaRPr lang="en-US"/>
+          </a:p>
+          <a:p>
+            <a:pPr marL="457200" indent="-457200">
+              <a:buFont typeface="Arial"/>
+              <a:buChar char="•"/>
+            </a:pPr>
+            <a:endParaRPr lang="en-US" smtClean="0"/>
+          </a:p>
+          <a:p>
+            <a:pPr marL="457200" indent="-457200">
+              <a:buFont typeface="Arial"/>
+              <a:buChar char="•"/>
+            </a:pPr>
+            <a:endParaRPr lang="en-US"/>
+          </a:p>
+          <a:p>
+            <a:pPr marL="457200" indent="-457200">
+              <a:buFont typeface="Arial"/>
+              <a:buChar char="•"/>
+            </a:pPr>
+            <a:r>
+              <a:rPr lang="en-US" smtClean="0"/>
+              <a:t>For various reasons, just use </a:t>
+            </a:r>
+            <a:r>
+              <a:rPr lang="en-US" smtClean="0">
+                <a:latin typeface="Monaco"/>
+                <a:cs typeface="Monaco"/>
+              </a:rPr>
+              <a:t>SeqIO</a:t>
+            </a:r>
+            <a:r>
+              <a:rPr lang="en-US" smtClean="0"/>
+              <a:t> for writing</a:t>
+            </a:r>
+            <a:endParaRPr lang="en-US" dirty="0" smtClean="0"/>
+          </a:p>
+          <a:p>
             <a:endParaRPr lang="en-US" dirty="0">
               <a:latin typeface="Monaco"/>
               <a:cs typeface="Monaco"/>
@@ -7432,7 +7241,7 @@
         <p:spPr>
           <a:xfrm>
             <a:off x="977894" y="3103306"/>
-            <a:ext cx="7658107" cy="1938992"/>
+            <a:ext cx="7658107" cy="1631216"/>
           </a:xfrm>
           <a:prstGeom prst="rect">
             <a:avLst/>
@@ -7501,7 +7310,7 @@
             </a:r>
           </a:p>
           <a:p>
-            <a:endParaRPr lang="en-US" sz="2000" dirty="0" smtClean="0">
+            <a:endParaRPr lang="en-US" sz="2000" smtClean="0">
               <a:latin typeface="Monaco"/>
               <a:cs typeface="Monaco"/>
             </a:endParaRPr>
@@ -7512,18 +7321,12 @@
               <a:cs typeface="Monaco"/>
             </a:endParaRPr>
           </a:p>
-          <a:p>
-            <a:endParaRPr lang="en-US" sz="2000" dirty="0" smtClean="0">
-              <a:latin typeface="Monaco"/>
-              <a:cs typeface="Monaco"/>
-            </a:endParaRPr>
-          </a:p>
         </p:txBody>
       </p:sp>
     </p:spTree>
     <p:extLst>
       <p:ext uri="{BB962C8B-B14F-4D97-AF65-F5344CB8AC3E}">
-        <p14:creationId xmlns:p14="http://schemas.microsoft.com/office/powerpoint/2010/main" val="2884034646"/>
+        <p14:creationId xmlns:p14="http://schemas.microsoft.com/office/powerpoint/2010/main" val="4049135381"/>
       </p:ext>
     </p:extLst>
   </p:cSld>
@@ -7566,116 +7369,10 @@
           <a:lstStyle/>
           <a:p>
             <a:r>
-              <a:rPr lang="en-US" dirty="0" smtClean="0"/>
-              <a:t>Writing sequence data</a:t>
+              <a:rPr lang="en-US" smtClean="0"/>
+              <a:t>Writing A single sequence to a file</a:t>
             </a:r>
             <a:endParaRPr lang="en-US" dirty="0"/>
-          </a:p>
-        </p:txBody>
-      </p:sp>
-      <p:sp>
-        <p:nvSpPr>
-          <p:cNvPr id="3" name="Content Placeholder 2"/>
-          <p:cNvSpPr>
-            <a:spLocks noGrp="1"/>
-          </p:cNvSpPr>
-          <p:nvPr>
-            <p:ph idx="1"/>
-          </p:nvPr>
-        </p:nvSpPr>
-        <p:spPr/>
-        <p:txBody>
-          <a:bodyPr>
-            <a:normAutofit/>
-          </a:bodyPr>
-          <a:lstStyle/>
-          <a:p>
-            <a:pPr marL="457200" indent="-457200">
-              <a:buFont typeface="Arial"/>
-              <a:buChar char="•"/>
-            </a:pPr>
-            <a:r>
-              <a:rPr lang="en-US" dirty="0" smtClean="0"/>
-              <a:t>Use the </a:t>
-            </a:r>
-            <a:r>
-              <a:rPr lang="en-US" dirty="0" smtClean="0">
-                <a:latin typeface="Monaco"/>
-                <a:cs typeface="Monaco"/>
-              </a:rPr>
-              <a:t>.write() </a:t>
-            </a:r>
-            <a:r>
-              <a:rPr lang="en-US" dirty="0" smtClean="0"/>
-              <a:t>method to write  </a:t>
-            </a:r>
-            <a:r>
-              <a:rPr lang="en-US" dirty="0" err="1" smtClean="0">
-                <a:latin typeface="Monaco"/>
-                <a:cs typeface="Monaco"/>
-              </a:rPr>
-              <a:t>SeqRecord</a:t>
-            </a:r>
-            <a:r>
-              <a:rPr lang="en-US" dirty="0" smtClean="0"/>
-              <a:t> object(s) to </a:t>
-            </a:r>
-            <a:r>
-              <a:rPr lang="en-US" smtClean="0"/>
-              <a:t>a file</a:t>
-            </a:r>
-          </a:p>
-          <a:p>
-            <a:pPr marL="457200" indent="-457200">
-              <a:buFont typeface="Arial"/>
-              <a:buChar char="•"/>
-            </a:pPr>
-            <a:endParaRPr lang="en-US"/>
-          </a:p>
-          <a:p>
-            <a:pPr marL="457200" indent="-457200">
-              <a:buFont typeface="Arial"/>
-              <a:buChar char="•"/>
-            </a:pPr>
-            <a:endParaRPr lang="en-US" smtClean="0"/>
-          </a:p>
-          <a:p>
-            <a:pPr marL="457200" indent="-457200">
-              <a:buFont typeface="Arial"/>
-              <a:buChar char="•"/>
-            </a:pPr>
-            <a:endParaRPr lang="en-US"/>
-          </a:p>
-          <a:p>
-            <a:pPr marL="457200" indent="-457200">
-              <a:buFont typeface="Arial"/>
-              <a:buChar char="•"/>
-            </a:pPr>
-            <a:r>
-              <a:rPr lang="en-US" smtClean="0"/>
-              <a:t>For various reasons, just use </a:t>
-            </a:r>
-            <a:r>
-              <a:rPr lang="en-US" smtClean="0">
-                <a:latin typeface="Monaco"/>
-                <a:cs typeface="Monaco"/>
-              </a:rPr>
-              <a:t>SeqIO</a:t>
-            </a:r>
-            <a:r>
-              <a:rPr lang="en-US" smtClean="0"/>
-              <a:t> for writing</a:t>
-            </a:r>
-            <a:endParaRPr lang="en-US" dirty="0" smtClean="0"/>
-          </a:p>
-          <a:p>
-            <a:endParaRPr lang="en-US" dirty="0">
-              <a:latin typeface="Monaco"/>
-              <a:cs typeface="Monaco"/>
-            </a:endParaRPr>
-          </a:p>
-          <a:p>
-            <a:endParaRPr lang="en-US" dirty="0" smtClean="0"/>
           </a:p>
         </p:txBody>
       </p:sp>
@@ -7707,14 +7404,14 @@
       </p:sp>
       <p:sp>
         <p:nvSpPr>
-          <p:cNvPr id="6" name="TextBox 5"/>
+          <p:cNvPr id="7" name="TextBox 6"/>
           <p:cNvSpPr txBox="1"/>
           <p:nvPr/>
         </p:nvSpPr>
         <p:spPr>
           <a:xfrm>
-            <a:off x="977894" y="3103306"/>
-            <a:ext cx="7658107" cy="1631216"/>
+            <a:off x="286449" y="1889751"/>
+            <a:ext cx="8662059" cy="3170099"/>
           </a:xfrm>
           <a:prstGeom prst="rect">
             <a:avLst/>
@@ -7732,14 +7429,28 @@
                 <a:latin typeface="Monaco"/>
                 <a:cs typeface="Monaco"/>
               </a:rPr>
-              <a:t>from Bio </a:t>
-            </a:r>
-            <a:r>
-              <a:rPr lang="en-US" sz="2000" smtClean="0">
-                <a:latin typeface="Monaco"/>
-                <a:cs typeface="Monaco"/>
-              </a:rPr>
-              <a:t>import SeqIO</a:t>
+              <a:t>from </a:t>
+            </a:r>
+            <a:r>
+              <a:rPr lang="en-US" sz="2000" dirty="0" err="1" smtClean="0">
+                <a:latin typeface="Monaco"/>
+                <a:cs typeface="Monaco"/>
+              </a:rPr>
+              <a:t>Bio.Seq</a:t>
+            </a:r>
+            <a:r>
+              <a:rPr lang="en-US" sz="2000" dirty="0" smtClean="0">
+                <a:latin typeface="Monaco"/>
+                <a:cs typeface="Monaco"/>
+              </a:rPr>
+              <a:t> import </a:t>
+            </a:r>
+            <a:r>
+              <a:rPr lang="en-US" sz="2000" dirty="0" err="1" smtClean="0">
+                <a:latin typeface="Monaco"/>
+                <a:cs typeface="Monaco"/>
+              </a:rPr>
+              <a:t>Seq</a:t>
             </a:r>
             <a:endParaRPr lang="en-US" sz="2000" dirty="0" smtClean="0">
               <a:latin typeface="Monaco"/>
@@ -7747,59 +7458,262 @@
             </a:endParaRPr>
           </a:p>
           <a:p>
-            <a:endParaRPr lang="en-US" sz="2000">
-              <a:latin typeface="Monaco"/>
-              <a:cs typeface="Monaco"/>
-            </a:endParaRPr>
-          </a:p>
-          <a:p>
-            <a:r>
-              <a:rPr lang="en-US" sz="2000" smtClean="0">
-                <a:latin typeface="Monaco"/>
-                <a:cs typeface="Monaco"/>
-              </a:rPr>
-              <a:t>SeqIO.write</a:t>
-            </a:r>
-            <a:r>
-              <a:rPr lang="en-US" sz="2000">
-                <a:latin typeface="Monaco"/>
-                <a:cs typeface="Monaco"/>
-              </a:rPr>
-              <a:t>(&lt;</a:t>
-            </a:r>
-            <a:r>
-              <a:rPr lang="en-US" sz="2000" smtClean="0">
-                <a:latin typeface="Monaco"/>
-                <a:cs typeface="Monaco"/>
-              </a:rPr>
-              <a:t>record(s)&gt;</a:t>
-            </a:r>
-            <a:r>
-              <a:rPr lang="en-US" sz="2000">
-                <a:latin typeface="Monaco"/>
-                <a:cs typeface="Monaco"/>
-              </a:rPr>
-              <a:t>, &lt;outfile&gt;, &lt;outformat&gt;)</a:t>
-            </a:r>
-          </a:p>
-          <a:p>
-            <a:endParaRPr lang="en-US" sz="2000" smtClean="0">
-              <a:latin typeface="Monaco"/>
-              <a:cs typeface="Monaco"/>
-            </a:endParaRPr>
-          </a:p>
-          <a:p>
+            <a:r>
+              <a:rPr lang="en-US" sz="2000" dirty="0" smtClean="0">
+                <a:latin typeface="Monaco"/>
+                <a:cs typeface="Monaco"/>
+              </a:rPr>
+              <a:t>from </a:t>
+            </a:r>
+            <a:r>
+              <a:rPr lang="en-US" sz="2000" dirty="0" err="1" smtClean="0">
+                <a:latin typeface="Monaco"/>
+                <a:cs typeface="Monaco"/>
+              </a:rPr>
+              <a:t>Bio.SecRecord</a:t>
+            </a:r>
+            <a:r>
+              <a:rPr lang="en-US" sz="2000" dirty="0" smtClean="0">
+                <a:latin typeface="Monaco"/>
+                <a:cs typeface="Monaco"/>
+              </a:rPr>
+              <a:t> import </a:t>
+            </a:r>
+            <a:r>
+              <a:rPr lang="en-US" sz="2000" dirty="0" err="1" smtClean="0">
+                <a:latin typeface="Monaco"/>
+                <a:cs typeface="Monaco"/>
+              </a:rPr>
+              <a:t>SeqRecord</a:t>
+            </a:r>
             <a:endParaRPr lang="en-US" sz="2000" dirty="0">
               <a:latin typeface="Monaco"/>
               <a:cs typeface="Monaco"/>
             </a:endParaRPr>
           </a:p>
+          <a:p>
+            <a:r>
+              <a:rPr lang="en-US" sz="2000" dirty="0" smtClean="0">
+                <a:latin typeface="Monaco"/>
+                <a:cs typeface="Monaco"/>
+              </a:rPr>
+              <a:t>from Bio import </a:t>
+            </a:r>
+            <a:r>
+              <a:rPr lang="en-US" sz="2000" dirty="0" err="1" smtClean="0">
+                <a:latin typeface="Monaco"/>
+                <a:cs typeface="Monaco"/>
+              </a:rPr>
+              <a:t>SeqIO</a:t>
+            </a:r>
+            <a:endParaRPr lang="en-US" sz="2000" dirty="0" smtClean="0">
+              <a:latin typeface="Monaco"/>
+              <a:cs typeface="Monaco"/>
+            </a:endParaRPr>
+          </a:p>
+          <a:p>
+            <a:endParaRPr lang="en-US" sz="2000" dirty="0">
+              <a:latin typeface="Monaco"/>
+              <a:cs typeface="Monaco"/>
+            </a:endParaRPr>
+          </a:p>
+          <a:p>
+            <a:r>
+              <a:rPr lang="en-US" sz="2000" dirty="0" smtClean="0">
+                <a:latin typeface="Monaco"/>
+                <a:cs typeface="Monaco"/>
+              </a:rPr>
+              <a:t># Define a </a:t>
+            </a:r>
+            <a:r>
+              <a:rPr lang="en-US" sz="2000" dirty="0" err="1" smtClean="0">
+                <a:latin typeface="Monaco"/>
+                <a:cs typeface="Monaco"/>
+              </a:rPr>
+              <a:t>SeqRecord</a:t>
+            </a:r>
+            <a:r>
+              <a:rPr lang="en-US" sz="2000" dirty="0" smtClean="0">
+                <a:latin typeface="Monaco"/>
+                <a:cs typeface="Monaco"/>
+              </a:rPr>
+              <a:t> object</a:t>
+            </a:r>
+          </a:p>
+          <a:p>
+            <a:r>
+              <a:rPr lang="en-US" sz="2000" dirty="0" err="1" smtClean="0">
+                <a:latin typeface="Monaco"/>
+                <a:cs typeface="Monaco"/>
+              </a:rPr>
+              <a:t>seq_object</a:t>
+            </a:r>
+            <a:r>
+              <a:rPr lang="en-US" sz="2000" dirty="0" smtClean="0">
+                <a:latin typeface="Monaco"/>
+                <a:cs typeface="Monaco"/>
+              </a:rPr>
+              <a:t> = </a:t>
+            </a:r>
+            <a:r>
+              <a:rPr lang="en-US" sz="2000" dirty="0" err="1" smtClean="0">
+                <a:latin typeface="Monaco"/>
+                <a:cs typeface="Monaco"/>
+              </a:rPr>
+              <a:t>Seq</a:t>
+            </a:r>
+            <a:r>
+              <a:rPr lang="en-US" sz="2000" dirty="0" smtClean="0">
+                <a:latin typeface="Monaco"/>
+                <a:cs typeface="Monaco"/>
+              </a:rPr>
+              <a:t>("ACGTC")</a:t>
+            </a:r>
+          </a:p>
+          <a:p>
+            <a:r>
+              <a:rPr lang="en-US" sz="2000" dirty="0" err="1" smtClean="0">
+                <a:latin typeface="Monaco"/>
+                <a:cs typeface="Monaco"/>
+              </a:rPr>
+              <a:t>seq_record</a:t>
+            </a:r>
+            <a:r>
+              <a:rPr lang="en-US" sz="2000" dirty="0" smtClean="0">
+                <a:latin typeface="Monaco"/>
+                <a:cs typeface="Monaco"/>
+              </a:rPr>
+              <a:t> = </a:t>
+            </a:r>
+            <a:r>
+              <a:rPr lang="en-US" sz="2000" dirty="0" err="1" smtClean="0">
+                <a:latin typeface="Monaco"/>
+                <a:cs typeface="Monaco"/>
+              </a:rPr>
+              <a:t>SeqRecord</a:t>
+            </a:r>
+            <a:r>
+              <a:rPr lang="en-US" sz="2000" dirty="0" smtClean="0">
+                <a:latin typeface="Monaco"/>
+                <a:cs typeface="Monaco"/>
+              </a:rPr>
+              <a:t>(</a:t>
+            </a:r>
+            <a:r>
+              <a:rPr lang="en-US" sz="2000" dirty="0" err="1" smtClean="0">
+                <a:latin typeface="Monaco"/>
+                <a:cs typeface="Monaco"/>
+              </a:rPr>
+              <a:t>seq_object</a:t>
+            </a:r>
+            <a:r>
+              <a:rPr lang="en-US" sz="2000" dirty="0" smtClean="0">
+                <a:latin typeface="Monaco"/>
+                <a:cs typeface="Monaco"/>
+              </a:rPr>
+              <a:t>, id = "</a:t>
+            </a:r>
+            <a:r>
+              <a:rPr lang="en-US" sz="2000" dirty="0" err="1" smtClean="0">
+                <a:latin typeface="Monaco"/>
+                <a:cs typeface="Monaco"/>
+              </a:rPr>
+              <a:t>my_id</a:t>
+            </a:r>
+            <a:r>
+              <a:rPr lang="en-US" sz="2000" dirty="0" smtClean="0">
+                <a:latin typeface="Monaco"/>
+                <a:cs typeface="Monaco"/>
+              </a:rPr>
+              <a:t>")</a:t>
+            </a:r>
+          </a:p>
+          <a:p>
+            <a:endParaRPr lang="en-US" sz="2000" dirty="0" smtClean="0">
+              <a:latin typeface="Monaco"/>
+              <a:cs typeface="Monaco"/>
+            </a:endParaRPr>
+          </a:p>
+          <a:p>
+            <a:r>
+              <a:rPr lang="en-US" sz="2000" dirty="0" smtClean="0">
+                <a:latin typeface="Monaco"/>
+                <a:cs typeface="Monaco"/>
+              </a:rPr>
+              <a:t># Write it to a file</a:t>
+            </a:r>
+          </a:p>
+          <a:p>
+            <a:r>
+              <a:rPr lang="en-US" sz="2000" smtClean="0">
+                <a:latin typeface="Monaco"/>
+                <a:cs typeface="Monaco"/>
+              </a:rPr>
+              <a:t>SeqIO.write</a:t>
+            </a:r>
+            <a:r>
+              <a:rPr lang="en-US" sz="2000" dirty="0" smtClean="0">
+                <a:latin typeface="Monaco"/>
+                <a:cs typeface="Monaco"/>
+              </a:rPr>
+              <a:t>(</a:t>
+            </a:r>
+            <a:r>
+              <a:rPr lang="en-US" sz="2000" dirty="0" err="1" smtClean="0">
+                <a:latin typeface="Monaco"/>
+                <a:cs typeface="Monaco"/>
+              </a:rPr>
+              <a:t>seq_record</a:t>
+            </a:r>
+            <a:r>
+              <a:rPr lang="en-US" sz="2000" dirty="0" smtClean="0">
+                <a:latin typeface="Monaco"/>
+                <a:cs typeface="Monaco"/>
+              </a:rPr>
+              <a:t>, </a:t>
+            </a:r>
+            <a:r>
+              <a:rPr lang="en-US" sz="2000" dirty="0">
+                <a:latin typeface="Monaco"/>
+                <a:cs typeface="Monaco"/>
+              </a:rPr>
+              <a:t>"</a:t>
+            </a:r>
+            <a:r>
+              <a:rPr lang="en-US" sz="2000" dirty="0" err="1">
+                <a:latin typeface="Monaco"/>
+                <a:cs typeface="Monaco"/>
+              </a:rPr>
+              <a:t>outfile.fasta</a:t>
+            </a:r>
+            <a:r>
+              <a:rPr lang="en-US" sz="2000" dirty="0" smtClean="0">
+                <a:latin typeface="Monaco"/>
+                <a:cs typeface="Monaco"/>
+              </a:rPr>
+              <a:t>", "</a:t>
+            </a:r>
+            <a:r>
+              <a:rPr lang="en-US" sz="2000" dirty="0" err="1" smtClean="0">
+                <a:latin typeface="Monaco"/>
+                <a:cs typeface="Monaco"/>
+              </a:rPr>
+              <a:t>fasta</a:t>
+            </a:r>
+            <a:r>
+              <a:rPr lang="en-US" sz="2000" dirty="0" smtClean="0">
+                <a:latin typeface="Monaco"/>
+                <a:cs typeface="Monaco"/>
+              </a:rPr>
+              <a:t>")</a:t>
+            </a:r>
+          </a:p>
         </p:txBody>
       </p:sp>
     </p:spTree>
     <p:extLst>
       <p:ext uri="{BB962C8B-B14F-4D97-AF65-F5344CB8AC3E}">
-        <p14:creationId xmlns:p14="http://schemas.microsoft.com/office/powerpoint/2010/main" val="4049135381"/>
+        <p14:creationId xmlns:p14="http://schemas.microsoft.com/office/powerpoint/2010/main" val="726321036"/>
       </p:ext>
     </p:extLst>
   </p:cSld>
@@ -7843,7 +7757,7 @@
           <a:p>
             <a:r>
               <a:rPr lang="en-US" smtClean="0"/>
-              <a:t>Writing A single sequence to a file</a:t>
+              <a:t>Writing multiple sequences to a file</a:t>
             </a:r>
             <a:endParaRPr lang="en-US" dirty="0"/>
           </a:p>
@@ -7877,14 +7791,14 @@
       </p:sp>
       <p:sp>
         <p:nvSpPr>
-          <p:cNvPr id="7" name="TextBox 6"/>
+          <p:cNvPr id="6" name="TextBox 5"/>
           <p:cNvSpPr txBox="1"/>
           <p:nvPr/>
         </p:nvSpPr>
         <p:spPr>
           <a:xfrm>
-            <a:off x="286449" y="1889751"/>
-            <a:ext cx="8662059" cy="3170099"/>
+            <a:off x="286449" y="1932084"/>
+            <a:ext cx="8662059" cy="3785652"/>
           </a:xfrm>
           <a:prstGeom prst="rect">
             <a:avLst/>
@@ -7992,11 +7906,117 @@
           </a:p>
           <a:p>
             <a:r>
-              <a:rPr lang="en-US" sz="2000" dirty="0" smtClean="0">
-                <a:latin typeface="Monaco"/>
-                <a:cs typeface="Monaco"/>
-              </a:rPr>
-              <a:t># Define a </a:t>
+              <a:rPr lang="en-US" sz="2000" smtClean="0">
+                <a:latin typeface="Monaco"/>
+                <a:cs typeface="Monaco"/>
+              </a:rPr>
+              <a:t># Save lots of SeqRecord objects in a list!</a:t>
+            </a:r>
+          </a:p>
+          <a:p>
+            <a:r>
+              <a:rPr lang="en-US" sz="2000" smtClean="0">
+                <a:latin typeface="Monaco"/>
+                <a:cs typeface="Monaco"/>
+              </a:rPr>
+              <a:t>recs </a:t>
+            </a:r>
+            <a:r>
+              <a:rPr lang="en-US" sz="2000" dirty="0" smtClean="0">
+                <a:latin typeface="Monaco"/>
+                <a:cs typeface="Monaco"/>
+              </a:rPr>
+              <a:t>= []</a:t>
+            </a:r>
+          </a:p>
+          <a:p>
+            <a:r>
+              <a:rPr lang="en-US" sz="2000" dirty="0" smtClean="0">
+                <a:latin typeface="Monaco"/>
+                <a:cs typeface="Monaco"/>
+              </a:rPr>
+              <a:t>for </a:t>
+            </a:r>
+            <a:r>
+              <a:rPr lang="en-US" sz="2000" dirty="0" err="1" smtClean="0">
+                <a:latin typeface="Monaco"/>
+                <a:cs typeface="Monaco"/>
+              </a:rPr>
+              <a:t>i</a:t>
+            </a:r>
+            <a:r>
+              <a:rPr lang="en-US" sz="2000" dirty="0" smtClean="0">
+                <a:latin typeface="Monaco"/>
+                <a:cs typeface="Monaco"/>
+              </a:rPr>
+              <a:t> in range(10):</a:t>
+            </a:r>
+          </a:p>
+          <a:p>
+            <a:r>
+              <a:rPr lang="en-US" sz="2000" dirty="0">
+                <a:latin typeface="Monaco"/>
+                <a:cs typeface="Monaco"/>
+              </a:rPr>
+              <a:t>	</a:t>
+            </a:r>
+            <a:r>
+              <a:rPr lang="en-US" sz="2000" dirty="0" err="1" smtClean="0">
+                <a:latin typeface="Monaco"/>
+                <a:cs typeface="Monaco"/>
+              </a:rPr>
+              <a:t>seq_object</a:t>
+            </a:r>
+            <a:r>
+              <a:rPr lang="en-US" sz="2000" dirty="0" smtClean="0">
+                <a:latin typeface="Monaco"/>
+                <a:cs typeface="Monaco"/>
+              </a:rPr>
+              <a:t> = </a:t>
+            </a:r>
+            <a:r>
+              <a:rPr lang="en-US" sz="2000" dirty="0" err="1" smtClean="0">
+                <a:latin typeface="Monaco"/>
+                <a:cs typeface="Monaco"/>
+              </a:rPr>
+              <a:t>Seq</a:t>
+            </a:r>
+            <a:r>
+              <a:rPr lang="en-US" sz="2000" dirty="0" smtClean="0">
+                <a:latin typeface="Monaco"/>
+                <a:cs typeface="Monaco"/>
+              </a:rPr>
+              <a:t>(&lt;some sequence&gt;)</a:t>
+            </a:r>
+          </a:p>
+          <a:p>
+            <a:r>
+              <a:rPr lang="en-US" sz="2000" dirty="0">
+                <a:latin typeface="Monaco"/>
+                <a:cs typeface="Monaco"/>
+              </a:rPr>
+              <a:t>	</a:t>
+            </a:r>
+            <a:r>
+              <a:rPr lang="en-US" sz="2000" dirty="0" err="1" smtClean="0">
+                <a:latin typeface="Monaco"/>
+                <a:cs typeface="Monaco"/>
+              </a:rPr>
+              <a:t>seq_record</a:t>
+            </a:r>
+            <a:r>
+              <a:rPr lang="en-US" sz="2000" dirty="0">
+                <a:latin typeface="Monaco"/>
+                <a:cs typeface="Monaco"/>
+              </a:rPr>
+              <a:t> </a:t>
+            </a:r>
+            <a:r>
+              <a:rPr lang="en-US" sz="2000" dirty="0" smtClean="0">
+                <a:latin typeface="Monaco"/>
+                <a:cs typeface="Monaco"/>
+              </a:rPr>
+              <a:t>= </a:t>
             </a:r>
             <a:r>
               <a:rPr lang="en-US" sz="2000" dirty="0" err="1" smtClean="0">
@@ -8010,10 +8030,8 @@
                 <a:latin typeface="Monaco"/>
                 <a:cs typeface="Monaco"/>
               </a:rPr>
-              <a:t> object</a:t>
-            </a:r>
-          </a:p>
-          <a:p>
+              <a:t>(</a:t>
+            </a:r>
             <a:r>
               <a:rPr lang="en-US" sz="2000" dirty="0" err="1" smtClean="0">
                 <a:latin typeface="Monaco"/>
@@ -8026,24 +8044,45 @@
                 <a:latin typeface="Monaco"/>
                 <a:cs typeface="Monaco"/>
               </a:rPr>
-              <a:t> = </a:t>
-            </a:r>
-            <a:r>
-              <a:rPr lang="en-US" sz="2000" dirty="0" err="1" smtClean="0">
-                <a:latin typeface="Monaco"/>
-                <a:cs typeface="Monaco"/>
-              </a:rPr>
-              <a:t>Seq</a:t>
-            </a:r>
-            <a:r>
-              <a:rPr lang="en-US" sz="2000" dirty="0" smtClean="0">
-                <a:latin typeface="Monaco"/>
-                <a:cs typeface="Monaco"/>
-              </a:rPr>
-              <a:t>("ACGTC")</a:t>
-            </a:r>
-          </a:p>
-          <a:p>
+              <a:t>, id = &lt;</a:t>
+            </a:r>
+            <a:r>
+              <a:rPr lang="en-US" sz="2000" dirty="0" err="1" smtClean="0">
+                <a:latin typeface="Monaco"/>
+                <a:cs typeface="Monaco"/>
+              </a:rPr>
+              <a:t>some_id</a:t>
+            </a:r>
+            <a:r>
+              <a:rPr lang="en-US" sz="2000" dirty="0" smtClean="0">
+                <a:latin typeface="Monaco"/>
+                <a:cs typeface="Monaco"/>
+              </a:rPr>
+              <a:t>&gt;)</a:t>
+            </a:r>
+          </a:p>
+          <a:p>
+            <a:r>
+              <a:rPr lang="en-US" sz="2000" dirty="0" smtClean="0">
+                <a:latin typeface="Monaco"/>
+                <a:cs typeface="Monaco"/>
+              </a:rPr>
+              <a:t>	</a:t>
+            </a:r>
+            <a:r>
+              <a:rPr lang="en-US" sz="2000" dirty="0" err="1" smtClean="0">
+                <a:latin typeface="Monaco"/>
+                <a:cs typeface="Monaco"/>
+              </a:rPr>
+              <a:t>recs.append</a:t>
+            </a:r>
+            <a:r>
+              <a:rPr lang="en-US" sz="2000" dirty="0" smtClean="0">
+                <a:latin typeface="Monaco"/>
+                <a:cs typeface="Monaco"/>
+              </a:rPr>
+              <a:t>(</a:t>
+            </a:r>
             <a:r>
               <a:rPr lang="en-US" sz="2000" dirty="0" err="1" smtClean="0">
                 <a:latin typeface="Monaco"/>
@@ -8056,69 +8095,18 @@
                 <a:latin typeface="Monaco"/>
                 <a:cs typeface="Monaco"/>
               </a:rPr>
-              <a:t> = </a:t>
-            </a:r>
-            <a:r>
-              <a:rPr lang="en-US" sz="2000" dirty="0" err="1" smtClean="0">
-                <a:latin typeface="Monaco"/>
-                <a:cs typeface="Monaco"/>
-              </a:rPr>
-              <a:t>SeqRecord</a:t>
-            </a:r>
-            <a:r>
-              <a:rPr lang="en-US" sz="2000" dirty="0" smtClean="0">
-                <a:latin typeface="Monaco"/>
-                <a:cs typeface="Monaco"/>
-              </a:rPr>
-              <a:t>(</a:t>
-            </a:r>
-            <a:r>
-              <a:rPr lang="en-US" sz="2000" dirty="0" err="1" smtClean="0">
-                <a:latin typeface="Monaco"/>
-                <a:cs typeface="Monaco"/>
-              </a:rPr>
-              <a:t>seq_object</a:t>
-            </a:r>
-            <a:r>
-              <a:rPr lang="en-US" sz="2000" dirty="0" smtClean="0">
-                <a:latin typeface="Monaco"/>
-                <a:cs typeface="Monaco"/>
-              </a:rPr>
-              <a:t>, id = "</a:t>
-            </a:r>
-            <a:r>
-              <a:rPr lang="en-US" sz="2000" dirty="0" err="1" smtClean="0">
-                <a:latin typeface="Monaco"/>
-                <a:cs typeface="Monaco"/>
-              </a:rPr>
-              <a:t>my_id</a:t>
-            </a:r>
-            <a:r>
-              <a:rPr lang="en-US" sz="2000" dirty="0" smtClean="0">
-                <a:latin typeface="Monaco"/>
-                <a:cs typeface="Monaco"/>
-              </a:rPr>
-              <a:t>")</a:t>
-            </a:r>
-          </a:p>
-          <a:p>
-            <a:endParaRPr lang="en-US" sz="2000" dirty="0" smtClean="0">
+              <a:t>)</a:t>
+            </a:r>
+          </a:p>
+          <a:p>
+            <a:endParaRPr lang="en-US" sz="2000" dirty="0">
               <a:latin typeface="Monaco"/>
               <a:cs typeface="Monaco"/>
             </a:endParaRPr>
           </a:p>
           <a:p>
             <a:r>
-              <a:rPr lang="en-US" sz="2000" dirty="0" smtClean="0">
-                <a:latin typeface="Monaco"/>
-                <a:cs typeface="Monaco"/>
-              </a:rPr>
-              <a:t># Write it to a file</a:t>
-            </a:r>
-          </a:p>
-          <a:p>
-            <a:r>
-              <a:rPr lang="en-US" sz="2000" smtClean="0">
+              <a:rPr lang="en-US" sz="2000" dirty="0" err="1" smtClean="0">
                 <a:latin typeface="Monaco"/>
                 <a:cs typeface="Monaco"/>
               </a:rPr>
@@ -8129,21 +8117,7 @@
                 <a:latin typeface="Monaco"/>
                 <a:cs typeface="Monaco"/>
               </a:rPr>
-              <a:t>(</a:t>
-            </a:r>
-            <a:r>
-              <a:rPr lang="en-US" sz="2000" dirty="0" err="1" smtClean="0">
-                <a:latin typeface="Monaco"/>
-                <a:cs typeface="Monaco"/>
-              </a:rPr>
-              <a:t>seq_record</a:t>
-            </a:r>
-            <a:r>
-              <a:rPr lang="en-US" sz="2000" dirty="0" smtClean="0">
-                <a:latin typeface="Monaco"/>
-                <a:cs typeface="Monaco"/>
-              </a:rPr>
-              <a:t>, </a:t>
+              <a:t>(recs, </a:t>
             </a:r>
             <a:r>
               <a:rPr lang="en-US" sz="2000" dirty="0">
@@ -8186,7 +8160,7 @@
     </p:spTree>
     <p:extLst>
       <p:ext uri="{BB962C8B-B14F-4D97-AF65-F5344CB8AC3E}">
-        <p14:creationId xmlns:p14="http://schemas.microsoft.com/office/powerpoint/2010/main" val="726321036"/>
+        <p14:creationId xmlns:p14="http://schemas.microsoft.com/office/powerpoint/2010/main" val="1085934977"/>
       </p:ext>
     </p:extLst>
   </p:cSld>
@@ -8229,8 +8203,8 @@
           <a:lstStyle/>
           <a:p>
             <a:r>
-              <a:rPr lang="en-US" smtClean="0"/>
-              <a:t>Writing multiple sequences to a file</a:t>
+              <a:rPr lang="en-US" dirty="0" smtClean="0"/>
+              <a:t>scripting Exercises</a:t>
             </a:r>
             <a:endParaRPr lang="en-US" dirty="0"/>
           </a:p>
@@ -8238,394 +8212,46 @@
       </p:sp>
       <p:sp>
         <p:nvSpPr>
-          <p:cNvPr id="5" name="TextBox 4"/>
-          <p:cNvSpPr txBox="1"/>
-          <p:nvPr/>
-        </p:nvSpPr>
-        <p:spPr>
-          <a:xfrm>
-            <a:off x="1904939" y="858352"/>
-            <a:ext cx="184666" cy="369332"/>
-          </a:xfrm>
-          <a:prstGeom prst="rect">
-            <a:avLst/>
-          </a:prstGeom>
-          <a:noFill/>
-        </p:spPr>
-        <p:txBody>
-          <a:bodyPr wrap="none" rtlCol="0">
-            <a:spAutoFit/>
-          </a:bodyPr>
-          <a:lstStyle/>
-          <a:p>
-            <a:endParaRPr lang="en-US" dirty="0"/>
-          </a:p>
-        </p:txBody>
-      </p:sp>
-      <p:sp>
-        <p:nvSpPr>
-          <p:cNvPr id="6" name="TextBox 5"/>
-          <p:cNvSpPr txBox="1"/>
-          <p:nvPr/>
-        </p:nvSpPr>
-        <p:spPr>
-          <a:xfrm>
-            <a:off x="286449" y="1932084"/>
-            <a:ext cx="8662059" cy="3785652"/>
-          </a:xfrm>
-          <a:prstGeom prst="rect">
-            <a:avLst/>
-          </a:prstGeom>
-          <a:noFill/>
-        </p:spPr>
-        <p:txBody>
-          <a:bodyPr wrap="square" rtlCol="0">
-            <a:spAutoFit/>
-          </a:bodyPr>
-          <a:lstStyle/>
-          <a:p>
-            <a:r>
-              <a:rPr lang="en-US" sz="2000" dirty="0" smtClean="0">
-                <a:latin typeface="Monaco"/>
-                <a:cs typeface="Monaco"/>
-              </a:rPr>
-              <a:t>from </a:t>
-            </a:r>
-            <a:r>
-              <a:rPr lang="en-US" sz="2000" dirty="0" err="1" smtClean="0">
-                <a:latin typeface="Monaco"/>
-                <a:cs typeface="Monaco"/>
-              </a:rPr>
-              <a:t>Bio.Seq</a:t>
-            </a:r>
-            <a:r>
-              <a:rPr lang="en-US" sz="2000" dirty="0" smtClean="0">
-                <a:latin typeface="Monaco"/>
-                <a:cs typeface="Monaco"/>
-              </a:rPr>
-              <a:t> import </a:t>
-            </a:r>
-            <a:r>
-              <a:rPr lang="en-US" sz="2000" dirty="0" err="1" smtClean="0">
-                <a:latin typeface="Monaco"/>
-                <a:cs typeface="Monaco"/>
-              </a:rPr>
-              <a:t>Seq</a:t>
-            </a:r>
-            <a:endParaRPr lang="en-US" sz="2000" dirty="0" smtClean="0">
-              <a:latin typeface="Monaco"/>
-              <a:cs typeface="Monaco"/>
-            </a:endParaRPr>
-          </a:p>
-          <a:p>
-            <a:r>
-              <a:rPr lang="en-US" sz="2000" dirty="0" smtClean="0">
-                <a:latin typeface="Monaco"/>
-                <a:cs typeface="Monaco"/>
-              </a:rPr>
-              <a:t>from </a:t>
-            </a:r>
-            <a:r>
-              <a:rPr lang="en-US" sz="2000" dirty="0" err="1" smtClean="0">
-                <a:latin typeface="Monaco"/>
-                <a:cs typeface="Monaco"/>
-              </a:rPr>
-              <a:t>Bio.SecRecord</a:t>
-            </a:r>
-            <a:r>
-              <a:rPr lang="en-US" sz="2000" dirty="0" smtClean="0">
-                <a:latin typeface="Monaco"/>
-                <a:cs typeface="Monaco"/>
-              </a:rPr>
-              <a:t> import </a:t>
-            </a:r>
-            <a:r>
-              <a:rPr lang="en-US" sz="2000" dirty="0" err="1" smtClean="0">
-                <a:latin typeface="Monaco"/>
-                <a:cs typeface="Monaco"/>
-              </a:rPr>
-              <a:t>SeqRecord</a:t>
-            </a:r>
-            <a:endParaRPr lang="en-US" sz="2000" dirty="0">
-              <a:latin typeface="Monaco"/>
-              <a:cs typeface="Monaco"/>
-            </a:endParaRPr>
-          </a:p>
-          <a:p>
-            <a:r>
-              <a:rPr lang="en-US" sz="2000" dirty="0" smtClean="0">
-                <a:latin typeface="Monaco"/>
-                <a:cs typeface="Monaco"/>
-              </a:rPr>
-              <a:t>from Bio import </a:t>
-            </a:r>
-            <a:r>
-              <a:rPr lang="en-US" sz="2000" dirty="0" err="1" smtClean="0">
-                <a:latin typeface="Monaco"/>
-                <a:cs typeface="Monaco"/>
-              </a:rPr>
-              <a:t>SeqIO</a:t>
-            </a:r>
-            <a:endParaRPr lang="en-US" sz="2000" dirty="0" smtClean="0">
-              <a:latin typeface="Monaco"/>
-              <a:cs typeface="Monaco"/>
-            </a:endParaRPr>
-          </a:p>
-          <a:p>
-            <a:endParaRPr lang="en-US" sz="2000" dirty="0">
-              <a:latin typeface="Monaco"/>
-              <a:cs typeface="Monaco"/>
-            </a:endParaRPr>
-          </a:p>
-          <a:p>
-            <a:r>
-              <a:rPr lang="en-US" sz="2000" smtClean="0">
-                <a:latin typeface="Monaco"/>
-                <a:cs typeface="Monaco"/>
-              </a:rPr>
-              <a:t># Save lots of SeqRecord objects in a list!</a:t>
-            </a:r>
-          </a:p>
-          <a:p>
-            <a:r>
-              <a:rPr lang="en-US" sz="2000" smtClean="0">
-                <a:latin typeface="Monaco"/>
-                <a:cs typeface="Monaco"/>
-              </a:rPr>
-              <a:t>recs </a:t>
-            </a:r>
-            <a:r>
-              <a:rPr lang="en-US" sz="2000" dirty="0" smtClean="0">
-                <a:latin typeface="Monaco"/>
-                <a:cs typeface="Monaco"/>
-              </a:rPr>
-              <a:t>= []</a:t>
-            </a:r>
-          </a:p>
-          <a:p>
-            <a:r>
-              <a:rPr lang="en-US" sz="2000" dirty="0" smtClean="0">
-                <a:latin typeface="Monaco"/>
-                <a:cs typeface="Monaco"/>
-              </a:rPr>
-              <a:t>for </a:t>
-            </a:r>
-            <a:r>
-              <a:rPr lang="en-US" sz="2000" dirty="0" err="1" smtClean="0">
-                <a:latin typeface="Monaco"/>
-                <a:cs typeface="Monaco"/>
-              </a:rPr>
-              <a:t>i</a:t>
-            </a:r>
-            <a:r>
-              <a:rPr lang="en-US" sz="2000" dirty="0" smtClean="0">
-                <a:latin typeface="Monaco"/>
-                <a:cs typeface="Monaco"/>
-              </a:rPr>
-              <a:t> in range(10):</a:t>
-            </a:r>
-          </a:p>
-          <a:p>
-            <a:r>
-              <a:rPr lang="en-US" sz="2000" dirty="0">
-                <a:latin typeface="Monaco"/>
-                <a:cs typeface="Monaco"/>
-              </a:rPr>
-              <a:t>	</a:t>
-            </a:r>
-            <a:r>
-              <a:rPr lang="en-US" sz="2000" dirty="0" err="1" smtClean="0">
-                <a:latin typeface="Monaco"/>
-                <a:cs typeface="Monaco"/>
-              </a:rPr>
-              <a:t>seq_object</a:t>
-            </a:r>
-            <a:r>
-              <a:rPr lang="en-US" sz="2000" dirty="0" smtClean="0">
-                <a:latin typeface="Monaco"/>
-                <a:cs typeface="Monaco"/>
-              </a:rPr>
-              <a:t> = </a:t>
-            </a:r>
-            <a:r>
-              <a:rPr lang="en-US" sz="2000" dirty="0" err="1" smtClean="0">
-                <a:latin typeface="Monaco"/>
-                <a:cs typeface="Monaco"/>
-              </a:rPr>
-              <a:t>Seq</a:t>
-            </a:r>
-            <a:r>
-              <a:rPr lang="en-US" sz="2000" dirty="0" smtClean="0">
-                <a:latin typeface="Monaco"/>
-                <a:cs typeface="Monaco"/>
-              </a:rPr>
-              <a:t>(&lt;some sequence&gt;)</a:t>
-            </a:r>
-          </a:p>
-          <a:p>
-            <a:r>
-              <a:rPr lang="en-US" sz="2000" dirty="0">
-                <a:latin typeface="Monaco"/>
-                <a:cs typeface="Monaco"/>
-              </a:rPr>
-              <a:t>	</a:t>
-            </a:r>
-            <a:r>
-              <a:rPr lang="en-US" sz="2000" dirty="0" err="1" smtClean="0">
-                <a:latin typeface="Monaco"/>
-                <a:cs typeface="Monaco"/>
-              </a:rPr>
-              <a:t>seq_record</a:t>
-            </a:r>
-            <a:r>
-              <a:rPr lang="en-US" sz="2000" dirty="0">
-                <a:latin typeface="Monaco"/>
-                <a:cs typeface="Monaco"/>
-              </a:rPr>
-              <a:t> </a:t>
-            </a:r>
-            <a:r>
-              <a:rPr lang="en-US" sz="2000" dirty="0" smtClean="0">
-                <a:latin typeface="Monaco"/>
-                <a:cs typeface="Monaco"/>
-              </a:rPr>
-              <a:t>= </a:t>
-            </a:r>
-            <a:r>
-              <a:rPr lang="en-US" sz="2000" dirty="0" err="1" smtClean="0">
-                <a:latin typeface="Monaco"/>
-                <a:cs typeface="Monaco"/>
-              </a:rPr>
-              <a:t>SeqRecord</a:t>
-            </a:r>
-            <a:r>
-              <a:rPr lang="en-US" sz="2000" dirty="0" smtClean="0">
-                <a:latin typeface="Monaco"/>
-                <a:cs typeface="Monaco"/>
-              </a:rPr>
-              <a:t>(</a:t>
-            </a:r>
-            <a:r>
-              <a:rPr lang="en-US" sz="2000" dirty="0" err="1" smtClean="0">
-                <a:latin typeface="Monaco"/>
-                <a:cs typeface="Monaco"/>
-              </a:rPr>
-              <a:t>seq_object</a:t>
-            </a:r>
-            <a:r>
-              <a:rPr lang="en-US" sz="2000" dirty="0" smtClean="0">
-                <a:latin typeface="Monaco"/>
-                <a:cs typeface="Monaco"/>
-              </a:rPr>
-              <a:t>, id = &lt;</a:t>
-            </a:r>
-            <a:r>
-              <a:rPr lang="en-US" sz="2000" dirty="0" err="1" smtClean="0">
-                <a:latin typeface="Monaco"/>
-                <a:cs typeface="Monaco"/>
-              </a:rPr>
-              <a:t>some_id</a:t>
-            </a:r>
-            <a:r>
-              <a:rPr lang="en-US" sz="2000" dirty="0" smtClean="0">
-                <a:latin typeface="Monaco"/>
-                <a:cs typeface="Monaco"/>
-              </a:rPr>
-              <a:t>&gt;)</a:t>
-            </a:r>
-          </a:p>
-          <a:p>
-            <a:r>
-              <a:rPr lang="en-US" sz="2000" dirty="0" smtClean="0">
-                <a:latin typeface="Monaco"/>
-                <a:cs typeface="Monaco"/>
-              </a:rPr>
-              <a:t>	</a:t>
-            </a:r>
-            <a:r>
-              <a:rPr lang="en-US" sz="2000" dirty="0" err="1" smtClean="0">
-                <a:latin typeface="Monaco"/>
-                <a:cs typeface="Monaco"/>
-              </a:rPr>
-              <a:t>recs.append</a:t>
-            </a:r>
-            <a:r>
-              <a:rPr lang="en-US" sz="2000" dirty="0" smtClean="0">
-                <a:latin typeface="Monaco"/>
-                <a:cs typeface="Monaco"/>
-              </a:rPr>
-              <a:t>(</a:t>
-            </a:r>
-            <a:r>
-              <a:rPr lang="en-US" sz="2000" dirty="0" err="1" smtClean="0">
-                <a:latin typeface="Monaco"/>
-                <a:cs typeface="Monaco"/>
-              </a:rPr>
-              <a:t>seq_record</a:t>
-            </a:r>
-            <a:r>
-              <a:rPr lang="en-US" sz="2000" dirty="0" smtClean="0">
-                <a:latin typeface="Monaco"/>
-                <a:cs typeface="Monaco"/>
-              </a:rPr>
-              <a:t>)</a:t>
-            </a:r>
-          </a:p>
-          <a:p>
-            <a:endParaRPr lang="en-US" sz="2000" dirty="0">
-              <a:latin typeface="Monaco"/>
-              <a:cs typeface="Monaco"/>
-            </a:endParaRPr>
-          </a:p>
-          <a:p>
-            <a:r>
-              <a:rPr lang="en-US" sz="2000" dirty="0" err="1" smtClean="0">
-                <a:latin typeface="Monaco"/>
-                <a:cs typeface="Monaco"/>
-              </a:rPr>
-              <a:t>SeqIO.write</a:t>
-            </a:r>
-            <a:r>
-              <a:rPr lang="en-US" sz="2000" dirty="0" smtClean="0">
-                <a:latin typeface="Monaco"/>
-                <a:cs typeface="Monaco"/>
-              </a:rPr>
-              <a:t>(recs, </a:t>
-            </a:r>
-            <a:r>
-              <a:rPr lang="en-US" sz="2000" dirty="0">
-                <a:latin typeface="Monaco"/>
-                <a:cs typeface="Monaco"/>
-              </a:rPr>
-              <a:t>"</a:t>
-            </a:r>
-            <a:r>
-              <a:rPr lang="en-US" sz="2000" dirty="0" err="1">
-                <a:latin typeface="Monaco"/>
-                <a:cs typeface="Monaco"/>
-              </a:rPr>
-              <a:t>outfile.fasta</a:t>
-            </a:r>
-            <a:r>
-              <a:rPr lang="en-US" sz="2000" dirty="0" smtClean="0">
-                <a:latin typeface="Monaco"/>
-                <a:cs typeface="Monaco"/>
-              </a:rPr>
-              <a:t>", "</a:t>
-            </a:r>
-            <a:r>
-              <a:rPr lang="en-US" sz="2000" dirty="0" err="1" smtClean="0">
-                <a:latin typeface="Monaco"/>
-                <a:cs typeface="Monaco"/>
-              </a:rPr>
-              <a:t>fasta</a:t>
-            </a:r>
-            <a:r>
-              <a:rPr lang="en-US" sz="2000" dirty="0" smtClean="0">
-                <a:latin typeface="Monaco"/>
-                <a:cs typeface="Monaco"/>
-              </a:rPr>
-              <a:t>")</a:t>
+          <p:cNvPr id="3" name="Content Placeholder 2"/>
+          <p:cNvSpPr>
+            <a:spLocks noGrp="1"/>
+          </p:cNvSpPr>
+          <p:nvPr>
+            <p:ph idx="1"/>
+          </p:nvPr>
+        </p:nvSpPr>
+        <p:spPr/>
+        <p:txBody>
+          <a:bodyPr/>
+          <a:lstStyle/>
+          <a:p>
+            <a:r>
+              <a:rPr lang="en-US" dirty="0" smtClean="0"/>
+              <a:t>Goal</a:t>
+            </a:r>
+            <a:r>
+              <a:rPr lang="en-US" dirty="0" smtClean="0"/>
+              <a:t>:</a:t>
+            </a:r>
+          </a:p>
+          <a:p>
+            <a:pPr marL="457200" indent="-457200">
+              <a:buFont typeface="Arial"/>
+              <a:buChar char="•"/>
+            </a:pPr>
+            <a:r>
+              <a:rPr lang="en-US" dirty="0" smtClean="0"/>
+              <a:t>Parse sequence data files and extract meaningful information </a:t>
+            </a:r>
+          </a:p>
+          <a:p>
+            <a:pPr marL="457200" indent="-457200">
+              <a:buFont typeface="Arial"/>
+              <a:buChar char="•"/>
+            </a:pPr>
+            <a:r>
+              <a:rPr lang="en-US" dirty="0" smtClean="0"/>
+              <a:t>Perform some calculations</a:t>
             </a:r>
           </a:p>
         </p:txBody>
@@ -8633,7 +8259,7 @@
     </p:spTree>
     <p:extLst>
       <p:ext uri="{BB962C8B-B14F-4D97-AF65-F5344CB8AC3E}">
-        <p14:creationId xmlns:p14="http://schemas.microsoft.com/office/powerpoint/2010/main" val="1085934977"/>
+        <p14:creationId xmlns:p14="http://schemas.microsoft.com/office/powerpoint/2010/main" val="1028846082"/>
       </p:ext>
     </p:extLst>
   </p:cSld>
@@ -8670,20 +8296,54 @@
             <p:ph type="title"/>
           </p:nvPr>
         </p:nvSpPr>
-        <p:spPr>
-          <a:xfrm>
-            <a:off x="2230714" y="3087537"/>
-            <a:ext cx="4688183" cy="692215"/>
-          </a:xfrm>
-        </p:spPr>
+        <p:spPr/>
         <p:txBody>
           <a:bodyPr/>
           <a:lstStyle/>
           <a:p>
             <a:r>
               <a:rPr lang="en-US" dirty="0" smtClean="0"/>
-              <a:t>exercise break</a:t>
-            </a:r>
+              <a:t>Script #1</a:t>
+            </a:r>
+            <a:endParaRPr lang="en-US" dirty="0"/>
+          </a:p>
+        </p:txBody>
+      </p:sp>
+      <p:sp>
+        <p:nvSpPr>
+          <p:cNvPr id="3" name="Content Placeholder 2"/>
+          <p:cNvSpPr>
+            <a:spLocks noGrp="1"/>
+          </p:cNvSpPr>
+          <p:nvPr>
+            <p:ph idx="1"/>
+          </p:nvPr>
+        </p:nvSpPr>
+        <p:spPr/>
+        <p:txBody>
+          <a:bodyPr/>
+          <a:lstStyle/>
+          <a:p>
+            <a:r>
+              <a:rPr lang="en-US" dirty="0"/>
+              <a:t>Determine the average </a:t>
+            </a:r>
+            <a:r>
+              <a:rPr lang="en-US" i="1" dirty="0"/>
+              <a:t>GC-content </a:t>
+            </a:r>
+            <a:r>
+              <a:rPr lang="en-US" dirty="0"/>
+              <a:t>for all sequences in a given file</a:t>
+            </a:r>
+          </a:p>
+          <a:p>
+            <a:endParaRPr lang="en-US" dirty="0" smtClean="0"/>
+          </a:p>
+          <a:p>
+            <a:endParaRPr lang="en-US" dirty="0"/>
+          </a:p>
+          <a:p>
             <a:endParaRPr lang="en-US" dirty="0"/>
           </a:p>
         </p:txBody>
@@ -8691,7 +8351,7 @@
     </p:spTree>
     <p:extLst>
       <p:ext uri="{BB962C8B-B14F-4D97-AF65-F5344CB8AC3E}">
-        <p14:creationId xmlns:p14="http://schemas.microsoft.com/office/powerpoint/2010/main" val="4207585177"/>
+        <p14:creationId xmlns:p14="http://schemas.microsoft.com/office/powerpoint/2010/main" val="81387370"/>
       </p:ext>
     </p:extLst>
   </p:cSld>
@@ -8735,7 +8395,7 @@
           <a:p>
             <a:r>
               <a:rPr lang="en-US" dirty="0" smtClean="0"/>
-              <a:t>scripting</a:t>
+              <a:t>Script #1</a:t>
             </a:r>
             <a:endParaRPr lang="en-US" dirty="0"/>
           </a:p>
@@ -8758,44 +8418,86 @@
           <a:p>
             <a:r>
               <a:rPr lang="en-US" dirty="0" smtClean="0"/>
-              <a:t>For the remainder of the class, we will focus on writing scripts!</a:t>
-            </a:r>
+              <a:t>Determine </a:t>
+            </a:r>
+            <a:r>
+              <a:rPr lang="en-US" dirty="0"/>
+              <a:t>the </a:t>
+            </a:r>
+            <a:r>
+              <a:rPr lang="en-US" dirty="0" smtClean="0"/>
+              <a:t>average </a:t>
+            </a:r>
+            <a:r>
+              <a:rPr lang="en-US" i="1" dirty="0" smtClean="0"/>
+              <a:t>GC-content </a:t>
+            </a:r>
+            <a:r>
+              <a:rPr lang="en-US" dirty="0" smtClean="0"/>
+              <a:t>for all sequences in a given file</a:t>
+            </a:r>
+          </a:p>
+          <a:p>
+            <a:pPr marL="971550" lvl="1" indent="-514350"/>
+            <a:r>
+              <a:rPr lang="en-US" dirty="0"/>
+              <a:t>Your script should include two functions:</a:t>
+            </a:r>
+          </a:p>
+          <a:p>
+            <a:pPr marL="1657350" lvl="2" indent="-514350"/>
+            <a:r>
+              <a:rPr lang="en-US" dirty="0"/>
+              <a:t>A function for reading in a sequence file</a:t>
+            </a:r>
+          </a:p>
+          <a:p>
+            <a:pPr marL="1657350" lvl="2" indent="-514350"/>
+            <a:r>
+              <a:rPr lang="en-US" dirty="0"/>
+              <a:t>A function for computing </a:t>
+            </a:r>
+            <a:r>
+              <a:rPr lang="en-US" dirty="0" smtClean="0"/>
+              <a:t>the GC-content for a </a:t>
+            </a:r>
+            <a:r>
+              <a:rPr lang="en-US" i="1" dirty="0" smtClean="0"/>
+              <a:t>single sequence </a:t>
+            </a:r>
+            <a:r>
+              <a:rPr lang="en-US" dirty="0" smtClean="0">
+                <a:solidFill>
+                  <a:schemeClr val="accent5"/>
+                </a:solidFill>
+              </a:rPr>
+              <a:t>(why?)</a:t>
+            </a:r>
+            <a:endParaRPr lang="en-US" dirty="0">
+              <a:solidFill>
+                <a:schemeClr val="accent5"/>
+              </a:solidFill>
+            </a:endParaRPr>
+          </a:p>
+          <a:p>
+            <a:pPr marL="514350" indent="-514350">
+              <a:buFont typeface="+mj-lt"/>
+              <a:buAutoNum type="arabicPeriod" startAt="2"/>
+            </a:pPr>
+            <a:endParaRPr lang="en-US" dirty="0" smtClean="0"/>
           </a:p>
           <a:p>
             <a:endParaRPr lang="en-US" dirty="0"/>
           </a:p>
           <a:p>
-            <a:r>
-              <a:rPr lang="en-US" dirty="0" smtClean="0"/>
-              <a:t>Goal:</a:t>
-            </a:r>
-          </a:p>
-          <a:p>
-            <a:pPr marL="457200" indent="-457200">
-              <a:buFont typeface="Arial"/>
-              <a:buChar char="•"/>
-            </a:pPr>
-            <a:r>
-              <a:rPr lang="en-US" dirty="0" smtClean="0"/>
-              <a:t>Parse sequence data files and extract meaningful information </a:t>
-            </a:r>
-          </a:p>
-          <a:p>
-            <a:pPr marL="457200" indent="-457200">
-              <a:buFont typeface="Arial"/>
-              <a:buChar char="•"/>
-            </a:pPr>
-            <a:r>
-              <a:rPr lang="en-US" dirty="0" smtClean="0"/>
-              <a:t>Perform some calculations</a:t>
-            </a:r>
+            <a:endParaRPr lang="en-US" dirty="0"/>
           </a:p>
         </p:txBody>
       </p:sp>
     </p:spTree>
     <p:extLst>
       <p:ext uri="{BB962C8B-B14F-4D97-AF65-F5344CB8AC3E}">
-        <p14:creationId xmlns:p14="http://schemas.microsoft.com/office/powerpoint/2010/main" val="1028846082"/>
+        <p14:creationId xmlns:p14="http://schemas.microsoft.com/office/powerpoint/2010/main" val="2044227144"/>
       </p:ext>
     </p:extLst>
   </p:cSld>
@@ -8839,7 +8541,7 @@
           <a:p>
             <a:r>
               <a:rPr lang="en-US" dirty="0" smtClean="0"/>
-              <a:t>Script #1</a:t>
+              <a:t>Script #2</a:t>
             </a:r>
             <a:endParaRPr lang="en-US" dirty="0"/>
           </a:p>
@@ -8862,32 +8564,23 @@
           <a:p>
             <a:r>
               <a:rPr lang="en-US" dirty="0"/>
-              <a:t>Determine the average </a:t>
+              <a:t>Determine the </a:t>
             </a:r>
             <a:r>
               <a:rPr lang="en-US" i="1" dirty="0"/>
-              <a:t>GC-content </a:t>
+              <a:t>pairwise distance </a:t>
             </a:r>
             <a:r>
               <a:rPr lang="en-US" dirty="0"/>
-              <a:t>for all sequences in a given file</a:t>
-            </a:r>
-          </a:p>
-          <a:p>
-            <a:endParaRPr lang="en-US" dirty="0" smtClean="0"/>
-          </a:p>
-          <a:p>
-            <a:endParaRPr lang="en-US" dirty="0"/>
-          </a:p>
-          <a:p>
-            <a:endParaRPr lang="en-US" dirty="0"/>
+              <a:t>between two sequences </a:t>
+            </a:r>
           </a:p>
         </p:txBody>
       </p:sp>
     </p:spTree>
     <p:extLst>
       <p:ext uri="{BB962C8B-B14F-4D97-AF65-F5344CB8AC3E}">
-        <p14:creationId xmlns:p14="http://schemas.microsoft.com/office/powerpoint/2010/main" val="81387370"/>
+        <p14:creationId xmlns:p14="http://schemas.microsoft.com/office/powerpoint/2010/main" val="3500402009"/>
       </p:ext>
     </p:extLst>
   </p:cSld>
@@ -8981,6 +8674,81 @@
             <a:endParaRPr lang="en-US" dirty="0"/>
           </a:p>
           <a:p>
+            <a:pPr marL="457200" indent="-457200">
+              <a:buFont typeface="Arial"/>
+              <a:buChar char="•"/>
+            </a:pPr>
+            <a:r>
+              <a:rPr lang="en-US" dirty="0" smtClean="0"/>
+              <a:t>Epic tutorial linked on the course website: </a:t>
+            </a:r>
+            <a:r>
+              <a:rPr lang="en-US" sz="1800" dirty="0" smtClean="0">
+                <a:latin typeface="Monaco"/>
+                <a:cs typeface="Monaco"/>
+                <a:hlinkClick r:id="rId2"/>
+              </a:rPr>
+              <a:t>http</a:t>
+            </a:r>
+            <a:r>
+              <a:rPr lang="en-US" sz="1800" dirty="0">
+                <a:latin typeface="Monaco"/>
+                <a:cs typeface="Monaco"/>
+                <a:hlinkClick r:id="rId2"/>
+              </a:rPr>
+              <a:t>://biopython.org/DIST/docs/tutorial/</a:t>
+            </a:r>
+            <a:r>
+              <a:rPr lang="en-US" sz="1800" dirty="0" smtClean="0">
+                <a:latin typeface="Monaco"/>
+                <a:cs typeface="Monaco"/>
+                <a:hlinkClick r:id="rId2"/>
+              </a:rPr>
+              <a:t>Tutorial.html</a:t>
+            </a:r>
+            <a:endParaRPr lang="en-US" sz="1800" dirty="0" smtClean="0">
+              <a:latin typeface="Monaco"/>
+              <a:cs typeface="Monaco"/>
+            </a:endParaRPr>
+          </a:p>
+          <a:p>
+            <a:pPr marL="457200" indent="-457200">
+              <a:buFont typeface="Arial"/>
+              <a:buChar char="•"/>
+            </a:pPr>
+            <a:endParaRPr lang="en-US" sz="1800" dirty="0" smtClean="0">
+              <a:latin typeface="Monaco"/>
+              <a:cs typeface="Monaco"/>
+            </a:endParaRPr>
+          </a:p>
+          <a:p>
+            <a:pPr marL="457200" indent="-457200">
+              <a:buFont typeface="Arial"/>
+              <a:buChar char="•"/>
+            </a:pPr>
+            <a:r>
+              <a:rPr lang="en-US" sz="2400" dirty="0" smtClean="0"/>
+              <a:t>And this wiki:  </a:t>
+            </a:r>
+            <a:r>
+              <a:rPr lang="en-US" sz="1800" dirty="0" smtClean="0">
+                <a:latin typeface="Monaco"/>
+                <a:cs typeface="Monaco"/>
+                <a:hlinkClick r:id="rId3"/>
+              </a:rPr>
+              <a:t>http</a:t>
+            </a:r>
+            <a:r>
+              <a:rPr lang="en-US" sz="1800" dirty="0">
+                <a:latin typeface="Monaco"/>
+                <a:cs typeface="Monaco"/>
+                <a:hlinkClick r:id="rId3"/>
+              </a:rPr>
+              <a:t>://biopython.org/wiki/Biopython</a:t>
+            </a:r>
+            <a:endParaRPr lang="en-US" sz="1800" dirty="0"/>
+          </a:p>
+          <a:p>
             <a:pPr lvl="1" indent="0">
               <a:buNone/>
             </a:pPr>
@@ -8991,7 +8759,7 @@
     </p:spTree>
     <p:extLst>
       <p:ext uri="{BB962C8B-B14F-4D97-AF65-F5344CB8AC3E}">
-        <p14:creationId xmlns:p14="http://schemas.microsoft.com/office/powerpoint/2010/main" val="1913672466"/>
+        <p14:creationId xmlns:p14="http://schemas.microsoft.com/office/powerpoint/2010/main" val="3140848450"/>
       </p:ext>
     </p:extLst>
   </p:cSld>
@@ -9035,7 +8803,7 @@
           <a:p>
             <a:r>
               <a:rPr lang="en-US" dirty="0" smtClean="0"/>
-              <a:t>Script #1</a:t>
+              <a:t>Script #2</a:t>
             </a:r>
             <a:endParaRPr lang="en-US" dirty="0"/>
           </a:p>
@@ -9057,87 +8825,65 @@
           <a:lstStyle/>
           <a:p>
             <a:r>
-              <a:rPr lang="en-US" dirty="0" smtClean="0"/>
-              <a:t>Determine </a:t>
-            </a:r>
-            <a:r>
               <a:rPr lang="en-US" dirty="0"/>
-              <a:t>the </a:t>
-            </a:r>
-            <a:r>
-              <a:rPr lang="en-US" dirty="0" smtClean="0"/>
-              <a:t>average </a:t>
-            </a:r>
-            <a:r>
-              <a:rPr lang="en-US" i="1" dirty="0" smtClean="0"/>
-              <a:t>GC-content </a:t>
-            </a:r>
-            <a:r>
-              <a:rPr lang="en-US" dirty="0" smtClean="0"/>
-              <a:t>for all sequences in a given file</a:t>
-            </a:r>
-          </a:p>
-          <a:p>
-            <a:pPr marL="971550" lvl="1" indent="-514350"/>
+              <a:t>Determine the </a:t>
+            </a:r>
+            <a:r>
+              <a:rPr lang="en-US" i="1" dirty="0"/>
+              <a:t>pairwise distance </a:t>
+            </a:r>
             <a:r>
               <a:rPr lang="en-US" dirty="0"/>
-              <a:t>Your script should include two functions:</a:t>
-            </a:r>
-          </a:p>
-          <a:p>
-            <a:pPr marL="1657350" lvl="2" indent="-514350"/>
-            <a:r>
-              <a:rPr lang="en-US" dirty="0"/>
-              <a:t>A function for reading in a sequence file</a:t>
-            </a:r>
-          </a:p>
-          <a:p>
-            <a:pPr marL="1657350" lvl="2" indent="-514350"/>
-            <a:r>
-              <a:rPr lang="en-US" dirty="0"/>
-              <a:t>A function for computing </a:t>
-            </a:r>
-            <a:r>
-              <a:rPr lang="en-US" dirty="0" smtClean="0"/>
-              <a:t>the GC-content for a </a:t>
-            </a:r>
-            <a:r>
-              <a:rPr lang="en-US" i="1" dirty="0" smtClean="0"/>
-              <a:t>single sequence </a:t>
-            </a:r>
-            <a:r>
-              <a:rPr lang="en-US" dirty="0" smtClean="0">
-                <a:solidFill>
-                  <a:schemeClr val="accent5"/>
-                </a:solidFill>
-              </a:rPr>
-              <a:t>(why?)</a:t>
-            </a:r>
-            <a:endParaRPr lang="en-US" dirty="0">
-              <a:solidFill>
-                <a:schemeClr val="accent5"/>
-              </a:solidFill>
-            </a:endParaRPr>
-          </a:p>
-          <a:p>
-            <a:pPr marL="514350" indent="-514350">
-              <a:buFont typeface="+mj-lt"/>
-              <a:buAutoNum type="arabicPeriod" startAt="2"/>
-            </a:pPr>
-            <a:endParaRPr lang="en-US" dirty="0" smtClean="0"/>
-          </a:p>
-          <a:p>
-            <a:endParaRPr lang="en-US" dirty="0"/>
-          </a:p>
-          <a:p>
-            <a:endParaRPr lang="en-US" dirty="0"/>
+              <a:t>between two sequences </a:t>
+            </a:r>
+          </a:p>
+        </p:txBody>
+      </p:sp>
+      <p:sp>
+        <p:nvSpPr>
+          <p:cNvPr id="4" name="TextBox 3"/>
+          <p:cNvSpPr txBox="1"/>
+          <p:nvPr/>
+        </p:nvSpPr>
+        <p:spPr>
+          <a:xfrm>
+            <a:off x="3448439" y="2892195"/>
+            <a:ext cx="1653765" cy="892552"/>
+          </a:xfrm>
+          <a:prstGeom prst="rect">
+            <a:avLst/>
+          </a:prstGeom>
+          <a:noFill/>
+        </p:spPr>
+        <p:txBody>
+          <a:bodyPr wrap="square" rtlCol="0">
+            <a:spAutoFit/>
+          </a:bodyPr>
+          <a:lstStyle/>
+          <a:p>
+            <a:r>
+              <a:rPr lang="en-US" sz="2600" dirty="0" smtClean="0">
+                <a:latin typeface="Monaco"/>
+                <a:cs typeface="Monaco"/>
+              </a:rPr>
+              <a:t>ACGTAAA</a:t>
+            </a:r>
+          </a:p>
+          <a:p>
+            <a:r>
+              <a:rPr lang="en-US" sz="2600" dirty="0" smtClean="0">
+                <a:latin typeface="Monaco"/>
+                <a:cs typeface="Monaco"/>
+              </a:rPr>
+              <a:t>AGGTAAT</a:t>
+            </a:r>
           </a:p>
         </p:txBody>
       </p:sp>
     </p:spTree>
     <p:extLst>
       <p:ext uri="{BB962C8B-B14F-4D97-AF65-F5344CB8AC3E}">
-        <p14:creationId xmlns:p14="http://schemas.microsoft.com/office/powerpoint/2010/main" val="2044227144"/>
+        <p14:creationId xmlns:p14="http://schemas.microsoft.com/office/powerpoint/2010/main" val="115094946"/>
       </p:ext>
     </p:extLst>
   </p:cSld>
@@ -9217,10 +8963,155 @@
           </a:p>
         </p:txBody>
       </p:sp>
+      <p:sp>
+        <p:nvSpPr>
+          <p:cNvPr id="4" name="TextBox 3"/>
+          <p:cNvSpPr txBox="1"/>
+          <p:nvPr/>
+        </p:nvSpPr>
+        <p:spPr>
+          <a:xfrm>
+            <a:off x="3448439" y="2892195"/>
+            <a:ext cx="1653765" cy="892552"/>
+          </a:xfrm>
+          <a:prstGeom prst="rect">
+            <a:avLst/>
+          </a:prstGeom>
+          <a:noFill/>
+        </p:spPr>
+        <p:txBody>
+          <a:bodyPr wrap="square" rtlCol="0">
+            <a:spAutoFit/>
+          </a:bodyPr>
+          <a:lstStyle/>
+          <a:p>
+            <a:r>
+              <a:rPr lang="en-US" sz="2600" dirty="0" smtClean="0">
+                <a:latin typeface="Monaco"/>
+                <a:cs typeface="Monaco"/>
+              </a:rPr>
+              <a:t>A</a:t>
+            </a:r>
+            <a:r>
+              <a:rPr lang="en-US" sz="2600" dirty="0" smtClean="0">
+                <a:solidFill>
+                  <a:schemeClr val="tx2"/>
+                </a:solidFill>
+                <a:latin typeface="Monaco"/>
+                <a:cs typeface="Monaco"/>
+              </a:rPr>
+              <a:t>C</a:t>
+            </a:r>
+            <a:r>
+              <a:rPr lang="en-US" sz="2600" dirty="0" smtClean="0">
+                <a:latin typeface="Monaco"/>
+                <a:cs typeface="Monaco"/>
+              </a:rPr>
+              <a:t>GTAA</a:t>
+            </a:r>
+            <a:r>
+              <a:rPr lang="en-US" sz="2600" dirty="0" smtClean="0">
+                <a:solidFill>
+                  <a:srgbClr val="D1282E"/>
+                </a:solidFill>
+                <a:latin typeface="Monaco"/>
+                <a:cs typeface="Monaco"/>
+              </a:rPr>
+              <a:t>A</a:t>
+            </a:r>
+          </a:p>
+          <a:p>
+            <a:r>
+              <a:rPr lang="en-US" sz="2600" dirty="0" smtClean="0">
+                <a:latin typeface="Monaco"/>
+                <a:cs typeface="Monaco"/>
+              </a:rPr>
+              <a:t>A</a:t>
+            </a:r>
+            <a:r>
+              <a:rPr lang="en-US" sz="2600" dirty="0" smtClean="0">
+                <a:solidFill>
+                  <a:srgbClr val="D1282E"/>
+                </a:solidFill>
+                <a:latin typeface="Monaco"/>
+                <a:cs typeface="Monaco"/>
+              </a:rPr>
+              <a:t>G</a:t>
+            </a:r>
+            <a:r>
+              <a:rPr lang="en-US" sz="2600" dirty="0" smtClean="0">
+                <a:latin typeface="Monaco"/>
+                <a:cs typeface="Monaco"/>
+              </a:rPr>
+              <a:t>GTAA</a:t>
+            </a:r>
+            <a:r>
+              <a:rPr lang="en-US" sz="2600" dirty="0" smtClean="0">
+                <a:solidFill>
+                  <a:srgbClr val="D1282E"/>
+                </a:solidFill>
+                <a:latin typeface="Monaco"/>
+                <a:cs typeface="Monaco"/>
+              </a:rPr>
+              <a:t>T</a:t>
+            </a:r>
+          </a:p>
+        </p:txBody>
+      </p:sp>
+      <p:sp>
+        <p:nvSpPr>
+          <p:cNvPr id="5" name="TextBox 4"/>
+          <p:cNvSpPr txBox="1"/>
+          <p:nvPr/>
+        </p:nvSpPr>
+        <p:spPr>
+          <a:xfrm>
+            <a:off x="5279738" y="3015306"/>
+            <a:ext cx="3421834" cy="769441"/>
+          </a:xfrm>
+          <a:prstGeom prst="rect">
+            <a:avLst/>
+          </a:prstGeom>
+          <a:noFill/>
+        </p:spPr>
+        <p:txBody>
+          <a:bodyPr wrap="square" rtlCol="0">
+            <a:spAutoFit/>
+          </a:bodyPr>
+          <a:lstStyle/>
+          <a:p>
+            <a:r>
+              <a:rPr lang="en-US" sz="2200" dirty="0" smtClean="0">
+                <a:solidFill>
+                  <a:srgbClr val="DC5924"/>
+                </a:solidFill>
+              </a:rPr>
+              <a:t>Distance = #diff / length  =</a:t>
+            </a:r>
+          </a:p>
+          <a:p>
+            <a:r>
+              <a:rPr lang="en-US" sz="2200" dirty="0" smtClean="0">
+                <a:solidFill>
+                  <a:srgbClr val="DC5924"/>
+                </a:solidFill>
+              </a:rPr>
+              <a:t> 2 / 7 = 0.286 </a:t>
+            </a:r>
+            <a:endParaRPr lang="en-US" sz="2200" dirty="0">
+              <a:solidFill>
+                <a:srgbClr val="DC5924"/>
+              </a:solidFill>
+              <a:latin typeface="Monaco"/>
+              <a:cs typeface="Monaco"/>
+            </a:endParaRPr>
+          </a:p>
+        </p:txBody>
+      </p:sp>
     </p:spTree>
     <p:extLst>
       <p:ext uri="{BB962C8B-B14F-4D97-AF65-F5344CB8AC3E}">
-        <p14:creationId xmlns:p14="http://schemas.microsoft.com/office/powerpoint/2010/main" val="3500402009"/>
+        <p14:creationId xmlns:p14="http://schemas.microsoft.com/office/powerpoint/2010/main" val="274318404"/>
       </p:ext>
     </p:extLst>
   </p:cSld>
@@ -9286,57 +9177,37 @@
           <a:lstStyle/>
           <a:p>
             <a:r>
-              <a:rPr lang="en-US" dirty="0"/>
+              <a:rPr lang="en-US" dirty="0" smtClean="0"/>
               <a:t>Determine the </a:t>
             </a:r>
             <a:r>
-              <a:rPr lang="en-US" i="1" dirty="0"/>
+              <a:rPr lang="en-US" i="1" dirty="0" smtClean="0"/>
               <a:t>pairwise distance </a:t>
             </a:r>
             <a:r>
-              <a:rPr lang="en-US" dirty="0"/>
+              <a:rPr lang="en-US" dirty="0" smtClean="0"/>
               <a:t>between two sequences </a:t>
             </a:r>
           </a:p>
-        </p:txBody>
-      </p:sp>
-      <p:sp>
-        <p:nvSpPr>
-          <p:cNvPr id="4" name="TextBox 3"/>
-          <p:cNvSpPr txBox="1"/>
-          <p:nvPr/>
-        </p:nvSpPr>
-        <p:spPr>
-          <a:xfrm>
-            <a:off x="3448439" y="2892195"/>
-            <a:ext cx="1653765" cy="892552"/>
-          </a:xfrm>
-          <a:prstGeom prst="rect">
-            <a:avLst/>
-          </a:prstGeom>
-          <a:noFill/>
-        </p:spPr>
-        <p:txBody>
-          <a:bodyPr wrap="square" rtlCol="0">
-            <a:spAutoFit/>
-          </a:bodyPr>
-          <a:lstStyle/>
-          <a:p>
-            <a:r>
-              <a:rPr lang="en-US" sz="2600" dirty="0" smtClean="0">
-                <a:latin typeface="Monaco"/>
-                <a:cs typeface="Monaco"/>
-              </a:rPr>
-              <a:t>ACGTAAA</a:t>
-            </a:r>
-          </a:p>
-          <a:p>
-            <a:r>
-              <a:rPr lang="en-US" sz="2600" dirty="0" smtClean="0">
-                <a:latin typeface="Monaco"/>
-                <a:cs typeface="Monaco"/>
-              </a:rPr>
-              <a:t>AGGTAAT</a:t>
+          <a:p>
+            <a:pPr marL="971550" lvl="1" indent="-514350"/>
+            <a:r>
+              <a:rPr lang="en-US" dirty="0" smtClean="0"/>
+              <a:t>Your script should include two functions:</a:t>
+            </a:r>
+          </a:p>
+          <a:p>
+            <a:pPr marL="1657350" lvl="2" indent="-514350"/>
+            <a:r>
+              <a:rPr lang="en-US" dirty="0" smtClean="0"/>
+              <a:t>A function for reading in a sequence file</a:t>
+            </a:r>
+          </a:p>
+          <a:p>
+            <a:pPr marL="1657350" lvl="2" indent="-514350"/>
+            <a:r>
+              <a:rPr lang="en-US" dirty="0" smtClean="0"/>
+              <a:t>A function for computing pair-wise distances</a:t>
             </a:r>
           </a:p>
         </p:txBody>
@@ -9344,7 +9215,7 @@
     </p:spTree>
     <p:extLst>
       <p:ext uri="{BB962C8B-B14F-4D97-AF65-F5344CB8AC3E}">
-        <p14:creationId xmlns:p14="http://schemas.microsoft.com/office/powerpoint/2010/main" val="115094946"/>
+        <p14:creationId xmlns:p14="http://schemas.microsoft.com/office/powerpoint/2010/main" val="3387817876"/>
       </p:ext>
     </p:extLst>
   </p:cSld>
@@ -9422,338 +9293,6 @@
               <a:t>between two sequences </a:t>
             </a:r>
           </a:p>
-        </p:txBody>
-      </p:sp>
-      <p:sp>
-        <p:nvSpPr>
-          <p:cNvPr id="4" name="TextBox 3"/>
-          <p:cNvSpPr txBox="1"/>
-          <p:nvPr/>
-        </p:nvSpPr>
-        <p:spPr>
-          <a:xfrm>
-            <a:off x="3448439" y="2892195"/>
-            <a:ext cx="1653765" cy="892552"/>
-          </a:xfrm>
-          <a:prstGeom prst="rect">
-            <a:avLst/>
-          </a:prstGeom>
-          <a:noFill/>
-        </p:spPr>
-        <p:txBody>
-          <a:bodyPr wrap="square" rtlCol="0">
-            <a:spAutoFit/>
-          </a:bodyPr>
-          <a:lstStyle/>
-          <a:p>
-            <a:r>
-              <a:rPr lang="en-US" sz="2600" dirty="0" smtClean="0">
-                <a:latin typeface="Monaco"/>
-                <a:cs typeface="Monaco"/>
-              </a:rPr>
-              <a:t>A</a:t>
-            </a:r>
-            <a:r>
-              <a:rPr lang="en-US" sz="2600" dirty="0" smtClean="0">
-                <a:solidFill>
-                  <a:schemeClr val="tx2"/>
-                </a:solidFill>
-                <a:latin typeface="Monaco"/>
-                <a:cs typeface="Monaco"/>
-              </a:rPr>
-              <a:t>C</a:t>
-            </a:r>
-            <a:r>
-              <a:rPr lang="en-US" sz="2600" dirty="0" smtClean="0">
-                <a:latin typeface="Monaco"/>
-                <a:cs typeface="Monaco"/>
-              </a:rPr>
-              <a:t>GTAA</a:t>
-            </a:r>
-            <a:r>
-              <a:rPr lang="en-US" sz="2600" dirty="0" smtClean="0">
-                <a:solidFill>
-                  <a:srgbClr val="D1282E"/>
-                </a:solidFill>
-                <a:latin typeface="Monaco"/>
-                <a:cs typeface="Monaco"/>
-              </a:rPr>
-              <a:t>A</a:t>
-            </a:r>
-          </a:p>
-          <a:p>
-            <a:r>
-              <a:rPr lang="en-US" sz="2600" dirty="0" smtClean="0">
-                <a:latin typeface="Monaco"/>
-                <a:cs typeface="Monaco"/>
-              </a:rPr>
-              <a:t>A</a:t>
-            </a:r>
-            <a:r>
-              <a:rPr lang="en-US" sz="2600" dirty="0" smtClean="0">
-                <a:solidFill>
-                  <a:srgbClr val="D1282E"/>
-                </a:solidFill>
-                <a:latin typeface="Monaco"/>
-                <a:cs typeface="Monaco"/>
-              </a:rPr>
-              <a:t>G</a:t>
-            </a:r>
-            <a:r>
-              <a:rPr lang="en-US" sz="2600" dirty="0" smtClean="0">
-                <a:latin typeface="Monaco"/>
-                <a:cs typeface="Monaco"/>
-              </a:rPr>
-              <a:t>GTAA</a:t>
-            </a:r>
-            <a:r>
-              <a:rPr lang="en-US" sz="2600" dirty="0" smtClean="0">
-                <a:solidFill>
-                  <a:srgbClr val="D1282E"/>
-                </a:solidFill>
-                <a:latin typeface="Monaco"/>
-                <a:cs typeface="Monaco"/>
-              </a:rPr>
-              <a:t>T</a:t>
-            </a:r>
-          </a:p>
-        </p:txBody>
-      </p:sp>
-      <p:sp>
-        <p:nvSpPr>
-          <p:cNvPr id="5" name="TextBox 4"/>
-          <p:cNvSpPr txBox="1"/>
-          <p:nvPr/>
-        </p:nvSpPr>
-        <p:spPr>
-          <a:xfrm>
-            <a:off x="5279738" y="3015306"/>
-            <a:ext cx="3421834" cy="769441"/>
-          </a:xfrm>
-          <a:prstGeom prst="rect">
-            <a:avLst/>
-          </a:prstGeom>
-          <a:noFill/>
-        </p:spPr>
-        <p:txBody>
-          <a:bodyPr wrap="square" rtlCol="0">
-            <a:spAutoFit/>
-          </a:bodyPr>
-          <a:lstStyle/>
-          <a:p>
-            <a:r>
-              <a:rPr lang="en-US" sz="2200" dirty="0" smtClean="0">
-                <a:solidFill>
-                  <a:srgbClr val="DC5924"/>
-                </a:solidFill>
-              </a:rPr>
-              <a:t>Distance = #diff / length  =</a:t>
-            </a:r>
-          </a:p>
-          <a:p>
-            <a:r>
-              <a:rPr lang="en-US" sz="2200" dirty="0" smtClean="0">
-                <a:solidFill>
-                  <a:srgbClr val="DC5924"/>
-                </a:solidFill>
-              </a:rPr>
-              <a:t> 2 / 7 = 0.286 </a:t>
-            </a:r>
-            <a:endParaRPr lang="en-US" sz="2200" dirty="0">
-              <a:solidFill>
-                <a:srgbClr val="DC5924"/>
-              </a:solidFill>
-              <a:latin typeface="Monaco"/>
-              <a:cs typeface="Monaco"/>
-            </a:endParaRPr>
-          </a:p>
-        </p:txBody>
-      </p:sp>
-    </p:spTree>
-    <p:extLst>
-      <p:ext uri="{BB962C8B-B14F-4D97-AF65-F5344CB8AC3E}">
-        <p14:creationId xmlns:p14="http://schemas.microsoft.com/office/powerpoint/2010/main" val="274318404"/>
-      </p:ext>
-    </p:extLst>
-  </p:cSld>
-  <p:clrMapOvr>
-    <a:masterClrMapping/>
-  </p:clrMapOvr>
-</p:sld>
-</file>
-
-<file path=ppt/slides/slide34.xml><?xml version="1.0" encoding="utf-8"?>
-<p:sld xmlns:a="http://schemas.openxmlformats.org/drawingml/2006/main" xmlns:r="http://schemas.openxmlformats.org/officeDocument/2006/relationships" xmlns:p="http://schemas.openxmlformats.org/presentationml/2006/main">
-  <p:cSld>
-    <p:spTree>
-      <p:nvGrpSpPr>
-        <p:cNvPr id="1" name=""/>
-        <p:cNvGrpSpPr/>
-        <p:nvPr/>
-      </p:nvGrpSpPr>
-      <p:grpSpPr>
-        <a:xfrm>
-          <a:off x="0" y="0"/>
-          <a:ext cx="0" cy="0"/>
-          <a:chOff x="0" y="0"/>
-          <a:chExt cx="0" cy="0"/>
-        </a:xfrm>
-      </p:grpSpPr>
-      <p:sp>
-        <p:nvSpPr>
-          <p:cNvPr id="2" name="Title 1"/>
-          <p:cNvSpPr>
-            <a:spLocks noGrp="1"/>
-          </p:cNvSpPr>
-          <p:nvPr>
-            <p:ph type="title"/>
-          </p:nvPr>
-        </p:nvSpPr>
-        <p:spPr/>
-        <p:txBody>
-          <a:bodyPr/>
-          <a:lstStyle/>
-          <a:p>
-            <a:r>
-              <a:rPr lang="en-US" dirty="0" smtClean="0"/>
-              <a:t>Script #2</a:t>
-            </a:r>
-            <a:endParaRPr lang="en-US" dirty="0"/>
-          </a:p>
-        </p:txBody>
-      </p:sp>
-      <p:sp>
-        <p:nvSpPr>
-          <p:cNvPr id="3" name="Content Placeholder 2"/>
-          <p:cNvSpPr>
-            <a:spLocks noGrp="1"/>
-          </p:cNvSpPr>
-          <p:nvPr>
-            <p:ph idx="1"/>
-          </p:nvPr>
-        </p:nvSpPr>
-        <p:spPr/>
-        <p:txBody>
-          <a:bodyPr/>
-          <a:lstStyle/>
-          <a:p>
-            <a:r>
-              <a:rPr lang="en-US" dirty="0" smtClean="0"/>
-              <a:t>Determine the </a:t>
-            </a:r>
-            <a:r>
-              <a:rPr lang="en-US" i="1" dirty="0" smtClean="0"/>
-              <a:t>pairwise distance </a:t>
-            </a:r>
-            <a:r>
-              <a:rPr lang="en-US" dirty="0" smtClean="0"/>
-              <a:t>between two sequences </a:t>
-            </a:r>
-          </a:p>
-          <a:p>
-            <a:pPr marL="971550" lvl="1" indent="-514350"/>
-            <a:r>
-              <a:rPr lang="en-US" dirty="0" smtClean="0"/>
-              <a:t>Your script should include two functions:</a:t>
-            </a:r>
-          </a:p>
-          <a:p>
-            <a:pPr marL="1657350" lvl="2" indent="-514350"/>
-            <a:r>
-              <a:rPr lang="en-US" dirty="0" smtClean="0"/>
-              <a:t>A function for reading in a sequence file</a:t>
-            </a:r>
-          </a:p>
-          <a:p>
-            <a:pPr marL="1657350" lvl="2" indent="-514350"/>
-            <a:r>
-              <a:rPr lang="en-US" dirty="0" smtClean="0"/>
-              <a:t>A function for computing pair-wise distances</a:t>
-            </a:r>
-          </a:p>
-        </p:txBody>
-      </p:sp>
-    </p:spTree>
-    <p:extLst>
-      <p:ext uri="{BB962C8B-B14F-4D97-AF65-F5344CB8AC3E}">
-        <p14:creationId xmlns:p14="http://schemas.microsoft.com/office/powerpoint/2010/main" val="3387817876"/>
-      </p:ext>
-    </p:extLst>
-  </p:cSld>
-  <p:clrMapOvr>
-    <a:masterClrMapping/>
-  </p:clrMapOvr>
-</p:sld>
-</file>
-
-<file path=ppt/slides/slide35.xml><?xml version="1.0" encoding="utf-8"?>
-<p:sld xmlns:a="http://schemas.openxmlformats.org/drawingml/2006/main" xmlns:r="http://schemas.openxmlformats.org/officeDocument/2006/relationships" xmlns:p="http://schemas.openxmlformats.org/presentationml/2006/main">
-  <p:cSld>
-    <p:spTree>
-      <p:nvGrpSpPr>
-        <p:cNvPr id="1" name=""/>
-        <p:cNvGrpSpPr/>
-        <p:nvPr/>
-      </p:nvGrpSpPr>
-      <p:grpSpPr>
-        <a:xfrm>
-          <a:off x="0" y="0"/>
-          <a:ext cx="0" cy="0"/>
-          <a:chOff x="0" y="0"/>
-          <a:chExt cx="0" cy="0"/>
-        </a:xfrm>
-      </p:grpSpPr>
-      <p:sp>
-        <p:nvSpPr>
-          <p:cNvPr id="2" name="Title 1"/>
-          <p:cNvSpPr>
-            <a:spLocks noGrp="1"/>
-          </p:cNvSpPr>
-          <p:nvPr>
-            <p:ph type="title"/>
-          </p:nvPr>
-        </p:nvSpPr>
-        <p:spPr/>
-        <p:txBody>
-          <a:bodyPr/>
-          <a:lstStyle/>
-          <a:p>
-            <a:r>
-              <a:rPr lang="en-US" dirty="0" smtClean="0"/>
-              <a:t>Script #2</a:t>
-            </a:r>
-            <a:endParaRPr lang="en-US" dirty="0"/>
-          </a:p>
-        </p:txBody>
-      </p:sp>
-      <p:sp>
-        <p:nvSpPr>
-          <p:cNvPr id="3" name="Content Placeholder 2"/>
-          <p:cNvSpPr>
-            <a:spLocks noGrp="1"/>
-          </p:cNvSpPr>
-          <p:nvPr>
-            <p:ph idx="1"/>
-          </p:nvPr>
-        </p:nvSpPr>
-        <p:spPr/>
-        <p:txBody>
-          <a:bodyPr/>
-          <a:lstStyle/>
-          <a:p>
-            <a:r>
-              <a:rPr lang="en-US" dirty="0"/>
-              <a:t>Determine the </a:t>
-            </a:r>
-            <a:r>
-              <a:rPr lang="en-US" i="1" dirty="0"/>
-              <a:t>pairwise distance </a:t>
-            </a:r>
-            <a:r>
-              <a:rPr lang="en-US" dirty="0"/>
-              <a:t>between two sequences </a:t>
-            </a:r>
-          </a:p>
           <a:p>
             <a:pPr marL="971550" lvl="1" indent="-514350"/>
             <a:r>
@@ -9819,7 +9358,7 @@
 </p:sld>
 </file>
 
-<file path=ppt/slides/slide36.xml><?xml version="1.0" encoding="utf-8"?>
+<file path=ppt/slides/slide34.xml><?xml version="1.0" encoding="utf-8"?>
 <p:sld xmlns:a="http://schemas.openxmlformats.org/drawingml/2006/main" xmlns:r="http://schemas.openxmlformats.org/officeDocument/2006/relationships" xmlns:p="http://schemas.openxmlformats.org/presentationml/2006/main">
   <p:cSld>
     <p:spTree>
@@ -9993,13 +9532,13 @@
           <a:lstStyle/>
           <a:p>
             <a:r>
+              <a:rPr lang="en-US" dirty="0" smtClean="0"/>
+              <a:t>the language of </a:t>
+            </a:r>
+            <a:r>
               <a:rPr lang="en-US" dirty="0" err="1" smtClean="0"/>
               <a:t>biopython</a:t>
             </a:r>
-            <a:r>
-              <a:rPr lang="en-US" dirty="0" smtClean="0"/>
-              <a:t> is a standard bioinformatics tool</a:t>
-            </a:r>
             <a:endParaRPr lang="en-US" dirty="0"/>
           </a:p>
         </p:txBody>
@@ -10014,9 +9553,16 @@
             <p:ph idx="1"/>
           </p:nvPr>
         </p:nvSpPr>
-        <p:spPr/>
-        <p:txBody>
-          <a:bodyPr/>
+        <p:spPr>
+          <a:xfrm>
+            <a:off x="457200" y="1752600"/>
+            <a:ext cx="8291408" cy="5105400"/>
+          </a:xfrm>
+        </p:spPr>
+        <p:txBody>
+          <a:bodyPr>
+            <a:normAutofit/>
+          </a:bodyPr>
           <a:lstStyle/>
           <a:p>
             <a:pPr marL="457200" indent="-457200">
@@ -10024,112 +9570,50 @@
               <a:buChar char="•"/>
             </a:pPr>
             <a:r>
-              <a:rPr lang="en-US" dirty="0"/>
-              <a:t>Convenient </a:t>
-            </a:r>
-            <a:r>
               <a:rPr lang="en-US" dirty="0" smtClean="0"/>
-              <a:t>for </a:t>
-            </a:r>
-            <a:r>
-              <a:rPr lang="en-US" dirty="0"/>
-              <a:t>parsing and manipulating sequence data</a:t>
-            </a:r>
-          </a:p>
-          <a:p>
-            <a:pPr marL="457200" indent="-457200">
+              <a:t>Sequences are stored as </a:t>
+            </a:r>
+            <a:r>
+              <a:rPr lang="en-US" dirty="0" err="1" smtClean="0">
+                <a:latin typeface="Monaco"/>
+                <a:cs typeface="Monaco"/>
+              </a:rPr>
+              <a:t>Seq</a:t>
+            </a:r>
+            <a:r>
+              <a:rPr lang="en-US" dirty="0" smtClean="0"/>
+              <a:t> objects</a:t>
+            </a:r>
+          </a:p>
+          <a:p>
+            <a:pPr marL="914400" lvl="1" indent="-457200">
               <a:buFont typeface="Arial"/>
               <a:buChar char="•"/>
             </a:pPr>
-            <a:endParaRPr lang="en-US" dirty="0"/>
-          </a:p>
-          <a:p>
-            <a:pPr marL="457200" indent="-457200">
+            <a:r>
+              <a:rPr lang="en-US" dirty="0" smtClean="0"/>
+              <a:t>Simply the sequence string and the alphabet</a:t>
+            </a:r>
+          </a:p>
+          <a:p>
+            <a:pPr marL="914400" lvl="1" indent="-457200">
               <a:buFont typeface="Arial"/>
               <a:buChar char="•"/>
             </a:pPr>
-            <a:r>
-              <a:rPr lang="en-US" dirty="0" smtClean="0"/>
-              <a:t>Epic tutorial linked on the course website: </a:t>
-            </a:r>
-            <a:r>
-              <a:rPr lang="en-US" sz="1800" dirty="0" smtClean="0">
-                <a:latin typeface="Monaco"/>
-                <a:cs typeface="Monaco"/>
-                <a:hlinkClick r:id="rId2"/>
-              </a:rPr>
-              <a:t>http</a:t>
-            </a:r>
-            <a:r>
-              <a:rPr lang="en-US" sz="1800" dirty="0">
-                <a:latin typeface="Monaco"/>
-                <a:cs typeface="Monaco"/>
-                <a:hlinkClick r:id="rId2"/>
-              </a:rPr>
-              <a:t>://biopython.org/DIST/docs/tutorial/</a:t>
-            </a:r>
-            <a:r>
-              <a:rPr lang="en-US" sz="1800" dirty="0" smtClean="0">
-                <a:latin typeface="Monaco"/>
-                <a:cs typeface="Monaco"/>
-                <a:hlinkClick r:id="rId2"/>
-              </a:rPr>
-              <a:t>Tutorial.html</a:t>
-            </a:r>
-            <a:endParaRPr lang="en-US" sz="1800" dirty="0" smtClean="0">
-              <a:latin typeface="Monaco"/>
-              <a:cs typeface="Monaco"/>
-            </a:endParaRPr>
-          </a:p>
-          <a:p>
-            <a:pPr marL="457200" indent="-457200">
-              <a:buFont typeface="Arial"/>
-              <a:buChar char="•"/>
-            </a:pPr>
-            <a:endParaRPr lang="en-US" sz="1800" dirty="0" smtClean="0">
-              <a:latin typeface="Monaco"/>
-              <a:cs typeface="Monaco"/>
-            </a:endParaRPr>
-          </a:p>
-          <a:p>
-            <a:pPr marL="457200" indent="-457200">
-              <a:buFont typeface="Arial"/>
-              <a:buChar char="•"/>
-            </a:pPr>
-            <a:r>
-              <a:rPr lang="en-US" sz="2400" dirty="0" smtClean="0"/>
-              <a:t>And this wiki:  </a:t>
-            </a:r>
-            <a:r>
-              <a:rPr lang="en-US" sz="1800" dirty="0" smtClean="0">
-                <a:latin typeface="Monaco"/>
-                <a:cs typeface="Monaco"/>
-                <a:hlinkClick r:id="rId3"/>
-              </a:rPr>
-              <a:t>http</a:t>
-            </a:r>
-            <a:r>
-              <a:rPr lang="en-US" sz="1800" dirty="0">
-                <a:latin typeface="Monaco"/>
-                <a:cs typeface="Monaco"/>
-                <a:hlinkClick r:id="rId3"/>
-              </a:rPr>
-              <a:t>://biopython.org/wiki/Biopython</a:t>
-            </a:r>
-            <a:endParaRPr lang="en-US" sz="1800" dirty="0"/>
+            <a:endParaRPr lang="en-US" dirty="0" smtClean="0"/>
           </a:p>
           <a:p>
             <a:pPr lvl="1" indent="0">
               <a:buNone/>
             </a:pPr>
-            <a:endParaRPr lang="en-US" dirty="0"/>
+            <a:endParaRPr lang="en-US" dirty="0" smtClean="0"/>
           </a:p>
         </p:txBody>
       </p:sp>
     </p:spTree>
     <p:extLst>
       <p:ext uri="{BB962C8B-B14F-4D97-AF65-F5344CB8AC3E}">
-        <p14:creationId xmlns:p14="http://schemas.microsoft.com/office/powerpoint/2010/main" val="3140848450"/>
+        <p14:creationId xmlns:p14="http://schemas.microsoft.com/office/powerpoint/2010/main" val="3364449426"/>
       </p:ext>
     </p:extLst>
   </p:cSld>
@@ -10236,24 +9720,210 @@
             </a:r>
           </a:p>
           <a:p>
-            <a:pPr marL="914400" lvl="1" indent="-457200">
-              <a:buFont typeface="Arial"/>
-              <a:buChar char="•"/>
-            </a:pPr>
-            <a:endParaRPr lang="en-US" dirty="0" smtClean="0"/>
-          </a:p>
-          <a:p>
             <a:pPr lvl="1" indent="0">
               <a:buNone/>
             </a:pPr>
             <a:endParaRPr lang="en-US" dirty="0" smtClean="0"/>
           </a:p>
+          <a:p>
+            <a:pPr lvl="1" indent="0">
+              <a:buNone/>
+            </a:pPr>
+            <a:endParaRPr lang="en-US" dirty="0" smtClean="0"/>
+          </a:p>
+        </p:txBody>
+      </p:sp>
+      <p:sp>
+        <p:nvSpPr>
+          <p:cNvPr id="4" name="TextBox 3"/>
+          <p:cNvSpPr txBox="1"/>
+          <p:nvPr/>
+        </p:nvSpPr>
+        <p:spPr>
+          <a:xfrm>
+            <a:off x="286449" y="3103306"/>
+            <a:ext cx="8662059" cy="1938992"/>
+          </a:xfrm>
+          <a:prstGeom prst="rect">
+            <a:avLst/>
+          </a:prstGeom>
+          <a:noFill/>
+        </p:spPr>
+        <p:txBody>
+          <a:bodyPr wrap="square" rtlCol="0">
+            <a:spAutoFit/>
+          </a:bodyPr>
+          <a:lstStyle/>
+          <a:p>
+            <a:r>
+              <a:rPr lang="en-US" sz="2000" dirty="0" smtClean="0">
+                <a:latin typeface="Monaco"/>
+                <a:cs typeface="Monaco"/>
+              </a:rPr>
+              <a:t>from </a:t>
+            </a:r>
+            <a:r>
+              <a:rPr lang="en-US" sz="2000" dirty="0" err="1" smtClean="0">
+                <a:latin typeface="Monaco"/>
+                <a:cs typeface="Monaco"/>
+              </a:rPr>
+              <a:t>Bio.Seq</a:t>
+            </a:r>
+            <a:r>
+              <a:rPr lang="en-US" sz="2000" dirty="0" smtClean="0">
+                <a:latin typeface="Monaco"/>
+                <a:cs typeface="Monaco"/>
+              </a:rPr>
+              <a:t> import </a:t>
+            </a:r>
+            <a:r>
+              <a:rPr lang="en-US" sz="2000" dirty="0" err="1" smtClean="0">
+                <a:latin typeface="Monaco"/>
+                <a:cs typeface="Monaco"/>
+              </a:rPr>
+              <a:t>Seq</a:t>
+            </a:r>
+            <a:endParaRPr lang="en-US" sz="2000" dirty="0" smtClean="0">
+              <a:latin typeface="Monaco"/>
+              <a:cs typeface="Monaco"/>
+            </a:endParaRPr>
+          </a:p>
+          <a:p>
+            <a:r>
+              <a:rPr lang="en-US" sz="2000" dirty="0" smtClean="0">
+                <a:latin typeface="Monaco"/>
+                <a:cs typeface="Monaco"/>
+              </a:rPr>
+              <a:t>from </a:t>
+            </a:r>
+            <a:r>
+              <a:rPr lang="en-US" sz="2000" dirty="0" err="1" smtClean="0">
+                <a:latin typeface="Monaco"/>
+                <a:cs typeface="Monaco"/>
+              </a:rPr>
+              <a:t>Bio.Alphabet</a:t>
+            </a:r>
+            <a:r>
+              <a:rPr lang="en-US" sz="2000" dirty="0" smtClean="0">
+                <a:latin typeface="Monaco"/>
+                <a:cs typeface="Monaco"/>
+              </a:rPr>
+              <a:t> import * # not always needed</a:t>
+            </a:r>
+          </a:p>
+          <a:p>
+            <a:endParaRPr lang="en-US" sz="2000" dirty="0">
+              <a:latin typeface="Monaco"/>
+              <a:cs typeface="Monaco"/>
+            </a:endParaRPr>
+          </a:p>
+          <a:p>
+            <a:r>
+              <a:rPr lang="en-US" sz="2000" dirty="0" smtClean="0">
+                <a:latin typeface="Monaco"/>
+                <a:cs typeface="Monaco"/>
+              </a:rPr>
+              <a:t># Define a </a:t>
+            </a:r>
+            <a:r>
+              <a:rPr lang="en-US" sz="2000" dirty="0" err="1" smtClean="0">
+                <a:latin typeface="Monaco"/>
+                <a:cs typeface="Monaco"/>
+              </a:rPr>
+              <a:t>Seq</a:t>
+            </a:r>
+            <a:r>
+              <a:rPr lang="en-US" sz="2000" dirty="0" smtClean="0">
+                <a:latin typeface="Monaco"/>
+                <a:cs typeface="Monaco"/>
+              </a:rPr>
+              <a:t> object</a:t>
+            </a:r>
+          </a:p>
+          <a:p>
+            <a:r>
+              <a:rPr lang="en-US" sz="2000" dirty="0" err="1" smtClean="0">
+                <a:latin typeface="Monaco"/>
+                <a:cs typeface="Monaco"/>
+              </a:rPr>
+              <a:t>my_seq</a:t>
+            </a:r>
+            <a:r>
+              <a:rPr lang="en-US" sz="2000" dirty="0" smtClean="0">
+                <a:latin typeface="Monaco"/>
+                <a:cs typeface="Monaco"/>
+              </a:rPr>
+              <a:t> = </a:t>
+            </a:r>
+            <a:r>
+              <a:rPr lang="en-US" sz="2000" dirty="0" err="1" smtClean="0">
+                <a:latin typeface="Monaco"/>
+                <a:cs typeface="Monaco"/>
+              </a:rPr>
+              <a:t>Seq</a:t>
+            </a:r>
+            <a:r>
+              <a:rPr lang="en-US" sz="2000" dirty="0" smtClean="0">
+                <a:latin typeface="Monaco"/>
+                <a:cs typeface="Monaco"/>
+              </a:rPr>
+              <a:t>("ACTAGACAA")</a:t>
+            </a:r>
+          </a:p>
+          <a:p>
+            <a:r>
+              <a:rPr lang="en-US" sz="2000" dirty="0" err="1" smtClean="0">
+                <a:latin typeface="Monaco"/>
+                <a:cs typeface="Monaco"/>
+              </a:rPr>
+              <a:t>my_seq</a:t>
+            </a:r>
+            <a:r>
+              <a:rPr lang="en-US" sz="2000" dirty="0" smtClean="0">
+                <a:latin typeface="Monaco"/>
+                <a:cs typeface="Monaco"/>
+              </a:rPr>
+              <a:t> = </a:t>
+            </a:r>
+            <a:r>
+              <a:rPr lang="en-US" sz="2000" dirty="0" err="1" smtClean="0">
+                <a:latin typeface="Monaco"/>
+                <a:cs typeface="Monaco"/>
+              </a:rPr>
+              <a:t>Seq</a:t>
+            </a:r>
+            <a:r>
+              <a:rPr lang="en-US" sz="2000" dirty="0" smtClean="0">
+                <a:latin typeface="Monaco"/>
+                <a:cs typeface="Monaco"/>
+              </a:rPr>
+              <a:t>("ACTAGACAA", </a:t>
+            </a:r>
+            <a:r>
+              <a:rPr lang="en-US" sz="2000" err="1" smtClean="0">
+                <a:latin typeface="Monaco"/>
+                <a:cs typeface="Monaco"/>
+              </a:rPr>
+              <a:t>IUPACAmbiguousDNA</a:t>
+            </a:r>
+            <a:r>
+              <a:rPr lang="en-US" sz="2000" smtClean="0">
+                <a:latin typeface="Monaco"/>
+                <a:cs typeface="Monaco"/>
+              </a:rPr>
+              <a:t>)</a:t>
+            </a:r>
+            <a:endParaRPr lang="en-US" sz="2000" dirty="0">
+              <a:latin typeface="Monaco"/>
+              <a:cs typeface="Monaco"/>
+            </a:endParaRPr>
+          </a:p>
         </p:txBody>
       </p:sp>
     </p:spTree>
     <p:extLst>
       <p:ext uri="{BB962C8B-B14F-4D97-AF65-F5344CB8AC3E}">
-        <p14:creationId xmlns:p14="http://schemas.microsoft.com/office/powerpoint/2010/main" val="3364449426"/>
+        <p14:creationId xmlns:p14="http://schemas.microsoft.com/office/powerpoint/2010/main" val="2686322004"/>
       </p:ext>
     </p:extLst>
   </p:cSld>
@@ -10382,7 +10052,7 @@
         <p:spPr>
           <a:xfrm>
             <a:off x="286449" y="3103306"/>
-            <a:ext cx="8662059" cy="1938992"/>
+            <a:ext cx="8662059" cy="4093428"/>
           </a:xfrm>
           <a:prstGeom prst="rect">
             <a:avLst/>
@@ -10430,25 +10100,11 @@
           </a:p>
           <a:p>
             <a:r>
-              <a:rPr lang="en-US" sz="2000" dirty="0" smtClean="0">
-                <a:latin typeface="Monaco"/>
-                <a:cs typeface="Monaco"/>
-              </a:rPr>
-              <a:t>from </a:t>
-            </a:r>
-            <a:r>
-              <a:rPr lang="en-US" sz="2000" dirty="0" err="1" smtClean="0">
-                <a:latin typeface="Monaco"/>
-                <a:cs typeface="Monaco"/>
-              </a:rPr>
-              <a:t>Bio.Alphabet</a:t>
-            </a:r>
-            <a:r>
-              <a:rPr lang="en-US" sz="2000" dirty="0" smtClean="0">
-                <a:latin typeface="Monaco"/>
-                <a:cs typeface="Monaco"/>
-              </a:rPr>
-              <a:t> import * # not always needed</a:t>
+              <a:rPr lang="en-US" sz="2000" smtClean="0">
+                <a:latin typeface="Monaco"/>
+                <a:cs typeface="Monaco"/>
+              </a:rPr>
+              <a:t>from Bio.Alphabet import * # not always needed</a:t>
             </a:r>
           </a:p>
           <a:p>
@@ -10512,58 +10168,177 @@
           </a:p>
           <a:p>
             <a:r>
-              <a:rPr lang="en-US" sz="2000" dirty="0" err="1" smtClean="0">
-                <a:latin typeface="Monaco"/>
-                <a:cs typeface="Monaco"/>
-              </a:rPr>
-              <a:t>my_seq</a:t>
-            </a:r>
-            <a:r>
-              <a:rPr lang="en-US" sz="2000" dirty="0" smtClean="0">
-                <a:latin typeface="Monaco"/>
-                <a:cs typeface="Monaco"/>
-              </a:rPr>
-              <a:t> = </a:t>
-            </a:r>
-            <a:r>
-              <a:rPr lang="en-US" sz="2000" dirty="0" err="1" smtClean="0">
-                <a:latin typeface="Monaco"/>
-                <a:cs typeface="Monaco"/>
-              </a:rPr>
-              <a:t>Seq</a:t>
-            </a:r>
-            <a:r>
-              <a:rPr lang="en-US" sz="2000" dirty="0" smtClean="0">
-                <a:latin typeface="Monaco"/>
-                <a:cs typeface="Monaco"/>
-              </a:rPr>
-              <a:t>("ACTAGACAA", </a:t>
-            </a:r>
-            <a:r>
-              <a:rPr lang="en-US" sz="2000" err="1" smtClean="0">
-                <a:latin typeface="Monaco"/>
-                <a:cs typeface="Monaco"/>
-              </a:rPr>
-              <a:t>IUPACAmbiguousDNA</a:t>
-            </a:r>
-            <a:r>
               <a:rPr lang="en-US" sz="2000" smtClean="0">
                 <a:latin typeface="Monaco"/>
                 <a:cs typeface="Monaco"/>
               </a:rPr>
-              <a:t>)</a:t>
-            </a:r>
+              <a:t>my_seq = Seq("ACTAGACAA", IUPACAmbiguousDNA)</a:t>
+            </a:r>
+          </a:p>
+          <a:p>
             <a:endParaRPr lang="en-US" sz="2000" dirty="0">
               <a:latin typeface="Monaco"/>
               <a:cs typeface="Monaco"/>
             </a:endParaRPr>
           </a:p>
+          <a:p>
+            <a:r>
+              <a:rPr lang="en-US" sz="2000" dirty="0" smtClean="0">
+                <a:latin typeface="Monaco"/>
+                <a:cs typeface="Monaco"/>
+              </a:rPr>
+              <a:t># Manipulate with various methods. Use </a:t>
+            </a:r>
+            <a:r>
+              <a:rPr lang="en-US" sz="2000" dirty="0" err="1" smtClean="0">
+                <a:latin typeface="Monaco"/>
+                <a:cs typeface="Monaco"/>
+              </a:rPr>
+              <a:t>dir</a:t>
+            </a:r>
+            <a:r>
+              <a:rPr lang="en-US" sz="2000" dirty="0" smtClean="0">
+                <a:latin typeface="Monaco"/>
+                <a:cs typeface="Monaco"/>
+              </a:rPr>
+              <a:t>() for more!</a:t>
+            </a:r>
+          </a:p>
+          <a:p>
+            <a:r>
+              <a:rPr lang="en-US" sz="2000" dirty="0" err="1" smtClean="0">
+                <a:latin typeface="Monaco"/>
+                <a:cs typeface="Monaco"/>
+              </a:rPr>
+              <a:t>my_seq</a:t>
+            </a:r>
+            <a:r>
+              <a:rPr lang="en-US" sz="2000" dirty="0" err="1" smtClean="0">
+                <a:solidFill>
+                  <a:srgbClr val="DC5924"/>
+                </a:solidFill>
+                <a:latin typeface="Monaco"/>
+                <a:cs typeface="Monaco"/>
+              </a:rPr>
+              <a:t>.translate</a:t>
+            </a:r>
+            <a:r>
+              <a:rPr lang="en-US" sz="2000" dirty="0" smtClean="0">
+                <a:solidFill>
+                  <a:srgbClr val="DC5924"/>
+                </a:solidFill>
+                <a:latin typeface="Monaco"/>
+                <a:cs typeface="Monaco"/>
+              </a:rPr>
+              <a:t>()</a:t>
+            </a:r>
+          </a:p>
+          <a:p>
+            <a:r>
+              <a:rPr lang="en-US" sz="2000" dirty="0" err="1" smtClean="0">
+                <a:latin typeface="Monaco"/>
+                <a:cs typeface="Monaco"/>
+              </a:rPr>
+              <a:t>my_seq</a:t>
+            </a:r>
+            <a:r>
+              <a:rPr lang="en-US" sz="2000" dirty="0" err="1" smtClean="0">
+                <a:solidFill>
+                  <a:srgbClr val="DC5924"/>
+                </a:solidFill>
+                <a:latin typeface="Monaco"/>
+                <a:cs typeface="Monaco"/>
+              </a:rPr>
+              <a:t>.transcribe</a:t>
+            </a:r>
+            <a:r>
+              <a:rPr lang="en-US" sz="2000" dirty="0" smtClean="0">
+                <a:solidFill>
+                  <a:srgbClr val="DC5924"/>
+                </a:solidFill>
+                <a:latin typeface="Monaco"/>
+                <a:cs typeface="Monaco"/>
+              </a:rPr>
+              <a:t>()</a:t>
+            </a:r>
+          </a:p>
+          <a:p>
+            <a:r>
+              <a:rPr lang="en-US" sz="2000" dirty="0" err="1" smtClean="0">
+                <a:latin typeface="Monaco"/>
+                <a:cs typeface="Monaco"/>
+              </a:rPr>
+              <a:t>my_seq</a:t>
+            </a:r>
+            <a:r>
+              <a:rPr lang="en-US" sz="2000" dirty="0" err="1" smtClean="0">
+                <a:solidFill>
+                  <a:srgbClr val="DC5924"/>
+                </a:solidFill>
+                <a:latin typeface="Monaco"/>
+                <a:cs typeface="Monaco"/>
+              </a:rPr>
+              <a:t>.complement</a:t>
+            </a:r>
+            <a:r>
+              <a:rPr lang="en-US" sz="2000" dirty="0" smtClean="0">
+                <a:solidFill>
+                  <a:srgbClr val="DC5924"/>
+                </a:solidFill>
+                <a:latin typeface="Monaco"/>
+                <a:cs typeface="Monaco"/>
+              </a:rPr>
+              <a:t>()</a:t>
+            </a:r>
+          </a:p>
+          <a:p>
+            <a:r>
+              <a:rPr lang="en-US" sz="2000" dirty="0" err="1" smtClean="0">
+                <a:latin typeface="Monaco"/>
+                <a:cs typeface="Monaco"/>
+              </a:rPr>
+              <a:t>my_seq</a:t>
+            </a:r>
+            <a:r>
+              <a:rPr lang="en-US" sz="2000" dirty="0" err="1" smtClean="0">
+                <a:solidFill>
+                  <a:srgbClr val="DC5924"/>
+                </a:solidFill>
+                <a:latin typeface="Monaco"/>
+                <a:cs typeface="Monaco"/>
+              </a:rPr>
+              <a:t>.tomutable</a:t>
+            </a:r>
+            <a:r>
+              <a:rPr lang="en-US" sz="2000" dirty="0" smtClean="0">
+                <a:solidFill>
+                  <a:srgbClr val="DC5924"/>
+                </a:solidFill>
+                <a:latin typeface="Monaco"/>
+                <a:cs typeface="Monaco"/>
+              </a:rPr>
+              <a:t>()</a:t>
+            </a:r>
+            <a:endParaRPr lang="en-US" sz="2000" dirty="0">
+              <a:solidFill>
+                <a:srgbClr val="DC5924"/>
+              </a:solidFill>
+              <a:latin typeface="Monaco"/>
+              <a:cs typeface="Monaco"/>
+            </a:endParaRPr>
+          </a:p>
+          <a:p>
+            <a:endParaRPr lang="en-US" sz="2000" dirty="0" smtClean="0">
+              <a:latin typeface="Monaco"/>
+              <a:cs typeface="Monaco"/>
+            </a:endParaRPr>
+          </a:p>
         </p:txBody>
       </p:sp>
     </p:spTree>
     <p:extLst>
       <p:ext uri="{BB962C8B-B14F-4D97-AF65-F5344CB8AC3E}">
-        <p14:creationId xmlns:p14="http://schemas.microsoft.com/office/powerpoint/2010/main" val="2686322004"/>
+        <p14:creationId xmlns:p14="http://schemas.microsoft.com/office/powerpoint/2010/main" val="2916417134"/>
       </p:ext>
     </p:extLst>
   </p:cSld>
@@ -10645,340 +10420,35 @@
             </a:pPr>
             <a:r>
               <a:rPr lang="en-US" dirty="0" smtClean="0"/>
-              <a:t>Sequences are stored as </a:t>
-            </a:r>
-            <a:r>
-              <a:rPr lang="en-US" dirty="0" err="1" smtClean="0">
-                <a:latin typeface="Monaco"/>
-                <a:cs typeface="Monaco"/>
-              </a:rPr>
-              <a:t>Seq</a:t>
+              <a:t>Sequence </a:t>
+            </a:r>
+            <a:r>
+              <a:rPr lang="en-US" i="1" dirty="0" smtClean="0"/>
+              <a:t>records</a:t>
             </a:r>
             <a:r>
               <a:rPr lang="en-US" dirty="0" smtClean="0"/>
+              <a:t> are stored as </a:t>
+            </a:r>
+            <a:r>
+              <a:rPr lang="en-US" err="1" smtClean="0">
+                <a:latin typeface="Monaco"/>
+                <a:cs typeface="Monaco"/>
+              </a:rPr>
+              <a:t>SeqRecord</a:t>
+            </a:r>
+            <a:r>
+              <a:rPr lang="en-US" smtClean="0"/>
               <a:t> objects</a:t>
             </a:r>
-          </a:p>
-          <a:p>
-            <a:pPr marL="914400" lvl="1" indent="-457200">
-              <a:buFont typeface="Arial"/>
-              <a:buChar char="•"/>
-            </a:pPr>
-            <a:r>
-              <a:rPr lang="en-US" dirty="0" smtClean="0"/>
-              <a:t>Simply the sequence string and the alphabet</a:t>
-            </a:r>
-          </a:p>
-          <a:p>
-            <a:pPr lvl="1" indent="0">
-              <a:buNone/>
-            </a:pPr>
-            <a:endParaRPr lang="en-US" dirty="0" smtClean="0"/>
-          </a:p>
-          <a:p>
-            <a:pPr lvl="1" indent="0">
-              <a:buNone/>
-            </a:pPr>
-            <a:endParaRPr lang="en-US" dirty="0" smtClean="0"/>
-          </a:p>
-        </p:txBody>
-      </p:sp>
-      <p:sp>
-        <p:nvSpPr>
-          <p:cNvPr id="4" name="TextBox 3"/>
-          <p:cNvSpPr txBox="1"/>
-          <p:nvPr/>
-        </p:nvSpPr>
-        <p:spPr>
-          <a:xfrm>
-            <a:off x="286449" y="3103306"/>
-            <a:ext cx="8662059" cy="4093428"/>
-          </a:xfrm>
-          <a:prstGeom prst="rect">
-            <a:avLst/>
-          </a:prstGeom>
-          <a:noFill/>
-        </p:spPr>
-        <p:txBody>
-          <a:bodyPr wrap="square" rtlCol="0">
-            <a:spAutoFit/>
-          </a:bodyPr>
-          <a:lstStyle/>
-          <a:p>
-            <a:r>
-              <a:rPr lang="en-US" sz="2000" dirty="0" smtClean="0">
-                <a:latin typeface="Monaco"/>
-                <a:cs typeface="Monaco"/>
-              </a:rPr>
-              <a:t>from </a:t>
-            </a:r>
-            <a:r>
-              <a:rPr lang="en-US" sz="2000" dirty="0" err="1" smtClean="0">
-                <a:latin typeface="Monaco"/>
-                <a:cs typeface="Monaco"/>
-              </a:rPr>
-              <a:t>Bio.Seq</a:t>
-            </a:r>
-            <a:r>
-              <a:rPr lang="en-US" sz="2000" dirty="0" smtClean="0">
-                <a:latin typeface="Monaco"/>
-                <a:cs typeface="Monaco"/>
-              </a:rPr>
-              <a:t> import </a:t>
-            </a:r>
-            <a:r>
-              <a:rPr lang="en-US" sz="2000" dirty="0" err="1" smtClean="0">
-                <a:latin typeface="Monaco"/>
-                <a:cs typeface="Monaco"/>
-              </a:rPr>
-              <a:t>Seq</a:t>
-            </a:r>
-            <a:endParaRPr lang="en-US" sz="2000" dirty="0" smtClean="0">
-              <a:latin typeface="Monaco"/>
-              <a:cs typeface="Monaco"/>
-            </a:endParaRPr>
-          </a:p>
-          <a:p>
-            <a:r>
-              <a:rPr lang="en-US" sz="2000" smtClean="0">
-                <a:latin typeface="Monaco"/>
-                <a:cs typeface="Monaco"/>
-              </a:rPr>
-              <a:t>from Bio.Alphabet import * # not always needed</a:t>
-            </a:r>
-          </a:p>
-          <a:p>
-            <a:endParaRPr lang="en-US" sz="2000" dirty="0">
-              <a:latin typeface="Monaco"/>
-              <a:cs typeface="Monaco"/>
-            </a:endParaRPr>
-          </a:p>
-          <a:p>
-            <a:r>
-              <a:rPr lang="en-US" sz="2000" dirty="0" smtClean="0">
-                <a:latin typeface="Monaco"/>
-                <a:cs typeface="Monaco"/>
-              </a:rPr>
-              <a:t># Define a </a:t>
-            </a:r>
-            <a:r>
-              <a:rPr lang="en-US" sz="2000" dirty="0" err="1" smtClean="0">
-                <a:latin typeface="Monaco"/>
-                <a:cs typeface="Monaco"/>
-              </a:rPr>
-              <a:t>Seq</a:t>
-            </a:r>
-            <a:r>
-              <a:rPr lang="en-US" sz="2000" dirty="0" smtClean="0">
-                <a:latin typeface="Monaco"/>
-                <a:cs typeface="Monaco"/>
-              </a:rPr>
-              <a:t> object</a:t>
-            </a:r>
-          </a:p>
-          <a:p>
-            <a:r>
-              <a:rPr lang="en-US" sz="2000" dirty="0" err="1" smtClean="0">
-                <a:latin typeface="Monaco"/>
-                <a:cs typeface="Monaco"/>
-              </a:rPr>
-              <a:t>my_seq</a:t>
-            </a:r>
-            <a:r>
-              <a:rPr lang="en-US" sz="2000" dirty="0" smtClean="0">
-                <a:latin typeface="Monaco"/>
-                <a:cs typeface="Monaco"/>
-              </a:rPr>
-              <a:t> = </a:t>
-            </a:r>
-            <a:r>
-              <a:rPr lang="en-US" sz="2000" dirty="0" err="1" smtClean="0">
-                <a:latin typeface="Monaco"/>
-                <a:cs typeface="Monaco"/>
-              </a:rPr>
-              <a:t>Seq</a:t>
-            </a:r>
-            <a:r>
-              <a:rPr lang="en-US" sz="2000" dirty="0" smtClean="0">
-                <a:latin typeface="Monaco"/>
-                <a:cs typeface="Monaco"/>
-              </a:rPr>
-              <a:t>("ACTAGACAA")</a:t>
-            </a:r>
-          </a:p>
-          <a:p>
-            <a:r>
-              <a:rPr lang="en-US" sz="2000" smtClean="0">
-                <a:latin typeface="Monaco"/>
-                <a:cs typeface="Monaco"/>
-              </a:rPr>
-              <a:t>my_seq = Seq("ACTAGACAA", IUPACAmbiguousDNA)</a:t>
-            </a:r>
-          </a:p>
-          <a:p>
-            <a:endParaRPr lang="en-US" sz="2000" dirty="0">
-              <a:latin typeface="Monaco"/>
-              <a:cs typeface="Monaco"/>
-            </a:endParaRPr>
-          </a:p>
-          <a:p>
-            <a:r>
-              <a:rPr lang="en-US" sz="2000" dirty="0" smtClean="0">
-                <a:latin typeface="Monaco"/>
-                <a:cs typeface="Monaco"/>
-              </a:rPr>
-              <a:t># Manipulate with various methods. Use </a:t>
-            </a:r>
-            <a:r>
-              <a:rPr lang="en-US" sz="2000" dirty="0" err="1" smtClean="0">
-                <a:latin typeface="Monaco"/>
-                <a:cs typeface="Monaco"/>
-              </a:rPr>
-              <a:t>dir</a:t>
-            </a:r>
-            <a:r>
-              <a:rPr lang="en-US" sz="2000" dirty="0" smtClean="0">
-                <a:latin typeface="Monaco"/>
-                <a:cs typeface="Monaco"/>
-              </a:rPr>
-              <a:t>() for more!</a:t>
-            </a:r>
-          </a:p>
-          <a:p>
-            <a:r>
-              <a:rPr lang="en-US" sz="2000" dirty="0" err="1" smtClean="0">
-                <a:latin typeface="Monaco"/>
-                <a:cs typeface="Monaco"/>
-              </a:rPr>
-              <a:t>my_seq</a:t>
-            </a:r>
-            <a:r>
-              <a:rPr lang="en-US" sz="2000" dirty="0" err="1" smtClean="0">
-                <a:solidFill>
-                  <a:srgbClr val="DC5924"/>
-                </a:solidFill>
-                <a:latin typeface="Monaco"/>
-                <a:cs typeface="Monaco"/>
-              </a:rPr>
-              <a:t>.translate</a:t>
-            </a:r>
-            <a:r>
-              <a:rPr lang="en-US" sz="2000" dirty="0" smtClean="0">
-                <a:solidFill>
-                  <a:srgbClr val="DC5924"/>
-                </a:solidFill>
-                <a:latin typeface="Monaco"/>
-                <a:cs typeface="Monaco"/>
-              </a:rPr>
-              <a:t>()</a:t>
-            </a:r>
-          </a:p>
-          <a:p>
-            <a:r>
-              <a:rPr lang="en-US" sz="2000" dirty="0" err="1" smtClean="0">
-                <a:latin typeface="Monaco"/>
-                <a:cs typeface="Monaco"/>
-              </a:rPr>
-              <a:t>my_seq</a:t>
-            </a:r>
-            <a:r>
-              <a:rPr lang="en-US" sz="2000" dirty="0" err="1" smtClean="0">
-                <a:solidFill>
-                  <a:srgbClr val="DC5924"/>
-                </a:solidFill>
-                <a:latin typeface="Monaco"/>
-                <a:cs typeface="Monaco"/>
-              </a:rPr>
-              <a:t>.transcribe</a:t>
-            </a:r>
-            <a:r>
-              <a:rPr lang="en-US" sz="2000" dirty="0" smtClean="0">
-                <a:solidFill>
-                  <a:srgbClr val="DC5924"/>
-                </a:solidFill>
-                <a:latin typeface="Monaco"/>
-                <a:cs typeface="Monaco"/>
-              </a:rPr>
-              <a:t>()</a:t>
-            </a:r>
-          </a:p>
-          <a:p>
-            <a:r>
-              <a:rPr lang="en-US" sz="2000" dirty="0" err="1" smtClean="0">
-                <a:latin typeface="Monaco"/>
-                <a:cs typeface="Monaco"/>
-              </a:rPr>
-              <a:t>my_seq</a:t>
-            </a:r>
-            <a:r>
-              <a:rPr lang="en-US" sz="2000" dirty="0" err="1" smtClean="0">
-                <a:solidFill>
-                  <a:srgbClr val="DC5924"/>
-                </a:solidFill>
-                <a:latin typeface="Monaco"/>
-                <a:cs typeface="Monaco"/>
-              </a:rPr>
-              <a:t>.complement</a:t>
-            </a:r>
-            <a:r>
-              <a:rPr lang="en-US" sz="2000" dirty="0" smtClean="0">
-                <a:solidFill>
-                  <a:srgbClr val="DC5924"/>
-                </a:solidFill>
-                <a:latin typeface="Monaco"/>
-                <a:cs typeface="Monaco"/>
-              </a:rPr>
-              <a:t>()</a:t>
-            </a:r>
-          </a:p>
-          <a:p>
-            <a:r>
-              <a:rPr lang="en-US" sz="2000" dirty="0" err="1" smtClean="0">
-                <a:latin typeface="Monaco"/>
-                <a:cs typeface="Monaco"/>
-              </a:rPr>
-              <a:t>my_seq</a:t>
-            </a:r>
-            <a:r>
-              <a:rPr lang="en-US" sz="2000" dirty="0" err="1" smtClean="0">
-                <a:solidFill>
-                  <a:srgbClr val="DC5924"/>
-                </a:solidFill>
-                <a:latin typeface="Monaco"/>
-                <a:cs typeface="Monaco"/>
-              </a:rPr>
-              <a:t>.tomutable</a:t>
-            </a:r>
-            <a:r>
-              <a:rPr lang="en-US" sz="2000" dirty="0" smtClean="0">
-                <a:solidFill>
-                  <a:srgbClr val="DC5924"/>
-                </a:solidFill>
-                <a:latin typeface="Monaco"/>
-                <a:cs typeface="Monaco"/>
-              </a:rPr>
-              <a:t>()</a:t>
-            </a:r>
-            <a:endParaRPr lang="en-US" sz="2000" dirty="0">
-              <a:solidFill>
-                <a:srgbClr val="DC5924"/>
-              </a:solidFill>
-              <a:latin typeface="Monaco"/>
-              <a:cs typeface="Monaco"/>
-            </a:endParaRPr>
-          </a:p>
-          <a:p>
-            <a:endParaRPr lang="en-US" sz="2000" dirty="0" smtClean="0">
-              <a:latin typeface="Monaco"/>
-              <a:cs typeface="Monaco"/>
-            </a:endParaRPr>
+            <a:endParaRPr lang="en-US" dirty="0"/>
           </a:p>
         </p:txBody>
       </p:sp>
     </p:spTree>
     <p:extLst>
       <p:ext uri="{BB962C8B-B14F-4D97-AF65-F5344CB8AC3E}">
-        <p14:creationId xmlns:p14="http://schemas.microsoft.com/office/powerpoint/2010/main" val="2916417134"/>
+        <p14:creationId xmlns:p14="http://schemas.microsoft.com/office/powerpoint/2010/main" val="1421936881"/>
       </p:ext>
     </p:extLst>
   </p:cSld>
@@ -11085,10 +10555,258 @@
           </a:p>
         </p:txBody>
       </p:sp>
+      <p:sp>
+        <p:nvSpPr>
+          <p:cNvPr id="4" name="TextBox 3"/>
+          <p:cNvSpPr txBox="1"/>
+          <p:nvPr/>
+        </p:nvSpPr>
+        <p:spPr>
+          <a:xfrm>
+            <a:off x="286449" y="2736393"/>
+            <a:ext cx="8662059" cy="2554545"/>
+          </a:xfrm>
+          <a:prstGeom prst="rect">
+            <a:avLst/>
+          </a:prstGeom>
+          <a:noFill/>
+        </p:spPr>
+        <p:txBody>
+          <a:bodyPr wrap="square" rtlCol="0">
+            <a:spAutoFit/>
+          </a:bodyPr>
+          <a:lstStyle/>
+          <a:p>
+            <a:r>
+              <a:rPr lang="en-US" sz="2000" dirty="0" smtClean="0">
+                <a:latin typeface="Monaco"/>
+                <a:cs typeface="Monaco"/>
+              </a:rPr>
+              <a:t>from </a:t>
+            </a:r>
+            <a:r>
+              <a:rPr lang="en-US" sz="2000" dirty="0" err="1" smtClean="0">
+                <a:latin typeface="Monaco"/>
+                <a:cs typeface="Monaco"/>
+              </a:rPr>
+              <a:t>Bio.SeqRecord</a:t>
+            </a:r>
+            <a:r>
+              <a:rPr lang="en-US" sz="2000" dirty="0" smtClean="0">
+                <a:latin typeface="Monaco"/>
+                <a:cs typeface="Monaco"/>
+              </a:rPr>
+              <a:t> import </a:t>
+            </a:r>
+            <a:r>
+              <a:rPr lang="en-US" sz="2000" dirty="0" err="1" smtClean="0">
+                <a:latin typeface="Monaco"/>
+                <a:cs typeface="Monaco"/>
+              </a:rPr>
+              <a:t>SeqRecord</a:t>
+            </a:r>
+            <a:endParaRPr lang="en-US" sz="2000" dirty="0" smtClean="0">
+              <a:latin typeface="Monaco"/>
+              <a:cs typeface="Monaco"/>
+            </a:endParaRPr>
+          </a:p>
+          <a:p>
+            <a:r>
+              <a:rPr lang="en-US" sz="2000" dirty="0" smtClean="0">
+                <a:latin typeface="Monaco"/>
+                <a:cs typeface="Monaco"/>
+              </a:rPr>
+              <a:t>from </a:t>
+            </a:r>
+            <a:r>
+              <a:rPr lang="en-US" sz="2000" dirty="0" err="1" smtClean="0">
+                <a:latin typeface="Monaco"/>
+                <a:cs typeface="Monaco"/>
+              </a:rPr>
+              <a:t>Bio.Seq</a:t>
+            </a:r>
+            <a:r>
+              <a:rPr lang="en-US" sz="2000" dirty="0" smtClean="0">
+                <a:latin typeface="Monaco"/>
+                <a:cs typeface="Monaco"/>
+              </a:rPr>
+              <a:t> import </a:t>
+            </a:r>
+            <a:r>
+              <a:rPr lang="en-US" sz="2000" dirty="0" err="1" smtClean="0">
+                <a:latin typeface="Monaco"/>
+                <a:cs typeface="Monaco"/>
+              </a:rPr>
+              <a:t>Seq</a:t>
+            </a:r>
+            <a:endParaRPr lang="en-US" sz="2000" dirty="0" smtClean="0">
+              <a:latin typeface="Monaco"/>
+              <a:cs typeface="Monaco"/>
+            </a:endParaRPr>
+          </a:p>
+          <a:p>
+            <a:endParaRPr lang="en-US" sz="2000" dirty="0">
+              <a:latin typeface="Monaco"/>
+              <a:cs typeface="Monaco"/>
+            </a:endParaRPr>
+          </a:p>
+          <a:p>
+            <a:r>
+              <a:rPr lang="en-US" sz="2000" dirty="0" smtClean="0">
+                <a:latin typeface="Monaco"/>
+                <a:cs typeface="Monaco"/>
+              </a:rPr>
+              <a:t># Define a </a:t>
+            </a:r>
+            <a:r>
+              <a:rPr lang="en-US" sz="2000" dirty="0" err="1" smtClean="0">
+                <a:latin typeface="Monaco"/>
+                <a:cs typeface="Monaco"/>
+              </a:rPr>
+              <a:t>SeqRecord</a:t>
+            </a:r>
+            <a:r>
+              <a:rPr lang="en-US" sz="2000" dirty="0" smtClean="0">
+                <a:latin typeface="Monaco"/>
+                <a:cs typeface="Monaco"/>
+              </a:rPr>
+              <a:t> object, </a:t>
+            </a:r>
+            <a:r>
+              <a:rPr lang="en-US" sz="2000" i="1" dirty="0" smtClean="0">
+                <a:latin typeface="Monaco"/>
+                <a:cs typeface="Monaco"/>
+              </a:rPr>
+              <a:t>with</a:t>
+            </a:r>
+            <a:r>
+              <a:rPr lang="en-US" sz="2000" dirty="0" smtClean="0">
+                <a:latin typeface="Monaco"/>
+                <a:cs typeface="Monaco"/>
+              </a:rPr>
+              <a:t> a </a:t>
+            </a:r>
+            <a:r>
+              <a:rPr lang="en-US" sz="2000" dirty="0" err="1" smtClean="0">
+                <a:latin typeface="Monaco"/>
+                <a:cs typeface="Monaco"/>
+              </a:rPr>
+              <a:t>Seq</a:t>
+            </a:r>
+            <a:r>
+              <a:rPr lang="en-US" sz="2000" dirty="0" smtClean="0">
+                <a:latin typeface="Monaco"/>
+                <a:cs typeface="Monaco"/>
+              </a:rPr>
+              <a:t> object</a:t>
+            </a:r>
+          </a:p>
+          <a:p>
+            <a:r>
+              <a:rPr lang="en-US" sz="2000" dirty="0" err="1" smtClean="0">
+                <a:latin typeface="Monaco"/>
+                <a:cs typeface="Monaco"/>
+              </a:rPr>
+              <a:t>my_seq</a:t>
+            </a:r>
+            <a:r>
+              <a:rPr lang="en-US" sz="2000" dirty="0" smtClean="0">
+                <a:latin typeface="Monaco"/>
+                <a:cs typeface="Monaco"/>
+              </a:rPr>
+              <a:t> = </a:t>
+            </a:r>
+            <a:r>
+              <a:rPr lang="en-US" sz="2000" dirty="0" err="1" smtClean="0">
+                <a:latin typeface="Monaco"/>
+                <a:cs typeface="Monaco"/>
+              </a:rPr>
+              <a:t>Seq</a:t>
+            </a:r>
+            <a:r>
+              <a:rPr lang="en-US" sz="2000" dirty="0" smtClean="0">
+                <a:latin typeface="Monaco"/>
+                <a:cs typeface="Monaco"/>
+              </a:rPr>
+              <a:t>("ACTAGACAA")</a:t>
+            </a:r>
+          </a:p>
+          <a:p>
+            <a:r>
+              <a:rPr lang="en-US" sz="2000" dirty="0" err="1" smtClean="0">
+                <a:latin typeface="Monaco"/>
+                <a:cs typeface="Monaco"/>
+              </a:rPr>
+              <a:t>my_seqrecord</a:t>
+            </a:r>
+            <a:r>
+              <a:rPr lang="en-US" sz="2000" dirty="0" smtClean="0">
+                <a:latin typeface="Monaco"/>
+                <a:cs typeface="Monaco"/>
+              </a:rPr>
+              <a:t> = </a:t>
+            </a:r>
+            <a:r>
+              <a:rPr lang="en-US" sz="2000" dirty="0" err="1" smtClean="0">
+                <a:latin typeface="Monaco"/>
+                <a:cs typeface="Monaco"/>
+              </a:rPr>
+              <a:t>SeqRecord</a:t>
+            </a:r>
+            <a:r>
+              <a:rPr lang="en-US" sz="2000" dirty="0" smtClean="0">
+                <a:latin typeface="Monaco"/>
+                <a:cs typeface="Monaco"/>
+              </a:rPr>
+              <a:t>(</a:t>
+            </a:r>
+            <a:r>
+              <a:rPr lang="en-US" sz="2000" dirty="0" err="1" smtClean="0">
+                <a:latin typeface="Monaco"/>
+                <a:cs typeface="Monaco"/>
+              </a:rPr>
+              <a:t>my_seq</a:t>
+            </a:r>
+            <a:r>
+              <a:rPr lang="en-US" sz="2000" dirty="0" smtClean="0">
+                <a:latin typeface="Monaco"/>
+                <a:cs typeface="Monaco"/>
+              </a:rPr>
+              <a:t>, id = "</a:t>
+            </a:r>
+            <a:r>
+              <a:rPr lang="en-US" sz="2000" dirty="0" err="1" smtClean="0">
+                <a:latin typeface="Monaco"/>
+                <a:cs typeface="Monaco"/>
+              </a:rPr>
+              <a:t>unique_id</a:t>
+            </a:r>
+            <a:r>
+              <a:rPr lang="en-US" sz="2000" dirty="0" smtClean="0">
+                <a:latin typeface="Monaco"/>
+                <a:cs typeface="Monaco"/>
+              </a:rPr>
+              <a:t>")</a:t>
+            </a:r>
+          </a:p>
+          <a:p>
+            <a:endParaRPr lang="en-US" sz="2000" dirty="0">
+              <a:latin typeface="Monaco"/>
+              <a:cs typeface="Monaco"/>
+            </a:endParaRPr>
+          </a:p>
+          <a:p>
+            <a:endParaRPr lang="en-US" sz="2000" dirty="0" smtClean="0">
+              <a:latin typeface="Monaco"/>
+              <a:cs typeface="Monaco"/>
+            </a:endParaRPr>
+          </a:p>
+        </p:txBody>
+      </p:sp>
     </p:spTree>
     <p:extLst>
       <p:ext uri="{BB962C8B-B14F-4D97-AF65-F5344CB8AC3E}">
-        <p14:creationId xmlns:p14="http://schemas.microsoft.com/office/powerpoint/2010/main" val="1421936881"/>
+        <p14:creationId xmlns:p14="http://schemas.microsoft.com/office/powerpoint/2010/main" val="4194609425"/>
       </p:ext>
     </p:extLst>
   </p:cSld>
@@ -11204,7 +10922,7 @@
         <p:spPr>
           <a:xfrm>
             <a:off x="286449" y="2736393"/>
-            <a:ext cx="8662059" cy="2554545"/>
+            <a:ext cx="8662059" cy="4401205"/>
           </a:xfrm>
           <a:prstGeom prst="rect">
             <a:avLst/>
@@ -11436,6 +11154,127 @@
             </a:endParaRPr>
           </a:p>
           <a:p>
+            <a:r>
+              <a:rPr lang="en-US" sz="2000" dirty="0" smtClean="0">
+                <a:latin typeface="Monaco"/>
+                <a:cs typeface="Monaco"/>
+              </a:rPr>
+              <a:t># Attributes and methods of </a:t>
+            </a:r>
+            <a:r>
+              <a:rPr lang="en-US" sz="2000" dirty="0" err="1" smtClean="0">
+                <a:latin typeface="Monaco"/>
+                <a:cs typeface="Monaco"/>
+              </a:rPr>
+              <a:t>SeqRecord</a:t>
+            </a:r>
+            <a:r>
+              <a:rPr lang="en-US" sz="2000" dirty="0" smtClean="0">
+                <a:latin typeface="Monaco"/>
+                <a:cs typeface="Monaco"/>
+              </a:rPr>
+              <a:t> objects (again, </a:t>
+            </a:r>
+            <a:r>
+              <a:rPr lang="en-US" sz="2000" dirty="0" err="1" smtClean="0">
+                <a:latin typeface="Monaco"/>
+                <a:cs typeface="Monaco"/>
+              </a:rPr>
+              <a:t>dir</a:t>
+            </a:r>
+            <a:r>
+              <a:rPr lang="en-US" sz="2000" dirty="0" smtClean="0">
+                <a:latin typeface="Monaco"/>
+                <a:cs typeface="Monaco"/>
+              </a:rPr>
+              <a:t>() )</a:t>
+            </a:r>
+          </a:p>
+          <a:p>
+            <a:r>
+              <a:rPr lang="en-US" sz="2000" dirty="0" err="1" smtClean="0">
+                <a:latin typeface="Monaco"/>
+                <a:cs typeface="Monaco"/>
+              </a:rPr>
+              <a:t>my_seqrecord</a:t>
+            </a:r>
+            <a:r>
+              <a:rPr lang="en-US" sz="2000" dirty="0" err="1" smtClean="0">
+                <a:solidFill>
+                  <a:srgbClr val="DC5924"/>
+                </a:solidFill>
+                <a:latin typeface="Monaco"/>
+                <a:cs typeface="Monaco"/>
+              </a:rPr>
+              <a:t>.id</a:t>
+            </a:r>
+            <a:endParaRPr lang="en-US" sz="2000" dirty="0" smtClean="0">
+              <a:solidFill>
+                <a:srgbClr val="DC5924"/>
+              </a:solidFill>
+              <a:latin typeface="Monaco"/>
+              <a:cs typeface="Monaco"/>
+            </a:endParaRPr>
+          </a:p>
+          <a:p>
+            <a:r>
+              <a:rPr lang="en-US" sz="2000" dirty="0" err="1" smtClean="0">
+                <a:latin typeface="Monaco"/>
+                <a:cs typeface="Monaco"/>
+              </a:rPr>
+              <a:t>my_seqrecord</a:t>
+            </a:r>
+            <a:r>
+              <a:rPr lang="en-US" sz="2000" dirty="0" err="1" smtClean="0">
+                <a:solidFill>
+                  <a:srgbClr val="DC5924"/>
+                </a:solidFill>
+                <a:latin typeface="Monaco"/>
+                <a:cs typeface="Monaco"/>
+              </a:rPr>
+              <a:t>.seq</a:t>
+            </a:r>
+            <a:endParaRPr lang="en-US" sz="2000" dirty="0" smtClean="0">
+              <a:solidFill>
+                <a:srgbClr val="DC5924"/>
+              </a:solidFill>
+              <a:latin typeface="Monaco"/>
+              <a:cs typeface="Monaco"/>
+            </a:endParaRPr>
+          </a:p>
+          <a:p>
+            <a:r>
+              <a:rPr lang="en-US" sz="2000" dirty="0" err="1" smtClean="0">
+                <a:latin typeface="Monaco"/>
+                <a:cs typeface="Monaco"/>
+              </a:rPr>
+              <a:t>my_seqrecord</a:t>
+            </a:r>
+            <a:r>
+              <a:rPr lang="en-US" sz="2000" dirty="0" err="1" smtClean="0">
+                <a:solidFill>
+                  <a:srgbClr val="DC5924"/>
+                </a:solidFill>
+                <a:latin typeface="Monaco"/>
+                <a:cs typeface="Monaco"/>
+              </a:rPr>
+              <a:t>.description</a:t>
+            </a:r>
+            <a:endParaRPr lang="en-US" sz="2000" dirty="0">
+              <a:solidFill>
+                <a:srgbClr val="DC5924"/>
+              </a:solidFill>
+              <a:latin typeface="Monaco"/>
+              <a:cs typeface="Monaco"/>
+            </a:endParaRPr>
+          </a:p>
+          <a:p>
+            <a:endParaRPr lang="en-US" sz="2000" dirty="0">
+              <a:latin typeface="Monaco"/>
+              <a:cs typeface="Monaco"/>
+            </a:endParaRPr>
+          </a:p>
+          <a:p>
             <a:endParaRPr lang="en-US" sz="2000" dirty="0" smtClean="0">
               <a:latin typeface="Monaco"/>
               <a:cs typeface="Monaco"/>
@@ -11446,7 +11285,7 @@
     </p:spTree>
     <p:extLst>
       <p:ext uri="{BB962C8B-B14F-4D97-AF65-F5344CB8AC3E}">
-        <p14:creationId xmlns:p14="http://schemas.microsoft.com/office/powerpoint/2010/main" val="4194609425"/>
+        <p14:creationId xmlns:p14="http://schemas.microsoft.com/office/powerpoint/2010/main" val="1248688941"/>
       </p:ext>
     </p:extLst>
   </p:cSld>

--- a/slides/slides_biopython.pptx
+++ b/slides/slides_biopython.pptx
@@ -5,7 +5,7 @@
     <p:sldMasterId id="2147483660" r:id="rId1"/>
   </p:sldMasterIdLst>
   <p:notesMasterIdLst>
-    <p:notesMasterId r:id="rId36"/>
+    <p:notesMasterId r:id="rId27"/>
   </p:notesMasterIdLst>
   <p:sldIdLst>
     <p:sldId id="256" r:id="rId2"/>
@@ -33,15 +33,6 @@
     <p:sldId id="519" r:id="rId24"/>
     <p:sldId id="483" r:id="rId25"/>
     <p:sldId id="482" r:id="rId26"/>
-    <p:sldId id="488" r:id="rId27"/>
-    <p:sldId id="501" r:id="rId28"/>
-    <p:sldId id="495" r:id="rId29"/>
-    <p:sldId id="502" r:id="rId30"/>
-    <p:sldId id="498" r:id="rId31"/>
-    <p:sldId id="499" r:id="rId32"/>
-    <p:sldId id="494" r:id="rId33"/>
-    <p:sldId id="500" r:id="rId34"/>
-    <p:sldId id="496" r:id="rId35"/>
   </p:sldIdLst>
   <p:sldSz cx="9144000" cy="6858000" type="screen4x3"/>
   <p:notesSz cx="6858000" cy="9144000"/>
@@ -8170,426 +8161,6 @@
 </p:sld>
 </file>
 
-<file path=ppt/slides/slide26.xml><?xml version="1.0" encoding="utf-8"?>
-<p:sld xmlns:a="http://schemas.openxmlformats.org/drawingml/2006/main" xmlns:r="http://schemas.openxmlformats.org/officeDocument/2006/relationships" xmlns:p="http://schemas.openxmlformats.org/presentationml/2006/main">
-  <p:cSld>
-    <p:spTree>
-      <p:nvGrpSpPr>
-        <p:cNvPr id="1" name=""/>
-        <p:cNvGrpSpPr/>
-        <p:nvPr/>
-      </p:nvGrpSpPr>
-      <p:grpSpPr>
-        <a:xfrm>
-          <a:off x="0" y="0"/>
-          <a:ext cx="0" cy="0"/>
-          <a:chOff x="0" y="0"/>
-          <a:chExt cx="0" cy="0"/>
-        </a:xfrm>
-      </p:grpSpPr>
-      <p:sp>
-        <p:nvSpPr>
-          <p:cNvPr id="2" name="Title 1"/>
-          <p:cNvSpPr>
-            <a:spLocks noGrp="1"/>
-          </p:cNvSpPr>
-          <p:nvPr>
-            <p:ph type="title"/>
-          </p:nvPr>
-        </p:nvSpPr>
-        <p:spPr/>
-        <p:txBody>
-          <a:bodyPr/>
-          <a:lstStyle/>
-          <a:p>
-            <a:r>
-              <a:rPr lang="en-US" dirty="0" smtClean="0"/>
-              <a:t>scripting Exercises</a:t>
-            </a:r>
-            <a:endParaRPr lang="en-US" dirty="0"/>
-          </a:p>
-        </p:txBody>
-      </p:sp>
-      <p:sp>
-        <p:nvSpPr>
-          <p:cNvPr id="3" name="Content Placeholder 2"/>
-          <p:cNvSpPr>
-            <a:spLocks noGrp="1"/>
-          </p:cNvSpPr>
-          <p:nvPr>
-            <p:ph idx="1"/>
-          </p:nvPr>
-        </p:nvSpPr>
-        <p:spPr/>
-        <p:txBody>
-          <a:bodyPr/>
-          <a:lstStyle/>
-          <a:p>
-            <a:r>
-              <a:rPr lang="en-US" dirty="0" smtClean="0"/>
-              <a:t>Goal</a:t>
-            </a:r>
-            <a:r>
-              <a:rPr lang="en-US" dirty="0" smtClean="0"/>
-              <a:t>:</a:t>
-            </a:r>
-          </a:p>
-          <a:p>
-            <a:pPr marL="457200" indent="-457200">
-              <a:buFont typeface="Arial"/>
-              <a:buChar char="•"/>
-            </a:pPr>
-            <a:r>
-              <a:rPr lang="en-US" dirty="0" smtClean="0"/>
-              <a:t>Parse sequence data files and extract meaningful information </a:t>
-            </a:r>
-          </a:p>
-          <a:p>
-            <a:pPr marL="457200" indent="-457200">
-              <a:buFont typeface="Arial"/>
-              <a:buChar char="•"/>
-            </a:pPr>
-            <a:r>
-              <a:rPr lang="en-US" dirty="0" smtClean="0"/>
-              <a:t>Perform some calculations</a:t>
-            </a:r>
-          </a:p>
-        </p:txBody>
-      </p:sp>
-    </p:spTree>
-    <p:extLst>
-      <p:ext uri="{BB962C8B-B14F-4D97-AF65-F5344CB8AC3E}">
-        <p14:creationId xmlns:p14="http://schemas.microsoft.com/office/powerpoint/2010/main" val="1028846082"/>
-      </p:ext>
-    </p:extLst>
-  </p:cSld>
-  <p:clrMapOvr>
-    <a:masterClrMapping/>
-  </p:clrMapOvr>
-</p:sld>
-</file>
-
-<file path=ppt/slides/slide27.xml><?xml version="1.0" encoding="utf-8"?>
-<p:sld xmlns:a="http://schemas.openxmlformats.org/drawingml/2006/main" xmlns:r="http://schemas.openxmlformats.org/officeDocument/2006/relationships" xmlns:p="http://schemas.openxmlformats.org/presentationml/2006/main">
-  <p:cSld>
-    <p:spTree>
-      <p:nvGrpSpPr>
-        <p:cNvPr id="1" name=""/>
-        <p:cNvGrpSpPr/>
-        <p:nvPr/>
-      </p:nvGrpSpPr>
-      <p:grpSpPr>
-        <a:xfrm>
-          <a:off x="0" y="0"/>
-          <a:ext cx="0" cy="0"/>
-          <a:chOff x="0" y="0"/>
-          <a:chExt cx="0" cy="0"/>
-        </a:xfrm>
-      </p:grpSpPr>
-      <p:sp>
-        <p:nvSpPr>
-          <p:cNvPr id="2" name="Title 1"/>
-          <p:cNvSpPr>
-            <a:spLocks noGrp="1"/>
-          </p:cNvSpPr>
-          <p:nvPr>
-            <p:ph type="title"/>
-          </p:nvPr>
-        </p:nvSpPr>
-        <p:spPr/>
-        <p:txBody>
-          <a:bodyPr/>
-          <a:lstStyle/>
-          <a:p>
-            <a:r>
-              <a:rPr lang="en-US" dirty="0" smtClean="0"/>
-              <a:t>Script #1</a:t>
-            </a:r>
-            <a:endParaRPr lang="en-US" dirty="0"/>
-          </a:p>
-        </p:txBody>
-      </p:sp>
-      <p:sp>
-        <p:nvSpPr>
-          <p:cNvPr id="3" name="Content Placeholder 2"/>
-          <p:cNvSpPr>
-            <a:spLocks noGrp="1"/>
-          </p:cNvSpPr>
-          <p:nvPr>
-            <p:ph idx="1"/>
-          </p:nvPr>
-        </p:nvSpPr>
-        <p:spPr/>
-        <p:txBody>
-          <a:bodyPr/>
-          <a:lstStyle/>
-          <a:p>
-            <a:r>
-              <a:rPr lang="en-US" dirty="0"/>
-              <a:t>Determine the average </a:t>
-            </a:r>
-            <a:r>
-              <a:rPr lang="en-US" i="1" dirty="0"/>
-              <a:t>GC-content </a:t>
-            </a:r>
-            <a:r>
-              <a:rPr lang="en-US" dirty="0"/>
-              <a:t>for all sequences in a given file</a:t>
-            </a:r>
-          </a:p>
-          <a:p>
-            <a:endParaRPr lang="en-US" dirty="0" smtClean="0"/>
-          </a:p>
-          <a:p>
-            <a:endParaRPr lang="en-US" dirty="0"/>
-          </a:p>
-          <a:p>
-            <a:endParaRPr lang="en-US" dirty="0"/>
-          </a:p>
-        </p:txBody>
-      </p:sp>
-    </p:spTree>
-    <p:extLst>
-      <p:ext uri="{BB962C8B-B14F-4D97-AF65-F5344CB8AC3E}">
-        <p14:creationId xmlns:p14="http://schemas.microsoft.com/office/powerpoint/2010/main" val="81387370"/>
-      </p:ext>
-    </p:extLst>
-  </p:cSld>
-  <p:clrMapOvr>
-    <a:masterClrMapping/>
-  </p:clrMapOvr>
-</p:sld>
-</file>
-
-<file path=ppt/slides/slide28.xml><?xml version="1.0" encoding="utf-8"?>
-<p:sld xmlns:a="http://schemas.openxmlformats.org/drawingml/2006/main" xmlns:r="http://schemas.openxmlformats.org/officeDocument/2006/relationships" xmlns:p="http://schemas.openxmlformats.org/presentationml/2006/main">
-  <p:cSld>
-    <p:spTree>
-      <p:nvGrpSpPr>
-        <p:cNvPr id="1" name=""/>
-        <p:cNvGrpSpPr/>
-        <p:nvPr/>
-      </p:nvGrpSpPr>
-      <p:grpSpPr>
-        <a:xfrm>
-          <a:off x="0" y="0"/>
-          <a:ext cx="0" cy="0"/>
-          <a:chOff x="0" y="0"/>
-          <a:chExt cx="0" cy="0"/>
-        </a:xfrm>
-      </p:grpSpPr>
-      <p:sp>
-        <p:nvSpPr>
-          <p:cNvPr id="2" name="Title 1"/>
-          <p:cNvSpPr>
-            <a:spLocks noGrp="1"/>
-          </p:cNvSpPr>
-          <p:nvPr>
-            <p:ph type="title"/>
-          </p:nvPr>
-        </p:nvSpPr>
-        <p:spPr/>
-        <p:txBody>
-          <a:bodyPr/>
-          <a:lstStyle/>
-          <a:p>
-            <a:r>
-              <a:rPr lang="en-US" dirty="0" smtClean="0"/>
-              <a:t>Script #1</a:t>
-            </a:r>
-            <a:endParaRPr lang="en-US" dirty="0"/>
-          </a:p>
-        </p:txBody>
-      </p:sp>
-      <p:sp>
-        <p:nvSpPr>
-          <p:cNvPr id="3" name="Content Placeholder 2"/>
-          <p:cNvSpPr>
-            <a:spLocks noGrp="1"/>
-          </p:cNvSpPr>
-          <p:nvPr>
-            <p:ph idx="1"/>
-          </p:nvPr>
-        </p:nvSpPr>
-        <p:spPr/>
-        <p:txBody>
-          <a:bodyPr/>
-          <a:lstStyle/>
-          <a:p>
-            <a:r>
-              <a:rPr lang="en-US" dirty="0" smtClean="0"/>
-              <a:t>Determine </a:t>
-            </a:r>
-            <a:r>
-              <a:rPr lang="en-US" dirty="0"/>
-              <a:t>the </a:t>
-            </a:r>
-            <a:r>
-              <a:rPr lang="en-US" dirty="0" smtClean="0"/>
-              <a:t>average </a:t>
-            </a:r>
-            <a:r>
-              <a:rPr lang="en-US" i="1" dirty="0" smtClean="0"/>
-              <a:t>GC-content </a:t>
-            </a:r>
-            <a:r>
-              <a:rPr lang="en-US" dirty="0" smtClean="0"/>
-              <a:t>for all sequences in a given file</a:t>
-            </a:r>
-          </a:p>
-          <a:p>
-            <a:pPr marL="971550" lvl="1" indent="-514350"/>
-            <a:r>
-              <a:rPr lang="en-US" dirty="0"/>
-              <a:t>Your script should include two functions:</a:t>
-            </a:r>
-          </a:p>
-          <a:p>
-            <a:pPr marL="1657350" lvl="2" indent="-514350"/>
-            <a:r>
-              <a:rPr lang="en-US" dirty="0"/>
-              <a:t>A function for reading in a sequence file</a:t>
-            </a:r>
-          </a:p>
-          <a:p>
-            <a:pPr marL="1657350" lvl="2" indent="-514350"/>
-            <a:r>
-              <a:rPr lang="en-US" dirty="0"/>
-              <a:t>A function for computing </a:t>
-            </a:r>
-            <a:r>
-              <a:rPr lang="en-US" dirty="0" smtClean="0"/>
-              <a:t>the GC-content for a </a:t>
-            </a:r>
-            <a:r>
-              <a:rPr lang="en-US" i="1" dirty="0" smtClean="0"/>
-              <a:t>single sequence </a:t>
-            </a:r>
-            <a:r>
-              <a:rPr lang="en-US" dirty="0" smtClean="0">
-                <a:solidFill>
-                  <a:schemeClr val="accent5"/>
-                </a:solidFill>
-              </a:rPr>
-              <a:t>(why?)</a:t>
-            </a:r>
-            <a:endParaRPr lang="en-US" dirty="0">
-              <a:solidFill>
-                <a:schemeClr val="accent5"/>
-              </a:solidFill>
-            </a:endParaRPr>
-          </a:p>
-          <a:p>
-            <a:pPr marL="514350" indent="-514350">
-              <a:buFont typeface="+mj-lt"/>
-              <a:buAutoNum type="arabicPeriod" startAt="2"/>
-            </a:pPr>
-            <a:endParaRPr lang="en-US" dirty="0" smtClean="0"/>
-          </a:p>
-          <a:p>
-            <a:endParaRPr lang="en-US" dirty="0"/>
-          </a:p>
-          <a:p>
-            <a:endParaRPr lang="en-US" dirty="0"/>
-          </a:p>
-        </p:txBody>
-      </p:sp>
-    </p:spTree>
-    <p:extLst>
-      <p:ext uri="{BB962C8B-B14F-4D97-AF65-F5344CB8AC3E}">
-        <p14:creationId xmlns:p14="http://schemas.microsoft.com/office/powerpoint/2010/main" val="2044227144"/>
-      </p:ext>
-    </p:extLst>
-  </p:cSld>
-  <p:clrMapOvr>
-    <a:masterClrMapping/>
-  </p:clrMapOvr>
-</p:sld>
-</file>
-
-<file path=ppt/slides/slide29.xml><?xml version="1.0" encoding="utf-8"?>
-<p:sld xmlns:a="http://schemas.openxmlformats.org/drawingml/2006/main" xmlns:r="http://schemas.openxmlformats.org/officeDocument/2006/relationships" xmlns:p="http://schemas.openxmlformats.org/presentationml/2006/main">
-  <p:cSld>
-    <p:spTree>
-      <p:nvGrpSpPr>
-        <p:cNvPr id="1" name=""/>
-        <p:cNvGrpSpPr/>
-        <p:nvPr/>
-      </p:nvGrpSpPr>
-      <p:grpSpPr>
-        <a:xfrm>
-          <a:off x="0" y="0"/>
-          <a:ext cx="0" cy="0"/>
-          <a:chOff x="0" y="0"/>
-          <a:chExt cx="0" cy="0"/>
-        </a:xfrm>
-      </p:grpSpPr>
-      <p:sp>
-        <p:nvSpPr>
-          <p:cNvPr id="2" name="Title 1"/>
-          <p:cNvSpPr>
-            <a:spLocks noGrp="1"/>
-          </p:cNvSpPr>
-          <p:nvPr>
-            <p:ph type="title"/>
-          </p:nvPr>
-        </p:nvSpPr>
-        <p:spPr/>
-        <p:txBody>
-          <a:bodyPr/>
-          <a:lstStyle/>
-          <a:p>
-            <a:r>
-              <a:rPr lang="en-US" dirty="0" smtClean="0"/>
-              <a:t>Script #2</a:t>
-            </a:r>
-            <a:endParaRPr lang="en-US" dirty="0"/>
-          </a:p>
-        </p:txBody>
-      </p:sp>
-      <p:sp>
-        <p:nvSpPr>
-          <p:cNvPr id="3" name="Content Placeholder 2"/>
-          <p:cNvSpPr>
-            <a:spLocks noGrp="1"/>
-          </p:cNvSpPr>
-          <p:nvPr>
-            <p:ph idx="1"/>
-          </p:nvPr>
-        </p:nvSpPr>
-        <p:spPr/>
-        <p:txBody>
-          <a:bodyPr/>
-          <a:lstStyle/>
-          <a:p>
-            <a:r>
-              <a:rPr lang="en-US" dirty="0"/>
-              <a:t>Determine the </a:t>
-            </a:r>
-            <a:r>
-              <a:rPr lang="en-US" i="1" dirty="0"/>
-              <a:t>pairwise distance </a:t>
-            </a:r>
-            <a:r>
-              <a:rPr lang="en-US" dirty="0"/>
-              <a:t>between two sequences </a:t>
-            </a:r>
-          </a:p>
-        </p:txBody>
-      </p:sp>
-    </p:spTree>
-    <p:extLst>
-      <p:ext uri="{BB962C8B-B14F-4D97-AF65-F5344CB8AC3E}">
-        <p14:creationId xmlns:p14="http://schemas.microsoft.com/office/powerpoint/2010/main" val="3500402009"/>
-      </p:ext>
-    </p:extLst>
-  </p:cSld>
-  <p:clrMapOvr>
-    <a:masterClrMapping/>
-  </p:clrMapOvr>
-</p:sld>
-</file>
-
 <file path=ppt/slides/slide3.xml><?xml version="1.0" encoding="utf-8"?>
 <p:sld xmlns:a="http://schemas.openxmlformats.org/drawingml/2006/main" xmlns:r="http://schemas.openxmlformats.org/officeDocument/2006/relationships" xmlns:p="http://schemas.openxmlformats.org/presentationml/2006/main">
   <p:cSld>
@@ -8760,736 +8331,6 @@
     <p:extLst>
       <p:ext uri="{BB962C8B-B14F-4D97-AF65-F5344CB8AC3E}">
         <p14:creationId xmlns:p14="http://schemas.microsoft.com/office/powerpoint/2010/main" val="3140848450"/>
-      </p:ext>
-    </p:extLst>
-  </p:cSld>
-  <p:clrMapOvr>
-    <a:masterClrMapping/>
-  </p:clrMapOvr>
-</p:sld>
-</file>
-
-<file path=ppt/slides/slide30.xml><?xml version="1.0" encoding="utf-8"?>
-<p:sld xmlns:a="http://schemas.openxmlformats.org/drawingml/2006/main" xmlns:r="http://schemas.openxmlformats.org/officeDocument/2006/relationships" xmlns:p="http://schemas.openxmlformats.org/presentationml/2006/main">
-  <p:cSld>
-    <p:spTree>
-      <p:nvGrpSpPr>
-        <p:cNvPr id="1" name=""/>
-        <p:cNvGrpSpPr/>
-        <p:nvPr/>
-      </p:nvGrpSpPr>
-      <p:grpSpPr>
-        <a:xfrm>
-          <a:off x="0" y="0"/>
-          <a:ext cx="0" cy="0"/>
-          <a:chOff x="0" y="0"/>
-          <a:chExt cx="0" cy="0"/>
-        </a:xfrm>
-      </p:grpSpPr>
-      <p:sp>
-        <p:nvSpPr>
-          <p:cNvPr id="2" name="Title 1"/>
-          <p:cNvSpPr>
-            <a:spLocks noGrp="1"/>
-          </p:cNvSpPr>
-          <p:nvPr>
-            <p:ph type="title"/>
-          </p:nvPr>
-        </p:nvSpPr>
-        <p:spPr/>
-        <p:txBody>
-          <a:bodyPr/>
-          <a:lstStyle/>
-          <a:p>
-            <a:r>
-              <a:rPr lang="en-US" dirty="0" smtClean="0"/>
-              <a:t>Script #2</a:t>
-            </a:r>
-            <a:endParaRPr lang="en-US" dirty="0"/>
-          </a:p>
-        </p:txBody>
-      </p:sp>
-      <p:sp>
-        <p:nvSpPr>
-          <p:cNvPr id="3" name="Content Placeholder 2"/>
-          <p:cNvSpPr>
-            <a:spLocks noGrp="1"/>
-          </p:cNvSpPr>
-          <p:nvPr>
-            <p:ph idx="1"/>
-          </p:nvPr>
-        </p:nvSpPr>
-        <p:spPr/>
-        <p:txBody>
-          <a:bodyPr/>
-          <a:lstStyle/>
-          <a:p>
-            <a:r>
-              <a:rPr lang="en-US" dirty="0"/>
-              <a:t>Determine the </a:t>
-            </a:r>
-            <a:r>
-              <a:rPr lang="en-US" i="1" dirty="0"/>
-              <a:t>pairwise distance </a:t>
-            </a:r>
-            <a:r>
-              <a:rPr lang="en-US" dirty="0"/>
-              <a:t>between two sequences </a:t>
-            </a:r>
-          </a:p>
-        </p:txBody>
-      </p:sp>
-      <p:sp>
-        <p:nvSpPr>
-          <p:cNvPr id="4" name="TextBox 3"/>
-          <p:cNvSpPr txBox="1"/>
-          <p:nvPr/>
-        </p:nvSpPr>
-        <p:spPr>
-          <a:xfrm>
-            <a:off x="3448439" y="2892195"/>
-            <a:ext cx="1653765" cy="892552"/>
-          </a:xfrm>
-          <a:prstGeom prst="rect">
-            <a:avLst/>
-          </a:prstGeom>
-          <a:noFill/>
-        </p:spPr>
-        <p:txBody>
-          <a:bodyPr wrap="square" rtlCol="0">
-            <a:spAutoFit/>
-          </a:bodyPr>
-          <a:lstStyle/>
-          <a:p>
-            <a:r>
-              <a:rPr lang="en-US" sz="2600" dirty="0" smtClean="0">
-                <a:latin typeface="Monaco"/>
-                <a:cs typeface="Monaco"/>
-              </a:rPr>
-              <a:t>ACGTAAA</a:t>
-            </a:r>
-          </a:p>
-          <a:p>
-            <a:r>
-              <a:rPr lang="en-US" sz="2600" dirty="0" smtClean="0">
-                <a:latin typeface="Monaco"/>
-                <a:cs typeface="Monaco"/>
-              </a:rPr>
-              <a:t>AGGTAAT</a:t>
-            </a:r>
-          </a:p>
-        </p:txBody>
-      </p:sp>
-    </p:spTree>
-    <p:extLst>
-      <p:ext uri="{BB962C8B-B14F-4D97-AF65-F5344CB8AC3E}">
-        <p14:creationId xmlns:p14="http://schemas.microsoft.com/office/powerpoint/2010/main" val="115094946"/>
-      </p:ext>
-    </p:extLst>
-  </p:cSld>
-  <p:clrMapOvr>
-    <a:masterClrMapping/>
-  </p:clrMapOvr>
-</p:sld>
-</file>
-
-<file path=ppt/slides/slide31.xml><?xml version="1.0" encoding="utf-8"?>
-<p:sld xmlns:a="http://schemas.openxmlformats.org/drawingml/2006/main" xmlns:r="http://schemas.openxmlformats.org/officeDocument/2006/relationships" xmlns:p="http://schemas.openxmlformats.org/presentationml/2006/main">
-  <p:cSld>
-    <p:spTree>
-      <p:nvGrpSpPr>
-        <p:cNvPr id="1" name=""/>
-        <p:cNvGrpSpPr/>
-        <p:nvPr/>
-      </p:nvGrpSpPr>
-      <p:grpSpPr>
-        <a:xfrm>
-          <a:off x="0" y="0"/>
-          <a:ext cx="0" cy="0"/>
-          <a:chOff x="0" y="0"/>
-          <a:chExt cx="0" cy="0"/>
-        </a:xfrm>
-      </p:grpSpPr>
-      <p:sp>
-        <p:nvSpPr>
-          <p:cNvPr id="2" name="Title 1"/>
-          <p:cNvSpPr>
-            <a:spLocks noGrp="1"/>
-          </p:cNvSpPr>
-          <p:nvPr>
-            <p:ph type="title"/>
-          </p:nvPr>
-        </p:nvSpPr>
-        <p:spPr/>
-        <p:txBody>
-          <a:bodyPr/>
-          <a:lstStyle/>
-          <a:p>
-            <a:r>
-              <a:rPr lang="en-US" dirty="0" smtClean="0"/>
-              <a:t>Script #2</a:t>
-            </a:r>
-            <a:endParaRPr lang="en-US" dirty="0"/>
-          </a:p>
-        </p:txBody>
-      </p:sp>
-      <p:sp>
-        <p:nvSpPr>
-          <p:cNvPr id="3" name="Content Placeholder 2"/>
-          <p:cNvSpPr>
-            <a:spLocks noGrp="1"/>
-          </p:cNvSpPr>
-          <p:nvPr>
-            <p:ph idx="1"/>
-          </p:nvPr>
-        </p:nvSpPr>
-        <p:spPr/>
-        <p:txBody>
-          <a:bodyPr/>
-          <a:lstStyle/>
-          <a:p>
-            <a:r>
-              <a:rPr lang="en-US" dirty="0"/>
-              <a:t>Determine the </a:t>
-            </a:r>
-            <a:r>
-              <a:rPr lang="en-US" i="1" dirty="0"/>
-              <a:t>pairwise distance </a:t>
-            </a:r>
-            <a:r>
-              <a:rPr lang="en-US" dirty="0"/>
-              <a:t>between two sequences </a:t>
-            </a:r>
-          </a:p>
-        </p:txBody>
-      </p:sp>
-      <p:sp>
-        <p:nvSpPr>
-          <p:cNvPr id="4" name="TextBox 3"/>
-          <p:cNvSpPr txBox="1"/>
-          <p:nvPr/>
-        </p:nvSpPr>
-        <p:spPr>
-          <a:xfrm>
-            <a:off x="3448439" y="2892195"/>
-            <a:ext cx="1653765" cy="892552"/>
-          </a:xfrm>
-          <a:prstGeom prst="rect">
-            <a:avLst/>
-          </a:prstGeom>
-          <a:noFill/>
-        </p:spPr>
-        <p:txBody>
-          <a:bodyPr wrap="square" rtlCol="0">
-            <a:spAutoFit/>
-          </a:bodyPr>
-          <a:lstStyle/>
-          <a:p>
-            <a:r>
-              <a:rPr lang="en-US" sz="2600" dirty="0" smtClean="0">
-                <a:latin typeface="Monaco"/>
-                <a:cs typeface="Monaco"/>
-              </a:rPr>
-              <a:t>A</a:t>
-            </a:r>
-            <a:r>
-              <a:rPr lang="en-US" sz="2600" dirty="0" smtClean="0">
-                <a:solidFill>
-                  <a:schemeClr val="tx2"/>
-                </a:solidFill>
-                <a:latin typeface="Monaco"/>
-                <a:cs typeface="Monaco"/>
-              </a:rPr>
-              <a:t>C</a:t>
-            </a:r>
-            <a:r>
-              <a:rPr lang="en-US" sz="2600" dirty="0" smtClean="0">
-                <a:latin typeface="Monaco"/>
-                <a:cs typeface="Monaco"/>
-              </a:rPr>
-              <a:t>GTAA</a:t>
-            </a:r>
-            <a:r>
-              <a:rPr lang="en-US" sz="2600" dirty="0" smtClean="0">
-                <a:solidFill>
-                  <a:srgbClr val="D1282E"/>
-                </a:solidFill>
-                <a:latin typeface="Monaco"/>
-                <a:cs typeface="Monaco"/>
-              </a:rPr>
-              <a:t>A</a:t>
-            </a:r>
-          </a:p>
-          <a:p>
-            <a:r>
-              <a:rPr lang="en-US" sz="2600" dirty="0" smtClean="0">
-                <a:latin typeface="Monaco"/>
-                <a:cs typeface="Monaco"/>
-              </a:rPr>
-              <a:t>A</a:t>
-            </a:r>
-            <a:r>
-              <a:rPr lang="en-US" sz="2600" dirty="0" smtClean="0">
-                <a:solidFill>
-                  <a:srgbClr val="D1282E"/>
-                </a:solidFill>
-                <a:latin typeface="Monaco"/>
-                <a:cs typeface="Monaco"/>
-              </a:rPr>
-              <a:t>G</a:t>
-            </a:r>
-            <a:r>
-              <a:rPr lang="en-US" sz="2600" dirty="0" smtClean="0">
-                <a:latin typeface="Monaco"/>
-                <a:cs typeface="Monaco"/>
-              </a:rPr>
-              <a:t>GTAA</a:t>
-            </a:r>
-            <a:r>
-              <a:rPr lang="en-US" sz="2600" dirty="0" smtClean="0">
-                <a:solidFill>
-                  <a:srgbClr val="D1282E"/>
-                </a:solidFill>
-                <a:latin typeface="Monaco"/>
-                <a:cs typeface="Monaco"/>
-              </a:rPr>
-              <a:t>T</a:t>
-            </a:r>
-          </a:p>
-        </p:txBody>
-      </p:sp>
-      <p:sp>
-        <p:nvSpPr>
-          <p:cNvPr id="5" name="TextBox 4"/>
-          <p:cNvSpPr txBox="1"/>
-          <p:nvPr/>
-        </p:nvSpPr>
-        <p:spPr>
-          <a:xfrm>
-            <a:off x="5279738" y="3015306"/>
-            <a:ext cx="3421834" cy="769441"/>
-          </a:xfrm>
-          <a:prstGeom prst="rect">
-            <a:avLst/>
-          </a:prstGeom>
-          <a:noFill/>
-        </p:spPr>
-        <p:txBody>
-          <a:bodyPr wrap="square" rtlCol="0">
-            <a:spAutoFit/>
-          </a:bodyPr>
-          <a:lstStyle/>
-          <a:p>
-            <a:r>
-              <a:rPr lang="en-US" sz="2200" dirty="0" smtClean="0">
-                <a:solidFill>
-                  <a:srgbClr val="DC5924"/>
-                </a:solidFill>
-              </a:rPr>
-              <a:t>Distance = #diff / length  =</a:t>
-            </a:r>
-          </a:p>
-          <a:p>
-            <a:r>
-              <a:rPr lang="en-US" sz="2200" dirty="0" smtClean="0">
-                <a:solidFill>
-                  <a:srgbClr val="DC5924"/>
-                </a:solidFill>
-              </a:rPr>
-              <a:t> 2 / 7 = 0.286 </a:t>
-            </a:r>
-            <a:endParaRPr lang="en-US" sz="2200" dirty="0">
-              <a:solidFill>
-                <a:srgbClr val="DC5924"/>
-              </a:solidFill>
-              <a:latin typeface="Monaco"/>
-              <a:cs typeface="Monaco"/>
-            </a:endParaRPr>
-          </a:p>
-        </p:txBody>
-      </p:sp>
-    </p:spTree>
-    <p:extLst>
-      <p:ext uri="{BB962C8B-B14F-4D97-AF65-F5344CB8AC3E}">
-        <p14:creationId xmlns:p14="http://schemas.microsoft.com/office/powerpoint/2010/main" val="274318404"/>
-      </p:ext>
-    </p:extLst>
-  </p:cSld>
-  <p:clrMapOvr>
-    <a:masterClrMapping/>
-  </p:clrMapOvr>
-</p:sld>
-</file>
-
-<file path=ppt/slides/slide32.xml><?xml version="1.0" encoding="utf-8"?>
-<p:sld xmlns:a="http://schemas.openxmlformats.org/drawingml/2006/main" xmlns:r="http://schemas.openxmlformats.org/officeDocument/2006/relationships" xmlns:p="http://schemas.openxmlformats.org/presentationml/2006/main">
-  <p:cSld>
-    <p:spTree>
-      <p:nvGrpSpPr>
-        <p:cNvPr id="1" name=""/>
-        <p:cNvGrpSpPr/>
-        <p:nvPr/>
-      </p:nvGrpSpPr>
-      <p:grpSpPr>
-        <a:xfrm>
-          <a:off x="0" y="0"/>
-          <a:ext cx="0" cy="0"/>
-          <a:chOff x="0" y="0"/>
-          <a:chExt cx="0" cy="0"/>
-        </a:xfrm>
-      </p:grpSpPr>
-      <p:sp>
-        <p:nvSpPr>
-          <p:cNvPr id="2" name="Title 1"/>
-          <p:cNvSpPr>
-            <a:spLocks noGrp="1"/>
-          </p:cNvSpPr>
-          <p:nvPr>
-            <p:ph type="title"/>
-          </p:nvPr>
-        </p:nvSpPr>
-        <p:spPr/>
-        <p:txBody>
-          <a:bodyPr/>
-          <a:lstStyle/>
-          <a:p>
-            <a:r>
-              <a:rPr lang="en-US" dirty="0" smtClean="0"/>
-              <a:t>Script #2</a:t>
-            </a:r>
-            <a:endParaRPr lang="en-US" dirty="0"/>
-          </a:p>
-        </p:txBody>
-      </p:sp>
-      <p:sp>
-        <p:nvSpPr>
-          <p:cNvPr id="3" name="Content Placeholder 2"/>
-          <p:cNvSpPr>
-            <a:spLocks noGrp="1"/>
-          </p:cNvSpPr>
-          <p:nvPr>
-            <p:ph idx="1"/>
-          </p:nvPr>
-        </p:nvSpPr>
-        <p:spPr/>
-        <p:txBody>
-          <a:bodyPr/>
-          <a:lstStyle/>
-          <a:p>
-            <a:r>
-              <a:rPr lang="en-US" dirty="0" smtClean="0"/>
-              <a:t>Determine the </a:t>
-            </a:r>
-            <a:r>
-              <a:rPr lang="en-US" i="1" dirty="0" smtClean="0"/>
-              <a:t>pairwise distance </a:t>
-            </a:r>
-            <a:r>
-              <a:rPr lang="en-US" dirty="0" smtClean="0"/>
-              <a:t>between two sequences </a:t>
-            </a:r>
-          </a:p>
-          <a:p>
-            <a:pPr marL="971550" lvl="1" indent="-514350"/>
-            <a:r>
-              <a:rPr lang="en-US" dirty="0" smtClean="0"/>
-              <a:t>Your script should include two functions:</a:t>
-            </a:r>
-          </a:p>
-          <a:p>
-            <a:pPr marL="1657350" lvl="2" indent="-514350"/>
-            <a:r>
-              <a:rPr lang="en-US" dirty="0" smtClean="0"/>
-              <a:t>A function for reading in a sequence file</a:t>
-            </a:r>
-          </a:p>
-          <a:p>
-            <a:pPr marL="1657350" lvl="2" indent="-514350"/>
-            <a:r>
-              <a:rPr lang="en-US" dirty="0" smtClean="0"/>
-              <a:t>A function for computing pair-wise distances</a:t>
-            </a:r>
-          </a:p>
-        </p:txBody>
-      </p:sp>
-    </p:spTree>
-    <p:extLst>
-      <p:ext uri="{BB962C8B-B14F-4D97-AF65-F5344CB8AC3E}">
-        <p14:creationId xmlns:p14="http://schemas.microsoft.com/office/powerpoint/2010/main" val="3387817876"/>
-      </p:ext>
-    </p:extLst>
-  </p:cSld>
-  <p:clrMapOvr>
-    <a:masterClrMapping/>
-  </p:clrMapOvr>
-</p:sld>
-</file>
-
-<file path=ppt/slides/slide33.xml><?xml version="1.0" encoding="utf-8"?>
-<p:sld xmlns:a="http://schemas.openxmlformats.org/drawingml/2006/main" xmlns:r="http://schemas.openxmlformats.org/officeDocument/2006/relationships" xmlns:p="http://schemas.openxmlformats.org/presentationml/2006/main">
-  <p:cSld>
-    <p:spTree>
-      <p:nvGrpSpPr>
-        <p:cNvPr id="1" name=""/>
-        <p:cNvGrpSpPr/>
-        <p:nvPr/>
-      </p:nvGrpSpPr>
-      <p:grpSpPr>
-        <a:xfrm>
-          <a:off x="0" y="0"/>
-          <a:ext cx="0" cy="0"/>
-          <a:chOff x="0" y="0"/>
-          <a:chExt cx="0" cy="0"/>
-        </a:xfrm>
-      </p:grpSpPr>
-      <p:sp>
-        <p:nvSpPr>
-          <p:cNvPr id="2" name="Title 1"/>
-          <p:cNvSpPr>
-            <a:spLocks noGrp="1"/>
-          </p:cNvSpPr>
-          <p:nvPr>
-            <p:ph type="title"/>
-          </p:nvPr>
-        </p:nvSpPr>
-        <p:spPr/>
-        <p:txBody>
-          <a:bodyPr/>
-          <a:lstStyle/>
-          <a:p>
-            <a:r>
-              <a:rPr lang="en-US" dirty="0" smtClean="0"/>
-              <a:t>Script #2</a:t>
-            </a:r>
-            <a:endParaRPr lang="en-US" dirty="0"/>
-          </a:p>
-        </p:txBody>
-      </p:sp>
-      <p:sp>
-        <p:nvSpPr>
-          <p:cNvPr id="3" name="Content Placeholder 2"/>
-          <p:cNvSpPr>
-            <a:spLocks noGrp="1"/>
-          </p:cNvSpPr>
-          <p:nvPr>
-            <p:ph idx="1"/>
-          </p:nvPr>
-        </p:nvSpPr>
-        <p:spPr/>
-        <p:txBody>
-          <a:bodyPr/>
-          <a:lstStyle/>
-          <a:p>
-            <a:r>
-              <a:rPr lang="en-US" dirty="0"/>
-              <a:t>Determine the </a:t>
-            </a:r>
-            <a:r>
-              <a:rPr lang="en-US" i="1" dirty="0"/>
-              <a:t>pairwise distance </a:t>
-            </a:r>
-            <a:r>
-              <a:rPr lang="en-US" dirty="0"/>
-              <a:t>between two sequences </a:t>
-            </a:r>
-          </a:p>
-          <a:p>
-            <a:pPr marL="971550" lvl="1" indent="-514350"/>
-            <a:r>
-              <a:rPr lang="en-US" dirty="0" smtClean="0"/>
-              <a:t>Your script should include two functions:</a:t>
-            </a:r>
-          </a:p>
-          <a:p>
-            <a:pPr marL="1657350" lvl="2" indent="-514350"/>
-            <a:r>
-              <a:rPr lang="en-US" dirty="0" smtClean="0"/>
-              <a:t>A function for reading in a sequence file</a:t>
-            </a:r>
-          </a:p>
-          <a:p>
-            <a:pPr marL="1657350" lvl="2" indent="-514350"/>
-            <a:r>
-              <a:rPr lang="en-US" dirty="0" smtClean="0"/>
-              <a:t>A function for computing pair-wise distances</a:t>
-            </a:r>
-          </a:p>
-          <a:p>
-            <a:pPr marL="971550" lvl="1" indent="-514350"/>
-            <a:endParaRPr lang="en-US" dirty="0"/>
-          </a:p>
-          <a:p>
-            <a:pPr marL="971550" lvl="1" indent="-514350"/>
-            <a:r>
-              <a:rPr lang="en-US" dirty="0" smtClean="0"/>
-              <a:t>Important considerations:</a:t>
-            </a:r>
-          </a:p>
-          <a:p>
-            <a:pPr marL="1657350" lvl="2" indent="-514350"/>
-            <a:r>
-              <a:rPr lang="en-US" dirty="0" smtClean="0"/>
-              <a:t>Allow for different sequence file formats</a:t>
-            </a:r>
-          </a:p>
-          <a:p>
-            <a:pPr marL="1657350" lvl="2" indent="-514350"/>
-            <a:r>
-              <a:rPr lang="en-US" dirty="0" smtClean="0"/>
-              <a:t>The sequences must be the same length</a:t>
-            </a:r>
-          </a:p>
-          <a:p>
-            <a:pPr marL="1657350" lvl="2" indent="-514350"/>
-            <a:endParaRPr lang="en-US" dirty="0" smtClean="0"/>
-          </a:p>
-        </p:txBody>
-      </p:sp>
-    </p:spTree>
-    <p:extLst>
-      <p:ext uri="{BB962C8B-B14F-4D97-AF65-F5344CB8AC3E}">
-        <p14:creationId xmlns:p14="http://schemas.microsoft.com/office/powerpoint/2010/main" val="1669645551"/>
-      </p:ext>
-    </p:extLst>
-  </p:cSld>
-  <p:clrMapOvr>
-    <a:masterClrMapping/>
-  </p:clrMapOvr>
-</p:sld>
-</file>
-
-<file path=ppt/slides/slide34.xml><?xml version="1.0" encoding="utf-8"?>
-<p:sld xmlns:a="http://schemas.openxmlformats.org/drawingml/2006/main" xmlns:r="http://schemas.openxmlformats.org/officeDocument/2006/relationships" xmlns:p="http://schemas.openxmlformats.org/presentationml/2006/main">
-  <p:cSld>
-    <p:spTree>
-      <p:nvGrpSpPr>
-        <p:cNvPr id="1" name=""/>
-        <p:cNvGrpSpPr/>
-        <p:nvPr/>
-      </p:nvGrpSpPr>
-      <p:grpSpPr>
-        <a:xfrm>
-          <a:off x="0" y="0"/>
-          <a:ext cx="0" cy="0"/>
-          <a:chOff x="0" y="0"/>
-          <a:chExt cx="0" cy="0"/>
-        </a:xfrm>
-      </p:grpSpPr>
-      <p:sp>
-        <p:nvSpPr>
-          <p:cNvPr id="2" name="Title 1"/>
-          <p:cNvSpPr>
-            <a:spLocks noGrp="1"/>
-          </p:cNvSpPr>
-          <p:nvPr>
-            <p:ph type="title"/>
-          </p:nvPr>
-        </p:nvSpPr>
-        <p:spPr/>
-        <p:txBody>
-          <a:bodyPr/>
-          <a:lstStyle/>
-          <a:p>
-            <a:r>
-              <a:rPr lang="en-US" dirty="0" smtClean="0"/>
-              <a:t>Script #2</a:t>
-            </a:r>
-            <a:endParaRPr lang="en-US" dirty="0"/>
-          </a:p>
-        </p:txBody>
-      </p:sp>
-      <p:sp>
-        <p:nvSpPr>
-          <p:cNvPr id="3" name="Content Placeholder 2"/>
-          <p:cNvSpPr>
-            <a:spLocks noGrp="1"/>
-          </p:cNvSpPr>
-          <p:nvPr>
-            <p:ph idx="1"/>
-          </p:nvPr>
-        </p:nvSpPr>
-        <p:spPr/>
-        <p:txBody>
-          <a:bodyPr/>
-          <a:lstStyle/>
-          <a:p>
-            <a:r>
-              <a:rPr lang="en-US" dirty="0"/>
-              <a:t>Determine the </a:t>
-            </a:r>
-            <a:r>
-              <a:rPr lang="en-US" i="1" dirty="0"/>
-              <a:t>pairwise distance </a:t>
-            </a:r>
-            <a:r>
-              <a:rPr lang="en-US" dirty="0"/>
-              <a:t>between two sequences </a:t>
-            </a:r>
-          </a:p>
-          <a:p>
-            <a:pPr marL="971550" lvl="1" indent="-514350"/>
-            <a:r>
-              <a:rPr lang="en-US" dirty="0" smtClean="0"/>
-              <a:t>Your script should include two functions:</a:t>
-            </a:r>
-          </a:p>
-          <a:p>
-            <a:pPr marL="1657350" lvl="2" indent="-514350"/>
-            <a:r>
-              <a:rPr lang="en-US" dirty="0" smtClean="0"/>
-              <a:t>A function for reading in a sequence file</a:t>
-            </a:r>
-          </a:p>
-          <a:p>
-            <a:pPr marL="1657350" lvl="2" indent="-514350"/>
-            <a:r>
-              <a:rPr lang="en-US" dirty="0" smtClean="0"/>
-              <a:t>A function for computing pair-wise distances</a:t>
-            </a:r>
-          </a:p>
-          <a:p>
-            <a:pPr marL="971550" lvl="1" indent="-514350"/>
-            <a:endParaRPr lang="en-US" dirty="0"/>
-          </a:p>
-          <a:p>
-            <a:pPr marL="971550" lvl="1" indent="-514350"/>
-            <a:r>
-              <a:rPr lang="en-US" dirty="0" smtClean="0"/>
-              <a:t>Important considerations:</a:t>
-            </a:r>
-          </a:p>
-          <a:p>
-            <a:pPr marL="1657350" lvl="2" indent="-514350"/>
-            <a:r>
-              <a:rPr lang="en-US" dirty="0" smtClean="0"/>
-              <a:t>Allow for different sequence file formats</a:t>
-            </a:r>
-          </a:p>
-          <a:p>
-            <a:pPr marL="1657350" lvl="2" indent="-514350"/>
-            <a:r>
-              <a:rPr lang="en-US" dirty="0" smtClean="0"/>
-              <a:t>The sequences must be the same length </a:t>
-            </a:r>
-            <a:r>
-              <a:rPr lang="en-US" dirty="0" smtClean="0">
-                <a:solidFill>
-                  <a:schemeClr val="accent5"/>
-                </a:solidFill>
-              </a:rPr>
-              <a:t>(how can we enforce this?)</a:t>
-            </a:r>
-          </a:p>
-          <a:p>
-            <a:pPr marL="1657350" lvl="2" indent="-514350"/>
-            <a:endParaRPr lang="en-US" dirty="0" smtClean="0"/>
-          </a:p>
-        </p:txBody>
-      </p:sp>
-    </p:spTree>
-    <p:extLst>
-      <p:ext uri="{BB962C8B-B14F-4D97-AF65-F5344CB8AC3E}">
-        <p14:creationId xmlns:p14="http://schemas.microsoft.com/office/powerpoint/2010/main" val="2457218753"/>
       </p:ext>
     </p:extLst>
   </p:cSld>
